--- a/Linear Regression/Линейна регресия.pptx
+++ b/Linear Regression/Линейна регресия.pptx
@@ -11,6 +11,12 @@
     <p:sldId id="259" r:id="rId5"/>
     <p:sldId id="260" r:id="rId6"/>
     <p:sldId id="261" r:id="rId7"/>
+    <p:sldId id="267" r:id="rId8"/>
+    <p:sldId id="262" r:id="rId9"/>
+    <p:sldId id="263" r:id="rId10"/>
+    <p:sldId id="264" r:id="rId11"/>
+    <p:sldId id="265" r:id="rId12"/>
+    <p:sldId id="266" r:id="rId13"/>
   </p:sldIdLst>
   <p:sldSz cx="12192000" cy="6858000"/>
   <p:notesSz cx="6858000" cy="9144000"/>
@@ -109,6 +115,11 @@
       </a:defRPr>
     </a:lvl9pPr>
   </p:defaultTextStyle>
+  <p:extLst>
+    <p:ext uri="{EFAFB233-063F-42B5-8137-9DF3F51BA10A}">
+      <p15:sldGuideLst xmlns:p15="http://schemas.microsoft.com/office/powerpoint/2012/main"/>
+    </p:ext>
+  </p:extLst>
 </p:presentation>
 </file>
 
@@ -259,7 +270,7 @@
           <a:p>
             <a:fld id="{CA341156-8C64-40F2-83DA-B1E3890F8F4C}" type="datetimeFigureOut">
               <a:rPr lang="en-US" smtClean="0"/>
-              <a:t>4/15/2025</a:t>
+              <a:t>4/17/2025</a:t>
             </a:fld>
             <a:endParaRPr lang="en-US"/>
           </a:p>
@@ -457,7 +468,7 @@
           <a:p>
             <a:fld id="{CA341156-8C64-40F2-83DA-B1E3890F8F4C}" type="datetimeFigureOut">
               <a:rPr lang="en-US" smtClean="0"/>
-              <a:t>4/15/2025</a:t>
+              <a:t>4/17/2025</a:t>
             </a:fld>
             <a:endParaRPr lang="en-US"/>
           </a:p>
@@ -665,7 +676,7 @@
           <a:p>
             <a:fld id="{CA341156-8C64-40F2-83DA-B1E3890F8F4C}" type="datetimeFigureOut">
               <a:rPr lang="en-US" smtClean="0"/>
-              <a:t>4/15/2025</a:t>
+              <a:t>4/17/2025</a:t>
             </a:fld>
             <a:endParaRPr lang="en-US"/>
           </a:p>
@@ -863,7 +874,7 @@
           <a:p>
             <a:fld id="{CA341156-8C64-40F2-83DA-B1E3890F8F4C}" type="datetimeFigureOut">
               <a:rPr lang="en-US" smtClean="0"/>
-              <a:t>4/15/2025</a:t>
+              <a:t>4/17/2025</a:t>
             </a:fld>
             <a:endParaRPr lang="en-US"/>
           </a:p>
@@ -1138,7 +1149,7 @@
           <a:p>
             <a:fld id="{CA341156-8C64-40F2-83DA-B1E3890F8F4C}" type="datetimeFigureOut">
               <a:rPr lang="en-US" smtClean="0"/>
-              <a:t>4/15/2025</a:t>
+              <a:t>4/17/2025</a:t>
             </a:fld>
             <a:endParaRPr lang="en-US"/>
           </a:p>
@@ -1403,7 +1414,7 @@
           <a:p>
             <a:fld id="{CA341156-8C64-40F2-83DA-B1E3890F8F4C}" type="datetimeFigureOut">
               <a:rPr lang="en-US" smtClean="0"/>
-              <a:t>4/15/2025</a:t>
+              <a:t>4/17/2025</a:t>
             </a:fld>
             <a:endParaRPr lang="en-US"/>
           </a:p>
@@ -1815,7 +1826,7 @@
           <a:p>
             <a:fld id="{CA341156-8C64-40F2-83DA-B1E3890F8F4C}" type="datetimeFigureOut">
               <a:rPr lang="en-US" smtClean="0"/>
-              <a:t>4/15/2025</a:t>
+              <a:t>4/17/2025</a:t>
             </a:fld>
             <a:endParaRPr lang="en-US"/>
           </a:p>
@@ -1956,7 +1967,7 @@
           <a:p>
             <a:fld id="{CA341156-8C64-40F2-83DA-B1E3890F8F4C}" type="datetimeFigureOut">
               <a:rPr lang="en-US" smtClean="0"/>
-              <a:t>4/15/2025</a:t>
+              <a:t>4/17/2025</a:t>
             </a:fld>
             <a:endParaRPr lang="en-US"/>
           </a:p>
@@ -2069,7 +2080,7 @@
           <a:p>
             <a:fld id="{CA341156-8C64-40F2-83DA-B1E3890F8F4C}" type="datetimeFigureOut">
               <a:rPr lang="en-US" smtClean="0"/>
-              <a:t>4/15/2025</a:t>
+              <a:t>4/17/2025</a:t>
             </a:fld>
             <a:endParaRPr lang="en-US"/>
           </a:p>
@@ -2380,7 +2391,7 @@
           <a:p>
             <a:fld id="{CA341156-8C64-40F2-83DA-B1E3890F8F4C}" type="datetimeFigureOut">
               <a:rPr lang="en-US" smtClean="0"/>
-              <a:t>4/15/2025</a:t>
+              <a:t>4/17/2025</a:t>
             </a:fld>
             <a:endParaRPr lang="en-US"/>
           </a:p>
@@ -2668,7 +2679,7 @@
           <a:p>
             <a:fld id="{CA341156-8C64-40F2-83DA-B1E3890F8F4C}" type="datetimeFigureOut">
               <a:rPr lang="en-US" smtClean="0"/>
-              <a:t>4/15/2025</a:t>
+              <a:t>4/17/2025</a:t>
             </a:fld>
             <a:endParaRPr lang="en-US"/>
           </a:p>
@@ -2909,7 +2920,7 @@
           <a:p>
             <a:fld id="{CA341156-8C64-40F2-83DA-B1E3890F8F4C}" type="datetimeFigureOut">
               <a:rPr lang="en-US" smtClean="0"/>
-              <a:t>4/15/2025</a:t>
+              <a:t>4/17/2025</a:t>
             </a:fld>
             <a:endParaRPr lang="en-US"/>
           </a:p>
@@ -3397,6 +3408,2164 @@
 </p:sld>
 </file>
 
+<file path=ppt/slides/slide10.xml><?xml version="1.0" encoding="utf-8"?>
+<p:sld xmlns:a="http://schemas.openxmlformats.org/drawingml/2006/main" xmlns:r="http://schemas.openxmlformats.org/officeDocument/2006/relationships" xmlns:p="http://schemas.openxmlformats.org/presentationml/2006/main">
+  <p:cSld>
+    <p:spTree>
+      <p:nvGrpSpPr>
+        <p:cNvPr id="1" name=""/>
+        <p:cNvGrpSpPr/>
+        <p:nvPr/>
+      </p:nvGrpSpPr>
+      <p:grpSpPr>
+        <a:xfrm>
+          <a:off x="0" y="0"/>
+          <a:ext cx="0" cy="0"/>
+          <a:chOff x="0" y="0"/>
+          <a:chExt cx="0" cy="0"/>
+        </a:xfrm>
+      </p:grpSpPr>
+      <p:sp>
+        <p:nvSpPr>
+          <p:cNvPr id="2" name="Title 1">
+            <a:extLst>
+              <a:ext uri="{FF2B5EF4-FFF2-40B4-BE49-F238E27FC236}">
+                <a16:creationId xmlns:a16="http://schemas.microsoft.com/office/drawing/2014/main" id="{9AE24370-C1EA-4D72-8C87-8368E0FAA347}"/>
+              </a:ext>
+            </a:extLst>
+          </p:cNvPr>
+          <p:cNvSpPr>
+            <a:spLocks noGrp="1"/>
+          </p:cNvSpPr>
+          <p:nvPr>
+            <p:ph type="title"/>
+          </p:nvPr>
+        </p:nvSpPr>
+        <p:spPr/>
+        <p:txBody>
+          <a:bodyPr/>
+          <a:lstStyle/>
+          <a:p>
+            <a:r>
+              <a:rPr lang="bg-BG" dirty="0"/>
+              <a:t>Метод на най-малките квадрати</a:t>
+            </a:r>
+            <a:endParaRPr lang="en-US" dirty="0"/>
+          </a:p>
+        </p:txBody>
+      </p:sp>
+      <mc:AlternateContent xmlns:mc="http://schemas.openxmlformats.org/markup-compatibility/2006">
+        <mc:Choice xmlns:a14="http://schemas.microsoft.com/office/drawing/2010/main" Requires="a14">
+          <p:sp>
+            <p:nvSpPr>
+              <p:cNvPr id="3" name="Content Placeholder 2">
+                <a:extLst>
+                  <a:ext uri="{FF2B5EF4-FFF2-40B4-BE49-F238E27FC236}">
+                    <a16:creationId xmlns:a16="http://schemas.microsoft.com/office/drawing/2014/main" id="{30E0CED8-BFE5-4D5C-B840-793FE51521F9}"/>
+                  </a:ext>
+                </a:extLst>
+              </p:cNvPr>
+              <p:cNvSpPr>
+                <a:spLocks noGrp="1"/>
+              </p:cNvSpPr>
+              <p:nvPr>
+                <p:ph idx="1"/>
+              </p:nvPr>
+            </p:nvSpPr>
+            <p:spPr/>
+            <p:txBody>
+              <a:bodyPr>
+                <a:normAutofit/>
+              </a:bodyPr>
+              <a:lstStyle/>
+              <a:p>
+                <a14:m>
+                  <m:oMath xmlns:m="http://schemas.openxmlformats.org/officeDocument/2006/math">
+                    <m:r>
+                      <a:rPr lang="en-US" i="1" smtClean="0">
+                        <a:latin typeface="Cambria Math" panose="02040503050406030204" pitchFamily="18" charset="0"/>
+                      </a:rPr>
+                      <m:t>𝑛</m:t>
+                    </m:r>
+                    <m:sSub>
+                      <m:sSubPr>
+                        <m:ctrlPr>
+                          <a:rPr lang="en-US" i="1" smtClean="0">
+                            <a:solidFill>
+                              <a:srgbClr val="836967"/>
+                            </a:solidFill>
+                            <a:latin typeface="Cambria Math" panose="02040503050406030204" pitchFamily="18" charset="0"/>
+                          </a:rPr>
+                        </m:ctrlPr>
+                      </m:sSubPr>
+                      <m:e>
+                        <m:r>
+                          <a:rPr lang="en-US" i="1">
+                            <a:latin typeface="Cambria Math" panose="02040503050406030204" pitchFamily="18" charset="0"/>
+                          </a:rPr>
+                          <m:t>𝛽</m:t>
+                        </m:r>
+                      </m:e>
+                      <m:sub>
+                        <m:r>
+                          <a:rPr lang="en-US" i="1" smtClean="0">
+                            <a:latin typeface="Cambria Math" panose="02040503050406030204" pitchFamily="18" charset="0"/>
+                          </a:rPr>
+                          <m:t>0</m:t>
+                        </m:r>
+                      </m:sub>
+                    </m:sSub>
+                    <m:r>
+                      <a:rPr lang="en-US" i="1" smtClean="0">
+                        <a:latin typeface="Cambria Math" panose="02040503050406030204" pitchFamily="18" charset="0"/>
+                      </a:rPr>
+                      <m:t>+</m:t>
+                    </m:r>
+                    <m:sSub>
+                      <m:sSubPr>
+                        <m:ctrlPr>
+                          <a:rPr lang="en-US" i="1" smtClean="0">
+                            <a:solidFill>
+                              <a:srgbClr val="836967"/>
+                            </a:solidFill>
+                            <a:latin typeface="Cambria Math" panose="02040503050406030204" pitchFamily="18" charset="0"/>
+                          </a:rPr>
+                        </m:ctrlPr>
+                      </m:sSubPr>
+                      <m:e>
+                        <m:r>
+                          <a:rPr lang="en-US" i="1" smtClean="0">
+                            <a:latin typeface="Cambria Math" panose="02040503050406030204" pitchFamily="18" charset="0"/>
+                          </a:rPr>
+                          <m:t>𝛽</m:t>
+                        </m:r>
+                      </m:e>
+                      <m:sub>
+                        <m:r>
+                          <a:rPr lang="en-US" i="1" smtClean="0">
+                            <a:latin typeface="Cambria Math" panose="02040503050406030204" pitchFamily="18" charset="0"/>
+                          </a:rPr>
+                          <m:t>1</m:t>
+                        </m:r>
+                      </m:sub>
+                    </m:sSub>
+                    <m:nary>
+                      <m:naryPr>
+                        <m:chr m:val="∑"/>
+                        <m:limLoc m:val="undOvr"/>
+                        <m:grow m:val="on"/>
+                        <m:ctrlPr>
+                          <a:rPr lang="en-US" i="1" smtClean="0">
+                            <a:latin typeface="Cambria Math" panose="02040503050406030204" pitchFamily="18" charset="0"/>
+                          </a:rPr>
+                        </m:ctrlPr>
+                      </m:naryPr>
+                      <m:sub>
+                        <m:r>
+                          <a:rPr lang="en-US" i="1" smtClean="0">
+                            <a:latin typeface="Cambria Math" panose="02040503050406030204" pitchFamily="18" charset="0"/>
+                          </a:rPr>
+                          <m:t>𝑖</m:t>
+                        </m:r>
+                        <m:r>
+                          <a:rPr lang="en-US" i="1" smtClean="0">
+                            <a:latin typeface="Cambria Math" panose="02040503050406030204" pitchFamily="18" charset="0"/>
+                          </a:rPr>
+                          <m:t>=1</m:t>
+                        </m:r>
+                      </m:sub>
+                      <m:sup>
+                        <m:r>
+                          <a:rPr lang="en-US" i="1" smtClean="0">
+                            <a:latin typeface="Cambria Math" panose="02040503050406030204" pitchFamily="18" charset="0"/>
+                          </a:rPr>
+                          <m:t>𝑛</m:t>
+                        </m:r>
+                      </m:sup>
+                      <m:e>
+                        <m:sSub>
+                          <m:sSubPr>
+                            <m:ctrlPr>
+                              <a:rPr lang="en-US" i="1" smtClean="0">
+                                <a:solidFill>
+                                  <a:srgbClr val="836967"/>
+                                </a:solidFill>
+                                <a:latin typeface="Cambria Math" panose="02040503050406030204" pitchFamily="18" charset="0"/>
+                              </a:rPr>
+                            </m:ctrlPr>
+                          </m:sSubPr>
+                          <m:e>
+                            <m:r>
+                              <a:rPr lang="en-US" i="1" smtClean="0">
+                                <a:latin typeface="Cambria Math" panose="02040503050406030204" pitchFamily="18" charset="0"/>
+                              </a:rPr>
+                              <m:t>𝑥</m:t>
+                            </m:r>
+                          </m:e>
+                          <m:sub>
+                            <m:r>
+                              <a:rPr lang="en-US" b="0" i="1" smtClean="0">
+                                <a:latin typeface="Cambria Math" panose="02040503050406030204" pitchFamily="18" charset="0"/>
+                              </a:rPr>
+                              <m:t>𝑖</m:t>
+                            </m:r>
+                          </m:sub>
+                        </m:sSub>
+                      </m:e>
+                    </m:nary>
+                    <m:r>
+                      <a:rPr lang="en-US" i="1" smtClean="0">
+                        <a:latin typeface="Cambria Math" panose="02040503050406030204" pitchFamily="18" charset="0"/>
+                      </a:rPr>
+                      <m:t>=</m:t>
+                    </m:r>
+                    <m:nary>
+                      <m:naryPr>
+                        <m:chr m:val="∑"/>
+                        <m:limLoc m:val="undOvr"/>
+                        <m:grow m:val="on"/>
+                        <m:ctrlPr>
+                          <a:rPr lang="en-US" i="1" smtClean="0">
+                            <a:latin typeface="Cambria Math" panose="02040503050406030204" pitchFamily="18" charset="0"/>
+                          </a:rPr>
+                        </m:ctrlPr>
+                      </m:naryPr>
+                      <m:sub>
+                        <m:r>
+                          <a:rPr lang="en-US" i="1" smtClean="0">
+                            <a:latin typeface="Cambria Math" panose="02040503050406030204" pitchFamily="18" charset="0"/>
+                          </a:rPr>
+                          <m:t>𝑖</m:t>
+                        </m:r>
+                        <m:r>
+                          <a:rPr lang="en-US" i="1" smtClean="0">
+                            <a:latin typeface="Cambria Math" panose="02040503050406030204" pitchFamily="18" charset="0"/>
+                          </a:rPr>
+                          <m:t>=1</m:t>
+                        </m:r>
+                      </m:sub>
+                      <m:sup>
+                        <m:r>
+                          <a:rPr lang="en-US" i="1" smtClean="0">
+                            <a:latin typeface="Cambria Math" panose="02040503050406030204" pitchFamily="18" charset="0"/>
+                          </a:rPr>
+                          <m:t>𝑛</m:t>
+                        </m:r>
+                      </m:sup>
+                      <m:e>
+                        <m:sSub>
+                          <m:sSubPr>
+                            <m:ctrlPr>
+                              <a:rPr lang="en-US" i="1" smtClean="0">
+                                <a:solidFill>
+                                  <a:srgbClr val="836967"/>
+                                </a:solidFill>
+                                <a:latin typeface="Cambria Math" panose="02040503050406030204" pitchFamily="18" charset="0"/>
+                              </a:rPr>
+                            </m:ctrlPr>
+                          </m:sSubPr>
+                          <m:e>
+                            <m:r>
+                              <a:rPr lang="en-US" i="1" smtClean="0">
+                                <a:latin typeface="Cambria Math" panose="02040503050406030204" pitchFamily="18" charset="0"/>
+                              </a:rPr>
+                              <m:t>𝑦</m:t>
+                            </m:r>
+                          </m:e>
+                          <m:sub>
+                            <m:r>
+                              <a:rPr lang="en-US" i="1" smtClean="0">
+                                <a:latin typeface="Cambria Math" panose="02040503050406030204" pitchFamily="18" charset="0"/>
+                              </a:rPr>
+                              <m:t>𝑖</m:t>
+                            </m:r>
+                          </m:sub>
+                        </m:sSub>
+                      </m:e>
+                    </m:nary>
+                  </m:oMath>
+                </a14:m>
+                <a:r>
+                  <a:rPr lang="en-US" dirty="0"/>
+                  <a:t> </a:t>
+                </a:r>
+                <a:r>
+                  <a:rPr lang="bg-BG" dirty="0"/>
+                  <a:t>От </a:t>
+                </a:r>
+                <a:r>
+                  <a:rPr lang="en-US" dirty="0"/>
+                  <a:t>f’(</a:t>
+                </a:r>
+                <a:r>
+                  <a:rPr lang="el-GR" b="1" dirty="0"/>
+                  <a:t>β</a:t>
+                </a:r>
+                <a:r>
+                  <a:rPr lang="en-US" sz="1200" b="1" dirty="0"/>
+                  <a:t>0</a:t>
+                </a:r>
+                <a:r>
+                  <a:rPr lang="en-US" dirty="0"/>
+                  <a:t>) </a:t>
+                </a:r>
+              </a:p>
+              <a:p>
+                <a14:m>
+                  <m:oMath xmlns:m="http://schemas.openxmlformats.org/officeDocument/2006/math">
+                    <m:sSub>
+                      <m:sSubPr>
+                        <m:ctrlPr>
+                          <a:rPr lang="en-US" i="1" smtClean="0">
+                            <a:solidFill>
+                              <a:srgbClr val="836967"/>
+                            </a:solidFill>
+                            <a:latin typeface="Cambria Math" panose="02040503050406030204" pitchFamily="18" charset="0"/>
+                          </a:rPr>
+                        </m:ctrlPr>
+                      </m:sSubPr>
+                      <m:e>
+                        <m:r>
+                          <a:rPr lang="en-US" i="1" smtClean="0">
+                            <a:latin typeface="Cambria Math" panose="02040503050406030204" pitchFamily="18" charset="0"/>
+                          </a:rPr>
+                          <m:t>𝛽</m:t>
+                        </m:r>
+                      </m:e>
+                      <m:sub>
+                        <m:r>
+                          <a:rPr lang="en-US" i="1" smtClean="0">
+                            <a:latin typeface="Cambria Math" panose="02040503050406030204" pitchFamily="18" charset="0"/>
+                          </a:rPr>
+                          <m:t>0</m:t>
+                        </m:r>
+                      </m:sub>
+                    </m:sSub>
+                    <m:r>
+                      <a:rPr lang="en-US" i="1" smtClean="0">
+                        <a:latin typeface="Cambria Math" panose="02040503050406030204" pitchFamily="18" charset="0"/>
+                      </a:rPr>
+                      <m:t>=</m:t>
+                    </m:r>
+                    <m:f>
+                      <m:fPr>
+                        <m:ctrlPr>
+                          <a:rPr lang="en-US" i="1" smtClean="0">
+                            <a:solidFill>
+                              <a:srgbClr val="836967"/>
+                            </a:solidFill>
+                            <a:latin typeface="Cambria Math" panose="02040503050406030204" pitchFamily="18" charset="0"/>
+                          </a:rPr>
+                        </m:ctrlPr>
+                      </m:fPr>
+                      <m:num>
+                        <m:r>
+                          <a:rPr lang="en-US" i="1" smtClean="0">
+                            <a:latin typeface="Cambria Math" panose="02040503050406030204" pitchFamily="18" charset="0"/>
+                          </a:rPr>
+                          <m:t>1</m:t>
+                        </m:r>
+                      </m:num>
+                      <m:den>
+                        <m:r>
+                          <a:rPr lang="en-US" i="1" smtClean="0">
+                            <a:latin typeface="Cambria Math" panose="02040503050406030204" pitchFamily="18" charset="0"/>
+                          </a:rPr>
+                          <m:t>𝑛</m:t>
+                        </m:r>
+                      </m:den>
+                    </m:f>
+                    <m:d>
+                      <m:dPr>
+                        <m:ctrlPr>
+                          <a:rPr lang="en-US" i="1" smtClean="0">
+                            <a:solidFill>
+                              <a:srgbClr val="836967"/>
+                            </a:solidFill>
+                            <a:latin typeface="Cambria Math" panose="02040503050406030204" pitchFamily="18" charset="0"/>
+                          </a:rPr>
+                        </m:ctrlPr>
+                      </m:dPr>
+                      <m:e>
+                        <m:nary>
+                          <m:naryPr>
+                            <m:chr m:val="∑"/>
+                            <m:limLoc m:val="undOvr"/>
+                            <m:grow m:val="on"/>
+                            <m:ctrlPr>
+                              <a:rPr lang="en-US" i="1" smtClean="0">
+                                <a:latin typeface="Cambria Math" panose="02040503050406030204" pitchFamily="18" charset="0"/>
+                              </a:rPr>
+                            </m:ctrlPr>
+                          </m:naryPr>
+                          <m:sub>
+                            <m:r>
+                              <a:rPr lang="en-US" b="0" i="1" smtClean="0">
+                                <a:latin typeface="Cambria Math" panose="02040503050406030204" pitchFamily="18" charset="0"/>
+                              </a:rPr>
+                              <m:t>𝑖</m:t>
+                            </m:r>
+                            <m:r>
+                              <a:rPr lang="en-US" i="1" smtClean="0">
+                                <a:latin typeface="Cambria Math" panose="02040503050406030204" pitchFamily="18" charset="0"/>
+                              </a:rPr>
+                              <m:t>=0</m:t>
+                            </m:r>
+                          </m:sub>
+                          <m:sup>
+                            <m:r>
+                              <a:rPr lang="en-US" i="1" smtClean="0">
+                                <a:latin typeface="Cambria Math" panose="02040503050406030204" pitchFamily="18" charset="0"/>
+                              </a:rPr>
+                              <m:t>𝑛</m:t>
+                            </m:r>
+                          </m:sup>
+                          <m:e>
+                            <m:sSub>
+                              <m:sSubPr>
+                                <m:ctrlPr>
+                                  <a:rPr lang="en-US" i="1" smtClean="0">
+                                    <a:solidFill>
+                                      <a:srgbClr val="836967"/>
+                                    </a:solidFill>
+                                    <a:latin typeface="Cambria Math" panose="02040503050406030204" pitchFamily="18" charset="0"/>
+                                  </a:rPr>
+                                </m:ctrlPr>
+                              </m:sSubPr>
+                              <m:e>
+                                <m:r>
+                                  <a:rPr lang="en-US" i="1" smtClean="0">
+                                    <a:latin typeface="Cambria Math" panose="02040503050406030204" pitchFamily="18" charset="0"/>
+                                  </a:rPr>
+                                  <m:t>𝑦</m:t>
+                                </m:r>
+                              </m:e>
+                              <m:sub>
+                                <m:r>
+                                  <a:rPr lang="en-US" i="1" smtClean="0">
+                                    <a:latin typeface="Cambria Math" panose="02040503050406030204" pitchFamily="18" charset="0"/>
+                                  </a:rPr>
+                                  <m:t>𝑖</m:t>
+                                </m:r>
+                              </m:sub>
+                            </m:sSub>
+                          </m:e>
+                        </m:nary>
+                        <m:r>
+                          <a:rPr lang="en-US" b="0" i="1" smtClean="0">
+                            <a:latin typeface="Cambria Math" panose="02040503050406030204" pitchFamily="18" charset="0"/>
+                          </a:rPr>
+                          <m:t> − </m:t>
+                        </m:r>
+                        <m:sSub>
+                          <m:sSubPr>
+                            <m:ctrlPr>
+                              <a:rPr lang="en-US" i="1" smtClean="0">
+                                <a:solidFill>
+                                  <a:srgbClr val="836967"/>
+                                </a:solidFill>
+                                <a:latin typeface="Cambria Math" panose="02040503050406030204" pitchFamily="18" charset="0"/>
+                              </a:rPr>
+                            </m:ctrlPr>
+                          </m:sSubPr>
+                          <m:e>
+                            <m:r>
+                              <a:rPr lang="en-US" i="1" smtClean="0">
+                                <a:latin typeface="Cambria Math" panose="02040503050406030204" pitchFamily="18" charset="0"/>
+                              </a:rPr>
+                              <m:t>𝛽</m:t>
+                            </m:r>
+                          </m:e>
+                          <m:sub>
+                            <m:r>
+                              <a:rPr lang="en-US" i="1" smtClean="0">
+                                <a:latin typeface="Cambria Math" panose="02040503050406030204" pitchFamily="18" charset="0"/>
+                              </a:rPr>
+                              <m:t>1</m:t>
+                            </m:r>
+                          </m:sub>
+                        </m:sSub>
+                        <m:nary>
+                          <m:naryPr>
+                            <m:chr m:val="∑"/>
+                            <m:limLoc m:val="undOvr"/>
+                            <m:grow m:val="on"/>
+                            <m:ctrlPr>
+                              <a:rPr lang="en-US" i="1" smtClean="0">
+                                <a:latin typeface="Cambria Math" panose="02040503050406030204" pitchFamily="18" charset="0"/>
+                              </a:rPr>
+                            </m:ctrlPr>
+                          </m:naryPr>
+                          <m:sub>
+                            <m:r>
+                              <a:rPr lang="en-US" i="1" smtClean="0">
+                                <a:latin typeface="Cambria Math" panose="02040503050406030204" pitchFamily="18" charset="0"/>
+                              </a:rPr>
+                              <m:t>𝑖</m:t>
+                            </m:r>
+                            <m:r>
+                              <a:rPr lang="en-US" i="1" smtClean="0">
+                                <a:latin typeface="Cambria Math" panose="02040503050406030204" pitchFamily="18" charset="0"/>
+                              </a:rPr>
+                              <m:t>=1</m:t>
+                            </m:r>
+                          </m:sub>
+                          <m:sup>
+                            <m:r>
+                              <a:rPr lang="en-US" i="1" smtClean="0">
+                                <a:latin typeface="Cambria Math" panose="02040503050406030204" pitchFamily="18" charset="0"/>
+                              </a:rPr>
+                              <m:t>𝑛</m:t>
+                            </m:r>
+                          </m:sup>
+                          <m:e>
+                            <m:sSub>
+                              <m:sSubPr>
+                                <m:ctrlPr>
+                                  <a:rPr lang="en-US" i="1" smtClean="0">
+                                    <a:solidFill>
+                                      <a:srgbClr val="836967"/>
+                                    </a:solidFill>
+                                    <a:latin typeface="Cambria Math" panose="02040503050406030204" pitchFamily="18" charset="0"/>
+                                  </a:rPr>
+                                </m:ctrlPr>
+                              </m:sSubPr>
+                              <m:e>
+                                <m:r>
+                                  <a:rPr lang="en-US" i="1" smtClean="0">
+                                    <a:latin typeface="Cambria Math" panose="02040503050406030204" pitchFamily="18" charset="0"/>
+                                  </a:rPr>
+                                  <m:t>𝑥</m:t>
+                                </m:r>
+                              </m:e>
+                              <m:sub>
+                                <m:r>
+                                  <a:rPr lang="en-US" i="1" smtClean="0">
+                                    <a:latin typeface="Cambria Math" panose="02040503050406030204" pitchFamily="18" charset="0"/>
+                                  </a:rPr>
+                                  <m:t>𝑖</m:t>
+                                </m:r>
+                              </m:sub>
+                            </m:sSub>
+                          </m:e>
+                        </m:nary>
+                      </m:e>
+                    </m:d>
+                  </m:oMath>
+                </a14:m>
+                <a:endParaRPr lang="en-US" dirty="0"/>
+              </a:p>
+              <a:p>
+                <a:r>
+                  <a:rPr lang="bg-BG" dirty="0"/>
+                  <a:t>Заместваме в </a:t>
+                </a:r>
+                <a:r>
+                  <a:rPr lang="en-US" dirty="0"/>
+                  <a:t>f’(</a:t>
+                </a:r>
+                <a:r>
+                  <a:rPr lang="el-GR" b="1" dirty="0"/>
+                  <a:t>β</a:t>
+                </a:r>
+                <a:r>
+                  <a:rPr lang="bg-BG" sz="1200" b="1" dirty="0"/>
+                  <a:t>1</a:t>
+                </a:r>
+                <a:r>
+                  <a:rPr lang="en-US" dirty="0"/>
+                  <a:t>)</a:t>
+                </a:r>
+                <a:r>
+                  <a:rPr lang="bg-BG" dirty="0"/>
+                  <a:t> и след опростяване получаваме</a:t>
+                </a:r>
+                <a:r>
+                  <a:rPr lang="en-US" dirty="0"/>
+                  <a:t>:</a:t>
+                </a:r>
+              </a:p>
+              <a:p>
+                <a14:m>
+                  <m:oMath xmlns:m="http://schemas.openxmlformats.org/officeDocument/2006/math">
+                    <m:sSub>
+                      <m:sSubPr>
+                        <m:ctrlPr>
+                          <a:rPr lang="en-US" i="1">
+                            <a:solidFill>
+                              <a:srgbClr val="836967"/>
+                            </a:solidFill>
+                            <a:latin typeface="Cambria Math" panose="02040503050406030204" pitchFamily="18" charset="0"/>
+                          </a:rPr>
+                        </m:ctrlPr>
+                      </m:sSubPr>
+                      <m:e>
+                        <m:r>
+                          <a:rPr lang="en-US" i="1">
+                            <a:latin typeface="Cambria Math" panose="02040503050406030204" pitchFamily="18" charset="0"/>
+                          </a:rPr>
+                          <m:t>𝛽</m:t>
+                        </m:r>
+                      </m:e>
+                      <m:sub>
+                        <m:r>
+                          <a:rPr lang="en-US" i="1">
+                            <a:latin typeface="Cambria Math" panose="02040503050406030204" pitchFamily="18" charset="0"/>
+                          </a:rPr>
+                          <m:t>1</m:t>
+                        </m:r>
+                      </m:sub>
+                    </m:sSub>
+                    <m:r>
+                      <a:rPr lang="en-US" i="1">
+                        <a:latin typeface="Cambria Math" panose="02040503050406030204" pitchFamily="18" charset="0"/>
+                      </a:rPr>
+                      <m:t> </m:t>
+                    </m:r>
+                    <m:r>
+                      <a:rPr lang="en-US" b="0" i="1" smtClean="0">
+                        <a:latin typeface="Cambria Math" panose="02040503050406030204" pitchFamily="18" charset="0"/>
+                      </a:rPr>
+                      <m:t>= </m:t>
+                    </m:r>
+                    <m:f>
+                      <m:fPr>
+                        <m:ctrlPr>
+                          <a:rPr lang="bg-BG" i="1" smtClean="0">
+                            <a:solidFill>
+                              <a:srgbClr val="836967"/>
+                            </a:solidFill>
+                            <a:latin typeface="Cambria Math" panose="02040503050406030204" pitchFamily="18" charset="0"/>
+                          </a:rPr>
+                        </m:ctrlPr>
+                      </m:fPr>
+                      <m:num>
+                        <m:nary>
+                          <m:naryPr>
+                            <m:chr m:val="∑"/>
+                            <m:limLoc m:val="undOvr"/>
+                            <m:grow m:val="on"/>
+                            <m:ctrlPr>
+                              <a:rPr lang="bg-BG" i="1" smtClean="0">
+                                <a:latin typeface="Cambria Math" panose="02040503050406030204" pitchFamily="18" charset="0"/>
+                              </a:rPr>
+                            </m:ctrlPr>
+                          </m:naryPr>
+                          <m:sub>
+                            <m:r>
+                              <a:rPr lang="bg-BG" i="1" smtClean="0">
+                                <a:latin typeface="Cambria Math" panose="02040503050406030204" pitchFamily="18" charset="0"/>
+                              </a:rPr>
+                              <m:t>𝑖</m:t>
+                            </m:r>
+                            <m:r>
+                              <a:rPr lang="bg-BG" i="1" smtClean="0">
+                                <a:latin typeface="Cambria Math" panose="02040503050406030204" pitchFamily="18" charset="0"/>
+                              </a:rPr>
+                              <m:t>=0</m:t>
+                            </m:r>
+                          </m:sub>
+                          <m:sup>
+                            <m:r>
+                              <a:rPr lang="bg-BG" i="1" smtClean="0">
+                                <a:latin typeface="Cambria Math" panose="02040503050406030204" pitchFamily="18" charset="0"/>
+                              </a:rPr>
+                              <m:t>𝑛</m:t>
+                            </m:r>
+                          </m:sup>
+                          <m:e>
+                            <m:sSub>
+                              <m:sSubPr>
+                                <m:ctrlPr>
+                                  <a:rPr lang="bg-BG" i="1" smtClean="0">
+                                    <a:solidFill>
+                                      <a:srgbClr val="836967"/>
+                                    </a:solidFill>
+                                    <a:latin typeface="Cambria Math" panose="02040503050406030204" pitchFamily="18" charset="0"/>
+                                  </a:rPr>
+                                </m:ctrlPr>
+                              </m:sSubPr>
+                              <m:e>
+                                <m:r>
+                                  <a:rPr lang="bg-BG" i="1" smtClean="0">
+                                    <a:latin typeface="Cambria Math" panose="02040503050406030204" pitchFamily="18" charset="0"/>
+                                  </a:rPr>
+                                  <m:t>𝑥</m:t>
+                                </m:r>
+                              </m:e>
+                              <m:sub>
+                                <m:r>
+                                  <a:rPr lang="bg-BG" i="1" smtClean="0">
+                                    <a:latin typeface="Cambria Math" panose="02040503050406030204" pitchFamily="18" charset="0"/>
+                                  </a:rPr>
+                                  <m:t>𝑖</m:t>
+                                </m:r>
+                              </m:sub>
+                            </m:sSub>
+                          </m:e>
+                        </m:nary>
+                        <m:r>
+                          <a:rPr lang="bg-BG" i="1" smtClean="0">
+                            <a:latin typeface="Cambria Math" panose="02040503050406030204" pitchFamily="18" charset="0"/>
+                          </a:rPr>
+                          <m:t>⋅</m:t>
+                        </m:r>
+                        <m:sSub>
+                          <m:sSubPr>
+                            <m:ctrlPr>
+                              <a:rPr lang="bg-BG" i="1" smtClean="0">
+                                <a:solidFill>
+                                  <a:srgbClr val="836967"/>
+                                </a:solidFill>
+                                <a:latin typeface="Cambria Math" panose="02040503050406030204" pitchFamily="18" charset="0"/>
+                              </a:rPr>
+                            </m:ctrlPr>
+                          </m:sSubPr>
+                          <m:e>
+                            <m:r>
+                              <a:rPr lang="bg-BG" i="1" smtClean="0">
+                                <a:latin typeface="Cambria Math" panose="02040503050406030204" pitchFamily="18" charset="0"/>
+                              </a:rPr>
+                              <m:t>𝑦</m:t>
+                            </m:r>
+                          </m:e>
+                          <m:sub>
+                            <m:r>
+                              <a:rPr lang="en-US" b="0" i="1" smtClean="0">
+                                <a:latin typeface="Cambria Math" panose="02040503050406030204" pitchFamily="18" charset="0"/>
+                              </a:rPr>
+                              <m:t>𝑖</m:t>
+                            </m:r>
+                          </m:sub>
+                        </m:sSub>
+                        <m:r>
+                          <a:rPr lang="bg-BG" i="1" smtClean="0">
+                            <a:latin typeface="Cambria Math" panose="02040503050406030204" pitchFamily="18" charset="0"/>
+                          </a:rPr>
+                          <m:t>−</m:t>
+                        </m:r>
+                        <m:f>
+                          <m:fPr>
+                            <m:ctrlPr>
+                              <a:rPr lang="bg-BG" i="1" smtClean="0">
+                                <a:solidFill>
+                                  <a:srgbClr val="836967"/>
+                                </a:solidFill>
+                                <a:latin typeface="Cambria Math" panose="02040503050406030204" pitchFamily="18" charset="0"/>
+                              </a:rPr>
+                            </m:ctrlPr>
+                          </m:fPr>
+                          <m:num>
+                            <m:r>
+                              <a:rPr lang="bg-BG" i="1" smtClean="0">
+                                <a:latin typeface="Cambria Math" panose="02040503050406030204" pitchFamily="18" charset="0"/>
+                              </a:rPr>
+                              <m:t>1</m:t>
+                            </m:r>
+                          </m:num>
+                          <m:den>
+                            <m:r>
+                              <a:rPr lang="bg-BG" i="1" smtClean="0">
+                                <a:latin typeface="Cambria Math" panose="02040503050406030204" pitchFamily="18" charset="0"/>
+                              </a:rPr>
+                              <m:t>𝑛</m:t>
+                            </m:r>
+                          </m:den>
+                        </m:f>
+                        <m:d>
+                          <m:dPr>
+                            <m:ctrlPr>
+                              <a:rPr lang="bg-BG" i="1" smtClean="0">
+                                <a:solidFill>
+                                  <a:srgbClr val="836967"/>
+                                </a:solidFill>
+                                <a:latin typeface="Cambria Math" panose="02040503050406030204" pitchFamily="18" charset="0"/>
+                              </a:rPr>
+                            </m:ctrlPr>
+                          </m:dPr>
+                          <m:e>
+                            <m:nary>
+                              <m:naryPr>
+                                <m:chr m:val="∑"/>
+                                <m:limLoc m:val="undOvr"/>
+                                <m:grow m:val="on"/>
+                                <m:ctrlPr>
+                                  <a:rPr lang="bg-BG" i="1" smtClean="0">
+                                    <a:latin typeface="Cambria Math" panose="02040503050406030204" pitchFamily="18" charset="0"/>
+                                  </a:rPr>
+                                </m:ctrlPr>
+                              </m:naryPr>
+                              <m:sub>
+                                <m:r>
+                                  <a:rPr lang="en-US" b="0" i="1" smtClean="0">
+                                    <a:latin typeface="Cambria Math" panose="02040503050406030204" pitchFamily="18" charset="0"/>
+                                  </a:rPr>
+                                  <m:t>𝑖</m:t>
+                                </m:r>
+                                <m:r>
+                                  <a:rPr lang="bg-BG" i="1" smtClean="0">
+                                    <a:latin typeface="Cambria Math" panose="02040503050406030204" pitchFamily="18" charset="0"/>
+                                  </a:rPr>
+                                  <m:t>=1</m:t>
+                                </m:r>
+                              </m:sub>
+                              <m:sup>
+                                <m:r>
+                                  <a:rPr lang="bg-BG" i="1" smtClean="0">
+                                    <a:latin typeface="Cambria Math" panose="02040503050406030204" pitchFamily="18" charset="0"/>
+                                  </a:rPr>
+                                  <m:t>𝑛</m:t>
+                                </m:r>
+                              </m:sup>
+                              <m:e>
+                                <m:sSub>
+                                  <m:sSubPr>
+                                    <m:ctrlPr>
+                                      <a:rPr lang="bg-BG" i="1" smtClean="0">
+                                        <a:solidFill>
+                                          <a:srgbClr val="836967"/>
+                                        </a:solidFill>
+                                        <a:latin typeface="Cambria Math" panose="02040503050406030204" pitchFamily="18" charset="0"/>
+                                      </a:rPr>
+                                    </m:ctrlPr>
+                                  </m:sSubPr>
+                                  <m:e>
+                                    <m:r>
+                                      <a:rPr lang="bg-BG" i="1" smtClean="0">
+                                        <a:latin typeface="Cambria Math" panose="02040503050406030204" pitchFamily="18" charset="0"/>
+                                      </a:rPr>
+                                      <m:t>𝑥</m:t>
+                                    </m:r>
+                                  </m:e>
+                                  <m:sub>
+                                    <m:r>
+                                      <a:rPr lang="bg-BG" i="1" smtClean="0">
+                                        <a:latin typeface="Cambria Math" panose="02040503050406030204" pitchFamily="18" charset="0"/>
+                                      </a:rPr>
+                                      <m:t>𝑖</m:t>
+                                    </m:r>
+                                  </m:sub>
+                                </m:sSub>
+                              </m:e>
+                            </m:nary>
+                          </m:e>
+                        </m:d>
+                        <m:d>
+                          <m:dPr>
+                            <m:ctrlPr>
+                              <a:rPr lang="bg-BG" i="1">
+                                <a:solidFill>
+                                  <a:srgbClr val="836967"/>
+                                </a:solidFill>
+                                <a:latin typeface="Cambria Math" panose="02040503050406030204" pitchFamily="18" charset="0"/>
+                              </a:rPr>
+                            </m:ctrlPr>
+                          </m:dPr>
+                          <m:e>
+                            <m:nary>
+                              <m:naryPr>
+                                <m:chr m:val="∑"/>
+                                <m:limLoc m:val="undOvr"/>
+                                <m:grow m:val="on"/>
+                                <m:ctrlPr>
+                                  <a:rPr lang="bg-BG" i="1">
+                                    <a:latin typeface="Cambria Math" panose="02040503050406030204" pitchFamily="18" charset="0"/>
+                                  </a:rPr>
+                                </m:ctrlPr>
+                              </m:naryPr>
+                              <m:sub>
+                                <m:r>
+                                  <a:rPr lang="en-US" b="0" i="1" smtClean="0">
+                                    <a:latin typeface="Cambria Math" panose="02040503050406030204" pitchFamily="18" charset="0"/>
+                                  </a:rPr>
+                                  <m:t>𝑖</m:t>
+                                </m:r>
+                                <m:r>
+                                  <a:rPr lang="bg-BG" i="1">
+                                    <a:latin typeface="Cambria Math" panose="02040503050406030204" pitchFamily="18" charset="0"/>
+                                  </a:rPr>
+                                  <m:t>=1</m:t>
+                                </m:r>
+                              </m:sub>
+                              <m:sup>
+                                <m:r>
+                                  <a:rPr lang="bg-BG" i="1">
+                                    <a:latin typeface="Cambria Math" panose="02040503050406030204" pitchFamily="18" charset="0"/>
+                                  </a:rPr>
+                                  <m:t>𝑛</m:t>
+                                </m:r>
+                              </m:sup>
+                              <m:e>
+                                <m:sSub>
+                                  <m:sSubPr>
+                                    <m:ctrlPr>
+                                      <a:rPr lang="bg-BG" i="1">
+                                        <a:solidFill>
+                                          <a:srgbClr val="836967"/>
+                                        </a:solidFill>
+                                        <a:latin typeface="Cambria Math" panose="02040503050406030204" pitchFamily="18" charset="0"/>
+                                      </a:rPr>
+                                    </m:ctrlPr>
+                                  </m:sSubPr>
+                                  <m:e>
+                                    <m:r>
+                                      <a:rPr lang="en-US" b="0" i="1" smtClean="0">
+                                        <a:latin typeface="Cambria Math" panose="02040503050406030204" pitchFamily="18" charset="0"/>
+                                      </a:rPr>
+                                      <m:t>𝑦</m:t>
+                                    </m:r>
+                                  </m:e>
+                                  <m:sub>
+                                    <m:r>
+                                      <a:rPr lang="bg-BG" i="1">
+                                        <a:latin typeface="Cambria Math" panose="02040503050406030204" pitchFamily="18" charset="0"/>
+                                      </a:rPr>
+                                      <m:t>𝑖</m:t>
+                                    </m:r>
+                                  </m:sub>
+                                </m:sSub>
+                              </m:e>
+                            </m:nary>
+                          </m:e>
+                        </m:d>
+                      </m:num>
+                      <m:den>
+                        <m:nary>
+                          <m:naryPr>
+                            <m:chr m:val="∑"/>
+                            <m:limLoc m:val="undOvr"/>
+                            <m:grow m:val="on"/>
+                            <m:ctrlPr>
+                              <a:rPr lang="bg-BG" i="1" smtClean="0">
+                                <a:latin typeface="Cambria Math" panose="02040503050406030204" pitchFamily="18" charset="0"/>
+                              </a:rPr>
+                            </m:ctrlPr>
+                          </m:naryPr>
+                          <m:sub>
+                            <m:r>
+                              <a:rPr lang="bg-BG" i="1" smtClean="0">
+                                <a:latin typeface="Cambria Math" panose="02040503050406030204" pitchFamily="18" charset="0"/>
+                              </a:rPr>
+                              <m:t>1=1</m:t>
+                            </m:r>
+                          </m:sub>
+                          <m:sup>
+                            <m:r>
+                              <a:rPr lang="bg-BG" i="1" smtClean="0">
+                                <a:latin typeface="Cambria Math" panose="02040503050406030204" pitchFamily="18" charset="0"/>
+                              </a:rPr>
+                              <m:t>𝑛</m:t>
+                            </m:r>
+                          </m:sup>
+                          <m:e>
+                            <m:sSubSup>
+                              <m:sSubSupPr>
+                                <m:ctrlPr>
+                                  <a:rPr lang="bg-BG" i="1" smtClean="0">
+                                    <a:solidFill>
+                                      <a:srgbClr val="836967"/>
+                                    </a:solidFill>
+                                    <a:latin typeface="Cambria Math" panose="02040503050406030204" pitchFamily="18" charset="0"/>
+                                  </a:rPr>
+                                </m:ctrlPr>
+                              </m:sSubSupPr>
+                              <m:e>
+                                <m:r>
+                                  <a:rPr lang="bg-BG" i="1" smtClean="0">
+                                    <a:latin typeface="Cambria Math" panose="02040503050406030204" pitchFamily="18" charset="0"/>
+                                  </a:rPr>
+                                  <m:t>𝑥</m:t>
+                                </m:r>
+                              </m:e>
+                              <m:sub>
+                                <m:r>
+                                  <a:rPr lang="bg-BG" i="1" smtClean="0">
+                                    <a:latin typeface="Cambria Math" panose="02040503050406030204" pitchFamily="18" charset="0"/>
+                                  </a:rPr>
+                                  <m:t>𝑖</m:t>
+                                </m:r>
+                              </m:sub>
+                              <m:sup>
+                                <m:r>
+                                  <a:rPr lang="bg-BG" i="1" smtClean="0">
+                                    <a:latin typeface="Cambria Math" panose="02040503050406030204" pitchFamily="18" charset="0"/>
+                                  </a:rPr>
+                                  <m:t>2</m:t>
+                                </m:r>
+                              </m:sup>
+                            </m:sSubSup>
+                          </m:e>
+                        </m:nary>
+                        <m:r>
+                          <a:rPr lang="bg-BG" i="1" smtClean="0">
+                            <a:latin typeface="Cambria Math" panose="02040503050406030204" pitchFamily="18" charset="0"/>
+                          </a:rPr>
+                          <m:t>−</m:t>
+                        </m:r>
+                        <m:f>
+                          <m:fPr>
+                            <m:ctrlPr>
+                              <a:rPr lang="bg-BG" i="1" smtClean="0">
+                                <a:solidFill>
+                                  <a:srgbClr val="836967"/>
+                                </a:solidFill>
+                                <a:latin typeface="Cambria Math" panose="02040503050406030204" pitchFamily="18" charset="0"/>
+                              </a:rPr>
+                            </m:ctrlPr>
+                          </m:fPr>
+                          <m:num>
+                            <m:r>
+                              <a:rPr lang="bg-BG" i="1" smtClean="0">
+                                <a:latin typeface="Cambria Math" panose="02040503050406030204" pitchFamily="18" charset="0"/>
+                              </a:rPr>
+                              <m:t>1</m:t>
+                            </m:r>
+                          </m:num>
+                          <m:den>
+                            <m:r>
+                              <a:rPr lang="bg-BG" i="1" smtClean="0">
+                                <a:latin typeface="Cambria Math" panose="02040503050406030204" pitchFamily="18" charset="0"/>
+                              </a:rPr>
+                              <m:t>𝑛</m:t>
+                            </m:r>
+                          </m:den>
+                        </m:f>
+                        <m:sSup>
+                          <m:sSupPr>
+                            <m:ctrlPr>
+                              <a:rPr lang="bg-BG" i="1" smtClean="0">
+                                <a:solidFill>
+                                  <a:srgbClr val="836967"/>
+                                </a:solidFill>
+                                <a:latin typeface="Cambria Math" panose="02040503050406030204" pitchFamily="18" charset="0"/>
+                              </a:rPr>
+                            </m:ctrlPr>
+                          </m:sSupPr>
+                          <m:e>
+                            <m:d>
+                              <m:dPr>
+                                <m:ctrlPr>
+                                  <a:rPr lang="bg-BG" i="1" smtClean="0">
+                                    <a:solidFill>
+                                      <a:srgbClr val="836967"/>
+                                    </a:solidFill>
+                                    <a:latin typeface="Cambria Math" panose="02040503050406030204" pitchFamily="18" charset="0"/>
+                                  </a:rPr>
+                                </m:ctrlPr>
+                              </m:dPr>
+                              <m:e>
+                                <m:nary>
+                                  <m:naryPr>
+                                    <m:chr m:val="∑"/>
+                                    <m:limLoc m:val="undOvr"/>
+                                    <m:grow m:val="on"/>
+                                    <m:ctrlPr>
+                                      <a:rPr lang="bg-BG" i="1" smtClean="0">
+                                        <a:latin typeface="Cambria Math" panose="02040503050406030204" pitchFamily="18" charset="0"/>
+                                      </a:rPr>
+                                    </m:ctrlPr>
+                                  </m:naryPr>
+                                  <m:sub>
+                                    <m:r>
+                                      <a:rPr lang="bg-BG" i="1" smtClean="0">
+                                        <a:latin typeface="Cambria Math" panose="02040503050406030204" pitchFamily="18" charset="0"/>
+                                      </a:rPr>
+                                      <m:t>𝑖</m:t>
+                                    </m:r>
+                                    <m:r>
+                                      <a:rPr lang="bg-BG" i="1" smtClean="0">
+                                        <a:latin typeface="Cambria Math" panose="02040503050406030204" pitchFamily="18" charset="0"/>
+                                      </a:rPr>
+                                      <m:t>=1</m:t>
+                                    </m:r>
+                                  </m:sub>
+                                  <m:sup>
+                                    <m:r>
+                                      <a:rPr lang="bg-BG" i="1" smtClean="0">
+                                        <a:latin typeface="Cambria Math" panose="02040503050406030204" pitchFamily="18" charset="0"/>
+                                      </a:rPr>
+                                      <m:t>𝑛</m:t>
+                                    </m:r>
+                                  </m:sup>
+                                  <m:e>
+                                    <m:sSub>
+                                      <m:sSubPr>
+                                        <m:ctrlPr>
+                                          <a:rPr lang="bg-BG" i="1" smtClean="0">
+                                            <a:solidFill>
+                                              <a:srgbClr val="836967"/>
+                                            </a:solidFill>
+                                            <a:latin typeface="Cambria Math" panose="02040503050406030204" pitchFamily="18" charset="0"/>
+                                          </a:rPr>
+                                        </m:ctrlPr>
+                                      </m:sSubPr>
+                                      <m:e>
+                                        <m:r>
+                                          <a:rPr lang="bg-BG" i="1" smtClean="0">
+                                            <a:latin typeface="Cambria Math" panose="02040503050406030204" pitchFamily="18" charset="0"/>
+                                          </a:rPr>
+                                          <m:t>𝑥</m:t>
+                                        </m:r>
+                                      </m:e>
+                                      <m:sub>
+                                        <m:r>
+                                          <a:rPr lang="bg-BG" i="1" smtClean="0">
+                                            <a:latin typeface="Cambria Math" panose="02040503050406030204" pitchFamily="18" charset="0"/>
+                                          </a:rPr>
+                                          <m:t>𝑖</m:t>
+                                        </m:r>
+                                      </m:sub>
+                                    </m:sSub>
+                                  </m:e>
+                                </m:nary>
+                              </m:e>
+                            </m:d>
+                          </m:e>
+                          <m:sup>
+                            <m:r>
+                              <a:rPr lang="bg-BG" i="1" smtClean="0">
+                                <a:latin typeface="Cambria Math" panose="02040503050406030204" pitchFamily="18" charset="0"/>
+                              </a:rPr>
+                              <m:t>2</m:t>
+                            </m:r>
+                          </m:sup>
+                        </m:sSup>
+                      </m:den>
+                    </m:f>
+                  </m:oMath>
+                </a14:m>
+                <a:endParaRPr lang="bg-BG" dirty="0"/>
+              </a:p>
+              <a:p>
+                <a:endParaRPr lang="en-US" dirty="0"/>
+              </a:p>
+              <a:p>
+                <a:endParaRPr lang="en-US" dirty="0"/>
+              </a:p>
+            </p:txBody>
+          </p:sp>
+        </mc:Choice>
+        <mc:Fallback>
+          <p:sp>
+            <p:nvSpPr>
+              <p:cNvPr id="3" name="Content Placeholder 2">
+                <a:extLst>
+                  <a:ext uri="{FF2B5EF4-FFF2-40B4-BE49-F238E27FC236}">
+                    <a16:creationId xmlns:a16="http://schemas.microsoft.com/office/drawing/2014/main" id="{30E0CED8-BFE5-4D5C-B840-793FE51521F9}"/>
+                  </a:ext>
+                </a:extLst>
+              </p:cNvPr>
+              <p:cNvSpPr>
+                <a:spLocks noGrp="1" noRot="1" noChangeAspect="1" noMove="1" noResize="1" noEditPoints="1" noAdjustHandles="1" noChangeArrowheads="1" noChangeShapeType="1" noTextEdit="1"/>
+              </p:cNvSpPr>
+              <p:nvPr>
+                <p:ph idx="1"/>
+              </p:nvPr>
+            </p:nvSpPr>
+            <p:spPr>
+              <a:blipFill>
+                <a:blip r:embed="rId2"/>
+                <a:stretch>
+                  <a:fillRect l="-1043" t="-2241"/>
+                </a:stretch>
+              </a:blipFill>
+            </p:spPr>
+            <p:txBody>
+              <a:bodyPr/>
+              <a:lstStyle/>
+              <a:p>
+                <a:r>
+                  <a:rPr lang="en-US">
+                    <a:noFill/>
+                  </a:rPr>
+                  <a:t> </a:t>
+                </a:r>
+              </a:p>
+            </p:txBody>
+          </p:sp>
+        </mc:Fallback>
+      </mc:AlternateContent>
+    </p:spTree>
+    <p:extLst>
+      <p:ext uri="{BB962C8B-B14F-4D97-AF65-F5344CB8AC3E}">
+        <p14:creationId xmlns:p14="http://schemas.microsoft.com/office/powerpoint/2010/main" val="2739675814"/>
+      </p:ext>
+    </p:extLst>
+  </p:cSld>
+  <p:clrMapOvr>
+    <a:masterClrMapping/>
+  </p:clrMapOvr>
+</p:sld>
+</file>
+
+<file path=ppt/slides/slide11.xml><?xml version="1.0" encoding="utf-8"?>
+<p:sld xmlns:a="http://schemas.openxmlformats.org/drawingml/2006/main" xmlns:r="http://schemas.openxmlformats.org/officeDocument/2006/relationships" xmlns:p="http://schemas.openxmlformats.org/presentationml/2006/main">
+  <p:cSld>
+    <p:spTree>
+      <p:nvGrpSpPr>
+        <p:cNvPr id="1" name=""/>
+        <p:cNvGrpSpPr/>
+        <p:nvPr/>
+      </p:nvGrpSpPr>
+      <p:grpSpPr>
+        <a:xfrm>
+          <a:off x="0" y="0"/>
+          <a:ext cx="0" cy="0"/>
+          <a:chOff x="0" y="0"/>
+          <a:chExt cx="0" cy="0"/>
+        </a:xfrm>
+      </p:grpSpPr>
+      <p:sp>
+        <p:nvSpPr>
+          <p:cNvPr id="2" name="Title 1">
+            <a:extLst>
+              <a:ext uri="{FF2B5EF4-FFF2-40B4-BE49-F238E27FC236}">
+                <a16:creationId xmlns:a16="http://schemas.microsoft.com/office/drawing/2014/main" id="{ABE40F9D-98D1-49D8-B658-C154D25E731E}"/>
+              </a:ext>
+            </a:extLst>
+          </p:cNvPr>
+          <p:cNvSpPr>
+            <a:spLocks noGrp="1"/>
+          </p:cNvSpPr>
+          <p:nvPr>
+            <p:ph type="title"/>
+          </p:nvPr>
+        </p:nvSpPr>
+        <p:spPr/>
+        <p:txBody>
+          <a:bodyPr/>
+          <a:lstStyle/>
+          <a:p>
+            <a:r>
+              <a:rPr lang="bg-BG" dirty="0"/>
+              <a:t>Метод на най-малките квадрати</a:t>
+            </a:r>
+            <a:endParaRPr lang="en-US" dirty="0"/>
+          </a:p>
+        </p:txBody>
+      </p:sp>
+      <mc:AlternateContent xmlns:mc="http://schemas.openxmlformats.org/markup-compatibility/2006">
+        <mc:Choice xmlns:a14="http://schemas.microsoft.com/office/drawing/2010/main" Requires="a14">
+          <p:sp>
+            <p:nvSpPr>
+              <p:cNvPr id="3" name="Content Placeholder 2">
+                <a:extLst>
+                  <a:ext uri="{FF2B5EF4-FFF2-40B4-BE49-F238E27FC236}">
+                    <a16:creationId xmlns:a16="http://schemas.microsoft.com/office/drawing/2014/main" id="{4EDA8790-15CD-491A-A000-120C45F1AD82}"/>
+                  </a:ext>
+                </a:extLst>
+              </p:cNvPr>
+              <p:cNvSpPr>
+                <a:spLocks noGrp="1"/>
+              </p:cNvSpPr>
+              <p:nvPr>
+                <p:ph idx="1"/>
+              </p:nvPr>
+            </p:nvSpPr>
+            <p:spPr/>
+            <p:txBody>
+              <a:bodyPr/>
+              <a:lstStyle/>
+              <a:p>
+                <a:r>
+                  <a:rPr lang="bg-BG" dirty="0"/>
+                  <a:t>Изразяваме средните аритметични, за да опростим</a:t>
+                </a:r>
+                <a:r>
+                  <a:rPr lang="en-US" dirty="0"/>
+                  <a:t>:</a:t>
+                </a:r>
+              </a:p>
+              <a:p>
+                <a14:m>
+                  <m:oMath xmlns:m="http://schemas.openxmlformats.org/officeDocument/2006/math">
+                    <m:acc>
+                      <m:accPr>
+                        <m:chr m:val="̅"/>
+                        <m:ctrlPr>
+                          <a:rPr lang="en-US" i="1" smtClean="0">
+                            <a:solidFill>
+                              <a:srgbClr val="836967"/>
+                            </a:solidFill>
+                            <a:latin typeface="Cambria Math" panose="02040503050406030204" pitchFamily="18" charset="0"/>
+                          </a:rPr>
+                        </m:ctrlPr>
+                      </m:accPr>
+                      <m:e>
+                        <m:r>
+                          <a:rPr lang="en-US" i="1" smtClean="0">
+                            <a:latin typeface="Cambria Math" panose="02040503050406030204" pitchFamily="18" charset="0"/>
+                          </a:rPr>
+                          <m:t>𝑥</m:t>
+                        </m:r>
+                      </m:e>
+                    </m:acc>
+                    <m:r>
+                      <a:rPr lang="en-US" i="1" smtClean="0">
+                        <a:latin typeface="Cambria Math" panose="02040503050406030204" pitchFamily="18" charset="0"/>
+                      </a:rPr>
+                      <m:t>=</m:t>
+                    </m:r>
+                    <m:f>
+                      <m:fPr>
+                        <m:ctrlPr>
+                          <a:rPr lang="en-US" i="1" smtClean="0">
+                            <a:solidFill>
+                              <a:srgbClr val="836967"/>
+                            </a:solidFill>
+                            <a:latin typeface="Cambria Math" panose="02040503050406030204" pitchFamily="18" charset="0"/>
+                          </a:rPr>
+                        </m:ctrlPr>
+                      </m:fPr>
+                      <m:num>
+                        <m:r>
+                          <a:rPr lang="en-US" i="1" smtClean="0">
+                            <a:latin typeface="Cambria Math" panose="02040503050406030204" pitchFamily="18" charset="0"/>
+                          </a:rPr>
+                          <m:t>1</m:t>
+                        </m:r>
+                      </m:num>
+                      <m:den>
+                        <m:r>
+                          <a:rPr lang="en-US" i="1" smtClean="0">
+                            <a:latin typeface="Cambria Math" panose="02040503050406030204" pitchFamily="18" charset="0"/>
+                          </a:rPr>
+                          <m:t>𝑛</m:t>
+                        </m:r>
+                      </m:den>
+                    </m:f>
+                    <m:nary>
+                      <m:naryPr>
+                        <m:chr m:val="∑"/>
+                        <m:limLoc m:val="undOvr"/>
+                        <m:grow m:val="on"/>
+                        <m:ctrlPr>
+                          <a:rPr lang="en-US" i="1" smtClean="0">
+                            <a:latin typeface="Cambria Math" panose="02040503050406030204" pitchFamily="18" charset="0"/>
+                          </a:rPr>
+                        </m:ctrlPr>
+                      </m:naryPr>
+                      <m:sub>
+                        <m:r>
+                          <a:rPr lang="en-US" i="1" smtClean="0">
+                            <a:latin typeface="Cambria Math" panose="02040503050406030204" pitchFamily="18" charset="0"/>
+                          </a:rPr>
+                          <m:t>𝑖</m:t>
+                        </m:r>
+                        <m:r>
+                          <a:rPr lang="en-US" i="1" smtClean="0">
+                            <a:latin typeface="Cambria Math" panose="02040503050406030204" pitchFamily="18" charset="0"/>
+                          </a:rPr>
+                          <m:t>=1</m:t>
+                        </m:r>
+                      </m:sub>
+                      <m:sup>
+                        <m:r>
+                          <a:rPr lang="en-US" i="1" smtClean="0">
+                            <a:latin typeface="Cambria Math" panose="02040503050406030204" pitchFamily="18" charset="0"/>
+                          </a:rPr>
+                          <m:t>𝑛</m:t>
+                        </m:r>
+                      </m:sup>
+                      <m:e>
+                        <m:sSub>
+                          <m:sSubPr>
+                            <m:ctrlPr>
+                              <a:rPr lang="en-US" i="1">
+                                <a:solidFill>
+                                  <a:srgbClr val="836967"/>
+                                </a:solidFill>
+                                <a:latin typeface="Cambria Math" panose="02040503050406030204" pitchFamily="18" charset="0"/>
+                              </a:rPr>
+                            </m:ctrlPr>
+                          </m:sSubPr>
+                          <m:e>
+                            <m:r>
+                              <a:rPr lang="en-US" i="1">
+                                <a:latin typeface="Cambria Math" panose="02040503050406030204" pitchFamily="18" charset="0"/>
+                              </a:rPr>
+                              <m:t>𝑥</m:t>
+                            </m:r>
+                          </m:e>
+                          <m:sub>
+                            <m:r>
+                              <a:rPr lang="en-US" i="1">
+                                <a:latin typeface="Cambria Math" panose="02040503050406030204" pitchFamily="18" charset="0"/>
+                              </a:rPr>
+                              <m:t>𝑖</m:t>
+                            </m:r>
+                          </m:sub>
+                        </m:sSub>
+                      </m:e>
+                    </m:nary>
+                  </m:oMath>
+                </a14:m>
+                <a:r>
+                  <a:rPr lang="en-US" dirty="0"/>
+                  <a:t> </a:t>
+                </a:r>
+              </a:p>
+              <a:p>
+                <a14:m>
+                  <m:oMath xmlns:m="http://schemas.openxmlformats.org/officeDocument/2006/math">
+                    <m:acc>
+                      <m:accPr>
+                        <m:chr m:val="̅"/>
+                        <m:ctrlPr>
+                          <a:rPr lang="en-US" i="1">
+                            <a:solidFill>
+                              <a:srgbClr val="836967"/>
+                            </a:solidFill>
+                            <a:latin typeface="Cambria Math" panose="02040503050406030204" pitchFamily="18" charset="0"/>
+                          </a:rPr>
+                        </m:ctrlPr>
+                      </m:accPr>
+                      <m:e>
+                        <m:r>
+                          <a:rPr lang="en-US" b="0" i="1" smtClean="0">
+                            <a:latin typeface="Cambria Math" panose="02040503050406030204" pitchFamily="18" charset="0"/>
+                          </a:rPr>
+                          <m:t>𝑦</m:t>
+                        </m:r>
+                      </m:e>
+                    </m:acc>
+                    <m:r>
+                      <a:rPr lang="en-US" i="1">
+                        <a:latin typeface="Cambria Math" panose="02040503050406030204" pitchFamily="18" charset="0"/>
+                      </a:rPr>
+                      <m:t>=</m:t>
+                    </m:r>
+                    <m:f>
+                      <m:fPr>
+                        <m:ctrlPr>
+                          <a:rPr lang="en-US" i="1">
+                            <a:solidFill>
+                              <a:srgbClr val="836967"/>
+                            </a:solidFill>
+                            <a:latin typeface="Cambria Math" panose="02040503050406030204" pitchFamily="18" charset="0"/>
+                          </a:rPr>
+                        </m:ctrlPr>
+                      </m:fPr>
+                      <m:num>
+                        <m:r>
+                          <a:rPr lang="en-US" i="1">
+                            <a:latin typeface="Cambria Math" panose="02040503050406030204" pitchFamily="18" charset="0"/>
+                          </a:rPr>
+                          <m:t>1</m:t>
+                        </m:r>
+                      </m:num>
+                      <m:den>
+                        <m:r>
+                          <a:rPr lang="en-US" i="1">
+                            <a:latin typeface="Cambria Math" panose="02040503050406030204" pitchFamily="18" charset="0"/>
+                          </a:rPr>
+                          <m:t>𝑛</m:t>
+                        </m:r>
+                      </m:den>
+                    </m:f>
+                    <m:nary>
+                      <m:naryPr>
+                        <m:chr m:val="∑"/>
+                        <m:limLoc m:val="undOvr"/>
+                        <m:grow m:val="on"/>
+                        <m:ctrlPr>
+                          <a:rPr lang="en-US" i="1">
+                            <a:latin typeface="Cambria Math" panose="02040503050406030204" pitchFamily="18" charset="0"/>
+                          </a:rPr>
+                        </m:ctrlPr>
+                      </m:naryPr>
+                      <m:sub>
+                        <m:r>
+                          <a:rPr lang="en-US" i="1">
+                            <a:latin typeface="Cambria Math" panose="02040503050406030204" pitchFamily="18" charset="0"/>
+                          </a:rPr>
+                          <m:t>𝑖</m:t>
+                        </m:r>
+                        <m:r>
+                          <a:rPr lang="en-US" i="1">
+                            <a:latin typeface="Cambria Math" panose="02040503050406030204" pitchFamily="18" charset="0"/>
+                          </a:rPr>
+                          <m:t>=1</m:t>
+                        </m:r>
+                      </m:sub>
+                      <m:sup>
+                        <m:r>
+                          <a:rPr lang="en-US" i="1">
+                            <a:latin typeface="Cambria Math" panose="02040503050406030204" pitchFamily="18" charset="0"/>
+                          </a:rPr>
+                          <m:t>𝑛</m:t>
+                        </m:r>
+                      </m:sup>
+                      <m:e>
+                        <m:sSub>
+                          <m:sSubPr>
+                            <m:ctrlPr>
+                              <a:rPr lang="en-US" i="1">
+                                <a:solidFill>
+                                  <a:srgbClr val="836967"/>
+                                </a:solidFill>
+                                <a:latin typeface="Cambria Math" panose="02040503050406030204" pitchFamily="18" charset="0"/>
+                              </a:rPr>
+                            </m:ctrlPr>
+                          </m:sSubPr>
+                          <m:e>
+                            <m:r>
+                              <a:rPr lang="en-US" b="0" i="1" smtClean="0">
+                                <a:latin typeface="Cambria Math" panose="02040503050406030204" pitchFamily="18" charset="0"/>
+                              </a:rPr>
+                              <m:t>𝑦</m:t>
+                            </m:r>
+                          </m:e>
+                          <m:sub>
+                            <m:r>
+                              <a:rPr lang="en-US" i="1">
+                                <a:latin typeface="Cambria Math" panose="02040503050406030204" pitchFamily="18" charset="0"/>
+                              </a:rPr>
+                              <m:t>𝑖</m:t>
+                            </m:r>
+                          </m:sub>
+                        </m:sSub>
+                      </m:e>
+                    </m:nary>
+                  </m:oMath>
+                </a14:m>
+                <a:endParaRPr lang="en-US" dirty="0"/>
+              </a:p>
+              <a:p>
+                <a14:m>
+                  <m:oMath xmlns:m="http://schemas.openxmlformats.org/officeDocument/2006/math">
+                    <m:sSub>
+                      <m:sSubPr>
+                        <m:ctrlPr>
+                          <a:rPr lang="en-US" b="1" i="1">
+                            <a:solidFill>
+                              <a:srgbClr val="836967"/>
+                            </a:solidFill>
+                            <a:latin typeface="Cambria Math" panose="02040503050406030204" pitchFamily="18" charset="0"/>
+                          </a:rPr>
+                        </m:ctrlPr>
+                      </m:sSubPr>
+                      <m:e>
+                        <m:r>
+                          <a:rPr lang="en-US" b="1" i="1">
+                            <a:latin typeface="Cambria Math" panose="02040503050406030204" pitchFamily="18" charset="0"/>
+                          </a:rPr>
+                          <m:t>𝜷</m:t>
+                        </m:r>
+                      </m:e>
+                      <m:sub>
+                        <m:r>
+                          <a:rPr lang="en-US" b="1" i="1" smtClean="0">
+                            <a:latin typeface="Cambria Math" panose="02040503050406030204" pitchFamily="18" charset="0"/>
+                          </a:rPr>
+                          <m:t>𝟏</m:t>
+                        </m:r>
+                      </m:sub>
+                    </m:sSub>
+                    <m:r>
+                      <a:rPr lang="en-US" b="1" i="1">
+                        <a:latin typeface="Cambria Math" panose="02040503050406030204" pitchFamily="18" charset="0"/>
+                      </a:rPr>
+                      <m:t> </m:t>
+                    </m:r>
+                  </m:oMath>
+                </a14:m>
+                <a:r>
+                  <a:rPr lang="en-US" b="1" dirty="0">
+                    <a:solidFill>
+                      <a:srgbClr val="836967"/>
+                    </a:solidFill>
+                  </a:rPr>
+                  <a:t>=</a:t>
+                </a:r>
+                <a14:m>
+                  <m:oMath xmlns:m="http://schemas.openxmlformats.org/officeDocument/2006/math">
+                    <m:f>
+                      <m:fPr>
+                        <m:ctrlPr>
+                          <a:rPr lang="en-US" b="1" i="1" smtClean="0">
+                            <a:solidFill>
+                              <a:srgbClr val="836967"/>
+                            </a:solidFill>
+                            <a:latin typeface="Cambria Math" panose="02040503050406030204" pitchFamily="18" charset="0"/>
+                          </a:rPr>
+                        </m:ctrlPr>
+                      </m:fPr>
+                      <m:num>
+                        <m:nary>
+                          <m:naryPr>
+                            <m:chr m:val="∑"/>
+                            <m:limLoc m:val="undOvr"/>
+                            <m:grow m:val="on"/>
+                            <m:ctrlPr>
+                              <a:rPr lang="en-US" b="1" i="1" smtClean="0">
+                                <a:latin typeface="Cambria Math" panose="02040503050406030204" pitchFamily="18" charset="0"/>
+                              </a:rPr>
+                            </m:ctrlPr>
+                          </m:naryPr>
+                          <m:sub>
+                            <m:r>
+                              <a:rPr lang="en-US" b="1" i="1" smtClean="0">
+                                <a:latin typeface="Cambria Math" panose="02040503050406030204" pitchFamily="18" charset="0"/>
+                              </a:rPr>
+                              <m:t>𝟏</m:t>
+                            </m:r>
+                            <m:r>
+                              <a:rPr lang="en-US" b="1" i="1" smtClean="0">
+                                <a:latin typeface="Cambria Math" panose="02040503050406030204" pitchFamily="18" charset="0"/>
+                              </a:rPr>
+                              <m:t>=</m:t>
+                            </m:r>
+                            <m:r>
+                              <a:rPr lang="en-US" b="1" i="1" smtClean="0">
+                                <a:latin typeface="Cambria Math" panose="02040503050406030204" pitchFamily="18" charset="0"/>
+                              </a:rPr>
+                              <m:t>𝟏</m:t>
+                            </m:r>
+                          </m:sub>
+                          <m:sup>
+                            <m:r>
+                              <a:rPr lang="en-US" b="1" i="1" smtClean="0">
+                                <a:latin typeface="Cambria Math" panose="02040503050406030204" pitchFamily="18" charset="0"/>
+                              </a:rPr>
+                              <m:t>𝒏</m:t>
+                            </m:r>
+                          </m:sup>
+                          <m:e>
+                            <m:sSub>
+                              <m:sSubPr>
+                                <m:ctrlPr>
+                                  <a:rPr lang="en-US" b="1" i="1" smtClean="0">
+                                    <a:solidFill>
+                                      <a:srgbClr val="836967"/>
+                                    </a:solidFill>
+                                    <a:latin typeface="Cambria Math" panose="02040503050406030204" pitchFamily="18" charset="0"/>
+                                  </a:rPr>
+                                </m:ctrlPr>
+                              </m:sSubPr>
+                              <m:e>
+                                <m:r>
+                                  <a:rPr lang="en-US" b="1" i="1" smtClean="0">
+                                    <a:latin typeface="Cambria Math" panose="02040503050406030204" pitchFamily="18" charset="0"/>
+                                  </a:rPr>
+                                  <m:t>𝒙</m:t>
+                                </m:r>
+                              </m:e>
+                              <m:sub>
+                                <m:r>
+                                  <a:rPr lang="en-US" b="1" i="1" smtClean="0">
+                                    <a:latin typeface="Cambria Math" panose="02040503050406030204" pitchFamily="18" charset="0"/>
+                                  </a:rPr>
+                                  <m:t>𝒊</m:t>
+                                </m:r>
+                              </m:sub>
+                            </m:sSub>
+                            <m:sSub>
+                              <m:sSubPr>
+                                <m:ctrlPr>
+                                  <a:rPr lang="en-US" b="1" i="1" smtClean="0">
+                                    <a:solidFill>
+                                      <a:srgbClr val="836967"/>
+                                    </a:solidFill>
+                                    <a:latin typeface="Cambria Math" panose="02040503050406030204" pitchFamily="18" charset="0"/>
+                                  </a:rPr>
+                                </m:ctrlPr>
+                              </m:sSubPr>
+                              <m:e>
+                                <m:r>
+                                  <a:rPr lang="en-US" b="1" i="1" smtClean="0">
+                                    <a:latin typeface="Cambria Math" panose="02040503050406030204" pitchFamily="18" charset="0"/>
+                                  </a:rPr>
+                                  <m:t>𝒚</m:t>
+                                </m:r>
+                              </m:e>
+                              <m:sub>
+                                <m:r>
+                                  <a:rPr lang="en-US" b="1" i="1" smtClean="0">
+                                    <a:latin typeface="Cambria Math" panose="02040503050406030204" pitchFamily="18" charset="0"/>
+                                  </a:rPr>
+                                  <m:t>𝒊</m:t>
+                                </m:r>
+                              </m:sub>
+                            </m:sSub>
+                          </m:e>
+                        </m:nary>
+                        <m:r>
+                          <a:rPr lang="en-US" b="1" i="1" smtClean="0">
+                            <a:latin typeface="Cambria Math" panose="02040503050406030204" pitchFamily="18" charset="0"/>
+                          </a:rPr>
+                          <m:t>−</m:t>
+                        </m:r>
+                        <m:r>
+                          <a:rPr lang="en-US" b="1" i="1" smtClean="0">
+                            <a:latin typeface="Cambria Math" panose="02040503050406030204" pitchFamily="18" charset="0"/>
+                          </a:rPr>
+                          <m:t>𝒏</m:t>
+                        </m:r>
+                        <m:acc>
+                          <m:accPr>
+                            <m:chr m:val="̅"/>
+                            <m:ctrlPr>
+                              <a:rPr lang="en-US" b="1" i="1" smtClean="0">
+                                <a:solidFill>
+                                  <a:srgbClr val="836967"/>
+                                </a:solidFill>
+                                <a:latin typeface="Cambria Math" panose="02040503050406030204" pitchFamily="18" charset="0"/>
+                              </a:rPr>
+                            </m:ctrlPr>
+                          </m:accPr>
+                          <m:e>
+                            <m:r>
+                              <a:rPr lang="en-US" b="1" i="1" smtClean="0">
+                                <a:latin typeface="Cambria Math" panose="02040503050406030204" pitchFamily="18" charset="0"/>
+                              </a:rPr>
+                              <m:t>𝒙</m:t>
+                            </m:r>
+                          </m:e>
+                        </m:acc>
+                        <m:acc>
+                          <m:accPr>
+                            <m:chr m:val="̅"/>
+                            <m:ctrlPr>
+                              <a:rPr lang="en-US" b="1" i="1" smtClean="0">
+                                <a:solidFill>
+                                  <a:srgbClr val="836967"/>
+                                </a:solidFill>
+                                <a:latin typeface="Cambria Math" panose="02040503050406030204" pitchFamily="18" charset="0"/>
+                              </a:rPr>
+                            </m:ctrlPr>
+                          </m:accPr>
+                          <m:e>
+                            <m:r>
+                              <a:rPr lang="en-US" b="1" i="1" smtClean="0">
+                                <a:latin typeface="Cambria Math" panose="02040503050406030204" pitchFamily="18" charset="0"/>
+                              </a:rPr>
+                              <m:t>𝒚</m:t>
+                            </m:r>
+                          </m:e>
+                        </m:acc>
+                      </m:num>
+                      <m:den>
+                        <m:sSup>
+                          <m:sSupPr>
+                            <m:ctrlPr>
+                              <a:rPr lang="en-US" b="1" i="1" smtClean="0">
+                                <a:solidFill>
+                                  <a:srgbClr val="836967"/>
+                                </a:solidFill>
+                                <a:latin typeface="Cambria Math" panose="02040503050406030204" pitchFamily="18" charset="0"/>
+                              </a:rPr>
+                            </m:ctrlPr>
+                          </m:sSupPr>
+                          <m:e>
+                            <m:nary>
+                              <m:naryPr>
+                                <m:chr m:val="∑"/>
+                                <m:limLoc m:val="undOvr"/>
+                                <m:grow m:val="on"/>
+                                <m:ctrlPr>
+                                  <a:rPr lang="en-US" b="1" i="1" smtClean="0">
+                                    <a:solidFill>
+                                      <a:schemeClr val="tx1"/>
+                                    </a:solidFill>
+                                    <a:latin typeface="Cambria Math" panose="02040503050406030204" pitchFamily="18" charset="0"/>
+                                  </a:rPr>
+                                </m:ctrlPr>
+                              </m:naryPr>
+                              <m:sub>
+                                <m:r>
+                                  <m:rPr>
+                                    <m:brk/>
+                                    <m:aln/>
+                                  </m:rPr>
+                                  <a:rPr lang="en-US" b="1" i="1" smtClean="0">
+                                    <a:solidFill>
+                                      <a:schemeClr val="tx1"/>
+                                    </a:solidFill>
+                                    <a:latin typeface="Cambria Math" panose="02040503050406030204" pitchFamily="18" charset="0"/>
+                                  </a:rPr>
+                                  <m:t>𝒊</m:t>
+                                </m:r>
+                                <m:r>
+                                  <a:rPr lang="en-US" b="1" i="1" smtClean="0">
+                                    <a:solidFill>
+                                      <a:schemeClr val="tx1"/>
+                                    </a:solidFill>
+                                    <a:latin typeface="Cambria Math" panose="02040503050406030204" pitchFamily="18" charset="0"/>
+                                  </a:rPr>
+                                  <m:t>=</m:t>
+                                </m:r>
+                                <m:r>
+                                  <a:rPr lang="en-US" b="1" i="1" smtClean="0">
+                                    <a:solidFill>
+                                      <a:schemeClr val="tx1"/>
+                                    </a:solidFill>
+                                    <a:latin typeface="Cambria Math" panose="02040503050406030204" pitchFamily="18" charset="0"/>
+                                  </a:rPr>
+                                  <m:t>𝟏</m:t>
+                                </m:r>
+                              </m:sub>
+                              <m:sup>
+                                <m:r>
+                                  <a:rPr lang="en-US" b="1" i="1" smtClean="0">
+                                    <a:solidFill>
+                                      <a:schemeClr val="tx1"/>
+                                    </a:solidFill>
+                                    <a:latin typeface="Cambria Math" panose="02040503050406030204" pitchFamily="18" charset="0"/>
+                                  </a:rPr>
+                                  <m:t>𝒏</m:t>
+                                </m:r>
+                              </m:sup>
+                              <m:e>
+                                <m:sSup>
+                                  <m:sSupPr>
+                                    <m:ctrlPr>
+                                      <a:rPr lang="en-US" b="1" i="1" smtClean="0">
+                                        <a:solidFill>
+                                          <a:schemeClr val="tx1"/>
+                                        </a:solidFill>
+                                        <a:latin typeface="Cambria Math" panose="02040503050406030204" pitchFamily="18" charset="0"/>
+                                      </a:rPr>
+                                    </m:ctrlPr>
+                                  </m:sSupPr>
+                                  <m:e>
+                                    <m:d>
+                                      <m:dPr>
+                                        <m:ctrlPr>
+                                          <a:rPr lang="en-US" b="1" i="1" smtClean="0">
+                                            <a:solidFill>
+                                              <a:schemeClr val="tx1"/>
+                                            </a:solidFill>
+                                            <a:latin typeface="Cambria Math" panose="02040503050406030204" pitchFamily="18" charset="0"/>
+                                          </a:rPr>
+                                        </m:ctrlPr>
+                                      </m:dPr>
+                                      <m:e>
+                                        <m:sSub>
+                                          <m:sSubPr>
+                                            <m:ctrlPr>
+                                              <a:rPr lang="en-US" b="1" i="1">
+                                                <a:solidFill>
+                                                  <a:schemeClr val="tx1"/>
+                                                </a:solidFill>
+                                                <a:latin typeface="Cambria Math" panose="02040503050406030204" pitchFamily="18" charset="0"/>
+                                              </a:rPr>
+                                            </m:ctrlPr>
+                                          </m:sSubPr>
+                                          <m:e>
+                                            <m:r>
+                                              <a:rPr lang="en-US" b="1" i="1">
+                                                <a:solidFill>
+                                                  <a:schemeClr val="tx1"/>
+                                                </a:solidFill>
+                                                <a:latin typeface="Cambria Math" panose="02040503050406030204" pitchFamily="18" charset="0"/>
+                                              </a:rPr>
+                                              <m:t>𝒙</m:t>
+                                            </m:r>
+                                          </m:e>
+                                          <m:sub>
+                                            <m:r>
+                                              <a:rPr lang="en-US" b="1" i="1">
+                                                <a:solidFill>
+                                                  <a:schemeClr val="tx1"/>
+                                                </a:solidFill>
+                                                <a:latin typeface="Cambria Math" panose="02040503050406030204" pitchFamily="18" charset="0"/>
+                                              </a:rPr>
+                                              <m:t>𝒊</m:t>
+                                            </m:r>
+                                          </m:sub>
+                                        </m:sSub>
+                                        <m:r>
+                                          <a:rPr lang="en-US" b="1" i="1" smtClean="0">
+                                            <a:solidFill>
+                                              <a:schemeClr val="tx1"/>
+                                            </a:solidFill>
+                                            <a:latin typeface="Cambria Math" panose="02040503050406030204" pitchFamily="18" charset="0"/>
+                                          </a:rPr>
+                                          <m:t>−</m:t>
+                                        </m:r>
+                                        <m:r>
+                                          <a:rPr lang="en-US" b="1" i="1" smtClean="0">
+                                            <a:solidFill>
+                                              <a:schemeClr val="tx1"/>
+                                            </a:solidFill>
+                                            <a:latin typeface="Cambria Math" panose="02040503050406030204" pitchFamily="18" charset="0"/>
+                                          </a:rPr>
+                                          <m:t>𝒙</m:t>
+                                        </m:r>
+                                      </m:e>
+                                    </m:d>
+                                  </m:e>
+                                  <m:sup>
+                                    <m:r>
+                                      <a:rPr lang="en-US" b="1" i="1" smtClean="0">
+                                        <a:solidFill>
+                                          <a:schemeClr val="tx1"/>
+                                        </a:solidFill>
+                                        <a:latin typeface="Cambria Math" panose="02040503050406030204" pitchFamily="18" charset="0"/>
+                                      </a:rPr>
+                                      <m:t>𝟐</m:t>
+                                    </m:r>
+                                  </m:sup>
+                                </m:sSup>
+                              </m:e>
+                            </m:nary>
+                          </m:e>
+                          <m:sup/>
+                        </m:sSup>
+                      </m:den>
+                    </m:f>
+                  </m:oMath>
+                </a14:m>
+                <a:r>
+                  <a:rPr lang="en-US" b="1" dirty="0"/>
+                  <a:t> </a:t>
+                </a:r>
+              </a:p>
+              <a:p>
+                <a14:m>
+                  <m:oMath xmlns:m="http://schemas.openxmlformats.org/officeDocument/2006/math">
+                    <m:sSub>
+                      <m:sSubPr>
+                        <m:ctrlPr>
+                          <a:rPr lang="en-US" b="1" i="1" smtClean="0">
+                            <a:solidFill>
+                              <a:srgbClr val="836967"/>
+                            </a:solidFill>
+                            <a:latin typeface="Cambria Math" panose="02040503050406030204" pitchFamily="18" charset="0"/>
+                          </a:rPr>
+                        </m:ctrlPr>
+                      </m:sSubPr>
+                      <m:e>
+                        <m:r>
+                          <a:rPr lang="en-US" b="1" i="1" smtClean="0">
+                            <a:latin typeface="Cambria Math" panose="02040503050406030204" pitchFamily="18" charset="0"/>
+                          </a:rPr>
+                          <m:t>𝜷</m:t>
+                        </m:r>
+                      </m:e>
+                      <m:sub>
+                        <m:r>
+                          <a:rPr lang="en-US" b="1" i="1" smtClean="0">
+                            <a:latin typeface="Cambria Math" panose="02040503050406030204" pitchFamily="18" charset="0"/>
+                          </a:rPr>
+                          <m:t>𝟎</m:t>
+                        </m:r>
+                      </m:sub>
+                    </m:sSub>
+                    <m:r>
+                      <a:rPr lang="en-US" b="1" i="1" smtClean="0">
+                        <a:latin typeface="Cambria Math" panose="02040503050406030204" pitchFamily="18" charset="0"/>
+                      </a:rPr>
+                      <m:t>=</m:t>
+                    </m:r>
+                    <m:acc>
+                      <m:accPr>
+                        <m:chr m:val="̅"/>
+                        <m:ctrlPr>
+                          <a:rPr lang="en-US" b="1" i="1" smtClean="0">
+                            <a:solidFill>
+                              <a:srgbClr val="836967"/>
+                            </a:solidFill>
+                            <a:latin typeface="Cambria Math" panose="02040503050406030204" pitchFamily="18" charset="0"/>
+                          </a:rPr>
+                        </m:ctrlPr>
+                      </m:accPr>
+                      <m:e>
+                        <m:r>
+                          <a:rPr lang="en-US" b="1" i="1" smtClean="0">
+                            <a:latin typeface="Cambria Math" panose="02040503050406030204" pitchFamily="18" charset="0"/>
+                          </a:rPr>
+                          <m:t>𝒚</m:t>
+                        </m:r>
+                      </m:e>
+                    </m:acc>
+                    <m:r>
+                      <a:rPr lang="en-US" b="1" i="1" smtClean="0">
+                        <a:latin typeface="Cambria Math" panose="02040503050406030204" pitchFamily="18" charset="0"/>
+                      </a:rPr>
+                      <m:t>−</m:t>
+                    </m:r>
+                    <m:sSub>
+                      <m:sSubPr>
+                        <m:ctrlPr>
+                          <a:rPr lang="en-US" b="1" i="1" smtClean="0">
+                            <a:solidFill>
+                              <a:srgbClr val="836967"/>
+                            </a:solidFill>
+                            <a:latin typeface="Cambria Math" panose="02040503050406030204" pitchFamily="18" charset="0"/>
+                          </a:rPr>
+                        </m:ctrlPr>
+                      </m:sSubPr>
+                      <m:e>
+                        <m:r>
+                          <a:rPr lang="en-US" b="1" i="1" smtClean="0">
+                            <a:latin typeface="Cambria Math" panose="02040503050406030204" pitchFamily="18" charset="0"/>
+                          </a:rPr>
+                          <m:t>𝜷</m:t>
+                        </m:r>
+                      </m:e>
+                      <m:sub>
+                        <m:r>
+                          <a:rPr lang="en-US" b="1" i="1" smtClean="0">
+                            <a:latin typeface="Cambria Math" panose="02040503050406030204" pitchFamily="18" charset="0"/>
+                          </a:rPr>
+                          <m:t>𝟏</m:t>
+                        </m:r>
+                      </m:sub>
+                    </m:sSub>
+                    <m:r>
+                      <a:rPr lang="en-US" b="1" i="1" smtClean="0">
+                        <a:latin typeface="Cambria Math" panose="02040503050406030204" pitchFamily="18" charset="0"/>
+                      </a:rPr>
+                      <m:t>⋅</m:t>
+                    </m:r>
+                    <m:acc>
+                      <m:accPr>
+                        <m:chr m:val="̅"/>
+                        <m:ctrlPr>
+                          <a:rPr lang="en-US" b="1" i="1" smtClean="0">
+                            <a:solidFill>
+                              <a:srgbClr val="836967"/>
+                            </a:solidFill>
+                            <a:latin typeface="Cambria Math" panose="02040503050406030204" pitchFamily="18" charset="0"/>
+                          </a:rPr>
+                        </m:ctrlPr>
+                      </m:accPr>
+                      <m:e>
+                        <m:r>
+                          <a:rPr lang="en-US" b="1" i="1" smtClean="0">
+                            <a:latin typeface="Cambria Math" panose="02040503050406030204" pitchFamily="18" charset="0"/>
+                          </a:rPr>
+                          <m:t>𝒙</m:t>
+                        </m:r>
+                      </m:e>
+                    </m:acc>
+                  </m:oMath>
+                </a14:m>
+                <a:endParaRPr lang="en-US" b="1" dirty="0"/>
+              </a:p>
+            </p:txBody>
+          </p:sp>
+        </mc:Choice>
+        <mc:Fallback>
+          <p:sp>
+            <p:nvSpPr>
+              <p:cNvPr id="3" name="Content Placeholder 2">
+                <a:extLst>
+                  <a:ext uri="{FF2B5EF4-FFF2-40B4-BE49-F238E27FC236}">
+                    <a16:creationId xmlns:a16="http://schemas.microsoft.com/office/drawing/2014/main" id="{4EDA8790-15CD-491A-A000-120C45F1AD82}"/>
+                  </a:ext>
+                </a:extLst>
+              </p:cNvPr>
+              <p:cNvSpPr>
+                <a:spLocks noGrp="1" noRot="1" noChangeAspect="1" noMove="1" noResize="1" noEditPoints="1" noAdjustHandles="1" noChangeArrowheads="1" noChangeShapeType="1" noTextEdit="1"/>
+              </p:cNvSpPr>
+              <p:nvPr>
+                <p:ph idx="1"/>
+              </p:nvPr>
+            </p:nvSpPr>
+            <p:spPr>
+              <a:blipFill>
+                <a:blip r:embed="rId2"/>
+                <a:stretch>
+                  <a:fillRect l="-1043" t="-2241"/>
+                </a:stretch>
+              </a:blipFill>
+            </p:spPr>
+            <p:txBody>
+              <a:bodyPr/>
+              <a:lstStyle/>
+              <a:p>
+                <a:r>
+                  <a:rPr lang="en-US">
+                    <a:noFill/>
+                  </a:rPr>
+                  <a:t> </a:t>
+                </a:r>
+              </a:p>
+            </p:txBody>
+          </p:sp>
+        </mc:Fallback>
+      </mc:AlternateContent>
+    </p:spTree>
+    <p:extLst>
+      <p:ext uri="{BB962C8B-B14F-4D97-AF65-F5344CB8AC3E}">
+        <p14:creationId xmlns:p14="http://schemas.microsoft.com/office/powerpoint/2010/main" val="1220959620"/>
+      </p:ext>
+    </p:extLst>
+  </p:cSld>
+  <p:clrMapOvr>
+    <a:masterClrMapping/>
+  </p:clrMapOvr>
+</p:sld>
+</file>
+
+<file path=ppt/slides/slide12.xml><?xml version="1.0" encoding="utf-8"?>
+<p:sld xmlns:a="http://schemas.openxmlformats.org/drawingml/2006/main" xmlns:r="http://schemas.openxmlformats.org/officeDocument/2006/relationships" xmlns:p="http://schemas.openxmlformats.org/presentationml/2006/main">
+  <p:cSld>
+    <p:spTree>
+      <p:nvGrpSpPr>
+        <p:cNvPr id="1" name=""/>
+        <p:cNvGrpSpPr/>
+        <p:nvPr/>
+      </p:nvGrpSpPr>
+      <p:grpSpPr>
+        <a:xfrm>
+          <a:off x="0" y="0"/>
+          <a:ext cx="0" cy="0"/>
+          <a:chOff x="0" y="0"/>
+          <a:chExt cx="0" cy="0"/>
+        </a:xfrm>
+      </p:grpSpPr>
+      <p:sp>
+        <p:nvSpPr>
+          <p:cNvPr id="2" name="Title 1">
+            <a:extLst>
+              <a:ext uri="{FF2B5EF4-FFF2-40B4-BE49-F238E27FC236}">
+                <a16:creationId xmlns:a16="http://schemas.microsoft.com/office/drawing/2014/main" id="{1FB4FCA2-2637-4DB4-9783-C0F374389FA0}"/>
+              </a:ext>
+            </a:extLst>
+          </p:cNvPr>
+          <p:cNvSpPr>
+            <a:spLocks noGrp="1"/>
+          </p:cNvSpPr>
+          <p:nvPr>
+            <p:ph type="title"/>
+          </p:nvPr>
+        </p:nvSpPr>
+        <p:spPr>
+          <a:xfrm>
+            <a:off x="838200" y="2766218"/>
+            <a:ext cx="10515600" cy="1325563"/>
+          </a:xfrm>
+        </p:spPr>
+        <p:txBody>
+          <a:bodyPr/>
+          <a:lstStyle/>
+          <a:p>
+            <a:pPr algn="ctr"/>
+            <a:r>
+              <a:rPr lang="bg-BG" dirty="0"/>
+              <a:t>Благодаря за вниманието!</a:t>
+            </a:r>
+            <a:endParaRPr lang="en-US" dirty="0"/>
+          </a:p>
+        </p:txBody>
+      </p:sp>
+    </p:spTree>
+    <p:extLst>
+      <p:ext uri="{BB962C8B-B14F-4D97-AF65-F5344CB8AC3E}">
+        <p14:creationId xmlns:p14="http://schemas.microsoft.com/office/powerpoint/2010/main" val="1965930739"/>
+      </p:ext>
+    </p:extLst>
+  </p:cSld>
+  <p:clrMapOvr>
+    <a:masterClrMapping/>
+  </p:clrMapOvr>
+</p:sld>
+</file>
+
 <file path=ppt/slides/slide2.xml><?xml version="1.0" encoding="utf-8"?>
 <p:sld xmlns:a="http://schemas.openxmlformats.org/drawingml/2006/main" xmlns:r="http://schemas.openxmlformats.org/officeDocument/2006/relationships" xmlns:p="http://schemas.openxmlformats.org/presentationml/2006/main">
   <p:cSld>
@@ -3493,6 +5662,10 @@
             <a:r>
               <a:rPr lang="en-US" b="1" dirty="0"/>
               <a:t>*x</a:t>
+            </a:r>
+            <a:r>
+              <a:rPr lang="en-US" sz="1600" b="1" dirty="0"/>
+              <a:t>i</a:t>
             </a:r>
             <a:r>
               <a:rPr lang="bg-BG" b="1" dirty="0"/>
@@ -3846,9 +6019,22 @@
               <a:buNone/>
             </a:pPr>
             <a:r>
+              <a:rPr lang="en-US" b="1" i="1" dirty="0" err="1"/>
+              <a:t>y</a:t>
+            </a:r>
+            <a:r>
+              <a:rPr lang="en-US" sz="1600" b="1" i="1" dirty="0" err="1"/>
+              <a:t>i</a:t>
+            </a:r>
+            <a:r>
               <a:rPr lang="en-US" b="1" i="1" dirty="0"/>
-              <a:t>y = 43000 + 1000*x</a:t>
-            </a:r>
+              <a:t> = 43000 + 1000*x</a:t>
+            </a:r>
+            <a:r>
+              <a:rPr lang="en-US" sz="1600" b="1" i="1" dirty="0"/>
+              <a:t>i</a:t>
+            </a:r>
+            <a:endParaRPr lang="en-US" b="1" i="1" dirty="0"/>
           </a:p>
           <a:p>
             <a:pPr marL="0" indent="0" algn="ctr">
@@ -4066,479 +6252,153 @@
           </a:p>
         </p:txBody>
       </p:sp>
-      <mc:AlternateContent xmlns:mc="http://schemas.openxmlformats.org/markup-compatibility/2006">
-        <mc:Choice xmlns:a14="http://schemas.microsoft.com/office/drawing/2010/main" Requires="a14">
-          <p:sp>
-            <p:nvSpPr>
-              <p:cNvPr id="3" name="Content Placeholder 2">
-                <a:extLst>
-                  <a:ext uri="{FF2B5EF4-FFF2-40B4-BE49-F238E27FC236}">
-                    <a16:creationId xmlns:a16="http://schemas.microsoft.com/office/drawing/2014/main" id="{9FD41F97-7C46-48CC-9213-DC6578FA49EC}"/>
-                  </a:ext>
-                </a:extLst>
-              </p:cNvPr>
-              <p:cNvSpPr>
-                <a:spLocks noGrp="1"/>
-              </p:cNvSpPr>
-              <p:nvPr>
-                <p:ph idx="1"/>
-              </p:nvPr>
-            </p:nvSpPr>
-            <p:spPr/>
-            <p:txBody>
-              <a:bodyPr/>
-              <a:lstStyle/>
-              <a:p>
-                <a:r>
-                  <a:rPr lang="en-US" b="1" dirty="0"/>
-                  <a:t>y = </a:t>
-                </a:r>
-                <a:r>
-                  <a:rPr lang="el-GR" b="1" dirty="0"/>
-                  <a:t>β</a:t>
-                </a:r>
-                <a:r>
-                  <a:rPr lang="en-US" sz="1600" b="1" dirty="0"/>
-                  <a:t>0</a:t>
-                </a:r>
-                <a:r>
-                  <a:rPr lang="en-US" b="1" dirty="0"/>
-                  <a:t> + </a:t>
-                </a:r>
-                <a:r>
-                  <a:rPr lang="el-GR" b="1" dirty="0"/>
-                  <a:t>β</a:t>
-                </a:r>
-                <a:r>
-                  <a:rPr lang="en-US" sz="1600" b="1" dirty="0"/>
-                  <a:t>1</a:t>
-                </a:r>
-                <a:r>
-                  <a:rPr lang="en-US" b="1" dirty="0"/>
-                  <a:t>*x + </a:t>
-                </a:r>
-                <a:r>
-                  <a:rPr lang="el-GR" b="1" dirty="0">
-                    <a:solidFill>
-                      <a:srgbClr val="202122"/>
-                    </a:solidFill>
-                    <a:effectLst/>
-                  </a:rPr>
-                  <a:t>ε</a:t>
-                </a:r>
-                <a:r>
-                  <a:rPr lang="bg-BG" dirty="0"/>
-                  <a:t> </a:t>
-                </a:r>
-                <a:r>
-                  <a:rPr lang="en-US" dirty="0"/>
-                  <a:t>(3)</a:t>
-                </a:r>
-              </a:p>
-              <a:p>
-                <a:r>
-                  <a:rPr lang="bg-BG" dirty="0"/>
-                  <a:t>Където целта на </a:t>
-                </a:r>
-                <a:r>
-                  <a:rPr lang="el-GR" b="1" i="1" dirty="0">
-                    <a:solidFill>
-                      <a:srgbClr val="202122"/>
-                    </a:solidFill>
-                    <a:effectLst/>
-                  </a:rPr>
-                  <a:t>ε</a:t>
-                </a:r>
-                <a:r>
-                  <a:rPr lang="en-US" dirty="0">
-                    <a:solidFill>
-                      <a:srgbClr val="202122"/>
-                    </a:solidFill>
-                    <a:effectLst/>
-                  </a:rPr>
-                  <a:t>(stochastic error term)</a:t>
-                </a:r>
-                <a:r>
-                  <a:rPr lang="bg-BG" dirty="0">
-                    <a:solidFill>
-                      <a:srgbClr val="202122"/>
-                    </a:solidFill>
-                    <a:effectLst/>
-                  </a:rPr>
-                  <a:t> е да отчете всички факти, които регресията не е обхванала</a:t>
-                </a:r>
-                <a:endParaRPr lang="en-US" dirty="0"/>
-              </a:p>
-              <a:p>
-                <a:r>
-                  <a:rPr lang="bg-BG" dirty="0"/>
-                  <a:t>Тази линейна регресия е чисто теоритична и практически недостижима. Тя още е наричана </a:t>
-                </a:r>
-                <a:r>
-                  <a:rPr lang="bg-BG" b="1" i="1" dirty="0"/>
-                  <a:t>истинска</a:t>
-                </a:r>
-                <a:r>
-                  <a:rPr lang="bg-BG" dirty="0"/>
-                  <a:t> линейна регресия.</a:t>
-                </a:r>
-              </a:p>
-              <a:p>
-                <a:r>
-                  <a:rPr lang="bg-BG" dirty="0"/>
-                  <a:t>Емпирично не можем да изчислим </a:t>
-                </a:r>
-                <a:r>
-                  <a:rPr lang="el-GR" b="1" i="1" dirty="0">
-                    <a:solidFill>
-                      <a:srgbClr val="202122"/>
-                    </a:solidFill>
-                    <a:effectLst/>
-                  </a:rPr>
-                  <a:t>ε</a:t>
-                </a:r>
-                <a:r>
-                  <a:rPr lang="bg-BG" b="1" i="1" dirty="0">
-                    <a:solidFill>
-                      <a:srgbClr val="202122"/>
-                    </a:solidFill>
-                    <a:effectLst/>
-                  </a:rPr>
-                  <a:t> </a:t>
-                </a:r>
-                <a:r>
-                  <a:rPr lang="bg-BG" dirty="0">
-                    <a:solidFill>
-                      <a:srgbClr val="202122"/>
-                    </a:solidFill>
-                    <a:effectLst/>
-                  </a:rPr>
-                  <a:t>и съответно формулата, която прилагаме се свежда до</a:t>
-                </a:r>
-                <a:r>
-                  <a:rPr lang="en-US" dirty="0">
-                    <a:solidFill>
-                      <a:srgbClr val="202122"/>
-                    </a:solidFill>
-                    <a:effectLst/>
-                  </a:rPr>
-                  <a:t>:</a:t>
-                </a:r>
-              </a:p>
-              <a:p>
-                <a14:m>
-                  <m:oMath xmlns:m="http://schemas.openxmlformats.org/officeDocument/2006/math">
-                    <m:acc>
-                      <m:accPr>
-                        <m:chr m:val="̂"/>
-                        <m:ctrlPr>
-                          <a:rPr lang="en-US" b="1" i="1" smtClean="0">
-                            <a:solidFill>
-                              <a:srgbClr val="202122"/>
-                            </a:solidFill>
-                            <a:effectLst/>
-                            <a:latin typeface="Cambria Math" panose="02040503050406030204" pitchFamily="18" charset="0"/>
-                          </a:rPr>
-                        </m:ctrlPr>
-                      </m:accPr>
-                      <m:e>
-                        <m:r>
-                          <a:rPr lang="en-US" b="1" i="1" smtClean="0">
-                            <a:solidFill>
-                              <a:srgbClr val="202122"/>
-                            </a:solidFill>
-                            <a:effectLst/>
-                            <a:latin typeface="Cambria Math" panose="02040503050406030204" pitchFamily="18" charset="0"/>
-                          </a:rPr>
-                          <m:t>𝒚</m:t>
-                        </m:r>
-                      </m:e>
-                    </m:acc>
-                    <m:r>
-                      <a:rPr lang="en-US" b="1" dirty="0" smtClean="0">
-                        <a:solidFill>
-                          <a:srgbClr val="202122"/>
-                        </a:solidFill>
-                        <a:effectLst/>
-                        <a:latin typeface="Cambria Math" panose="02040503050406030204" pitchFamily="18" charset="0"/>
-                      </a:rPr>
-                      <m:t>=</m:t>
-                    </m:r>
-                    <m:acc>
-                      <m:accPr>
-                        <m:chr m:val="̂"/>
-                        <m:ctrlPr>
-                          <a:rPr lang="en-US" b="1" dirty="0" smtClean="0">
-                            <a:solidFill>
-                              <a:srgbClr val="202122"/>
-                            </a:solidFill>
-                            <a:effectLst/>
-                            <a:latin typeface="Cambria Math" panose="02040503050406030204" pitchFamily="18" charset="0"/>
-                          </a:rPr>
-                        </m:ctrlPr>
-                      </m:accPr>
-                      <m:e>
-                        <m:r>
-                          <m:rPr>
-                            <m:nor/>
-                          </m:rPr>
-                          <a:rPr lang="el-GR" b="1" dirty="0" smtClean="0"/>
-                          <m:t>β</m:t>
-                        </m:r>
-                        <m:r>
-                          <m:rPr>
-                            <m:nor/>
-                          </m:rPr>
-                          <a:rPr lang="en-US" sz="1600" b="1" dirty="0" smtClean="0"/>
-                          <m:t>0</m:t>
-                        </m:r>
-                      </m:e>
-                    </m:acc>
-                  </m:oMath>
-                </a14:m>
-                <a:r>
-                  <a:rPr lang="en-US" b="1" dirty="0">
-                    <a:solidFill>
-                      <a:srgbClr val="202122"/>
-                    </a:solidFill>
-                    <a:effectLst/>
-                  </a:rPr>
-                  <a:t> + </a:t>
-                </a:r>
-                <a14:m>
-                  <m:oMath xmlns:m="http://schemas.openxmlformats.org/officeDocument/2006/math">
-                    <m:acc>
-                      <m:accPr>
-                        <m:chr m:val="̂"/>
-                        <m:ctrlPr>
-                          <a:rPr lang="en-US" b="1" i="1" dirty="0" smtClean="0">
-                            <a:solidFill>
-                              <a:srgbClr val="202122"/>
-                            </a:solidFill>
-                            <a:effectLst/>
-                            <a:latin typeface="Cambria Math" panose="02040503050406030204" pitchFamily="18" charset="0"/>
-                          </a:rPr>
-                        </m:ctrlPr>
-                      </m:accPr>
-                      <m:e>
-                        <m:r>
-                          <m:rPr>
-                            <m:nor/>
-                          </m:rPr>
-                          <a:rPr lang="el-GR" b="1" dirty="0" smtClean="0"/>
-                          <m:t>β</m:t>
-                        </m:r>
-                        <m:r>
-                          <m:rPr>
-                            <m:nor/>
-                          </m:rPr>
-                          <a:rPr lang="bg-BG" sz="1600" b="1" i="0" dirty="0" smtClean="0"/>
-                          <m:t>1</m:t>
-                        </m:r>
-                      </m:e>
-                    </m:acc>
-                  </m:oMath>
-                </a14:m>
-                <a:r>
-                  <a:rPr lang="en-US" b="1" dirty="0">
-                    <a:solidFill>
-                      <a:srgbClr val="202122"/>
-                    </a:solidFill>
-                    <a:effectLst/>
-                  </a:rPr>
-                  <a:t> </a:t>
-                </a:r>
-                <a:r>
-                  <a:rPr lang="en-US" b="1" dirty="0"/>
-                  <a:t>*x</a:t>
-                </a:r>
-                <a:r>
-                  <a:rPr lang="bg-BG" b="1" dirty="0"/>
-                  <a:t> </a:t>
-                </a:r>
-                <a:r>
-                  <a:rPr lang="en-US" dirty="0"/>
-                  <a:t>(4)</a:t>
-                </a:r>
-              </a:p>
-              <a:p>
-                <a:r>
-                  <a:rPr lang="bg-BG" dirty="0">
-                    <a:solidFill>
-                      <a:srgbClr val="202122"/>
-                    </a:solidFill>
-                  </a:rPr>
-                  <a:t>Където </a:t>
-                </a:r>
-                <a14:m>
-                  <m:oMath xmlns:m="http://schemas.openxmlformats.org/officeDocument/2006/math">
-                    <m:acc>
-                      <m:accPr>
-                        <m:chr m:val="̂"/>
-                        <m:ctrlPr>
-                          <a:rPr lang="en-US" b="1" i="1" smtClean="0">
-                            <a:solidFill>
-                              <a:srgbClr val="202122"/>
-                            </a:solidFill>
-                            <a:effectLst/>
-                            <a:latin typeface="Cambria Math" panose="02040503050406030204" pitchFamily="18" charset="0"/>
-                          </a:rPr>
-                        </m:ctrlPr>
-                      </m:accPr>
-                      <m:e>
-                        <m:r>
-                          <a:rPr lang="en-US" b="1" i="1" smtClean="0">
-                            <a:solidFill>
-                              <a:srgbClr val="202122"/>
-                            </a:solidFill>
-                            <a:effectLst/>
-                            <a:latin typeface="Cambria Math" panose="02040503050406030204" pitchFamily="18" charset="0"/>
-                          </a:rPr>
-                          <m:t>𝒚</m:t>
-                        </m:r>
-                      </m:e>
-                    </m:acc>
-                    <m:r>
-                      <a:rPr lang="bg-BG" b="0" i="0" smtClean="0">
-                        <a:solidFill>
-                          <a:srgbClr val="202122"/>
-                        </a:solidFill>
-                        <a:effectLst/>
-                        <a:latin typeface="Cambria Math" panose="02040503050406030204" pitchFamily="18" charset="0"/>
-                      </a:rPr>
-                      <m:t>, </m:t>
-                    </m:r>
-                    <m:acc>
-                      <m:accPr>
-                        <m:chr m:val="̂"/>
-                        <m:ctrlPr>
-                          <a:rPr lang="en-US" b="1" i="1" dirty="0" smtClean="0">
-                            <a:solidFill>
-                              <a:srgbClr val="202122"/>
-                            </a:solidFill>
-                            <a:effectLst/>
-                            <a:latin typeface="Cambria Math" panose="02040503050406030204" pitchFamily="18" charset="0"/>
-                          </a:rPr>
-                        </m:ctrlPr>
-                      </m:accPr>
-                      <m:e>
-                        <m:r>
-                          <m:rPr>
-                            <m:nor/>
-                          </m:rPr>
-                          <a:rPr lang="el-GR" b="1" dirty="0" smtClean="0"/>
-                          <m:t>β</m:t>
-                        </m:r>
-                        <m:r>
-                          <m:rPr>
-                            <m:nor/>
-                          </m:rPr>
-                          <a:rPr lang="en-US" sz="1600" b="1" dirty="0" smtClean="0"/>
-                          <m:t>0</m:t>
-                        </m:r>
-                      </m:e>
-                    </m:acc>
-                    <m:r>
-                      <a:rPr lang="bg-BG" b="0" i="0" smtClean="0">
-                        <a:solidFill>
-                          <a:srgbClr val="202122"/>
-                        </a:solidFill>
-                        <a:effectLst/>
-                        <a:latin typeface="Cambria Math" panose="02040503050406030204" pitchFamily="18" charset="0"/>
-                      </a:rPr>
-                      <m:t>, </m:t>
-                    </m:r>
-                    <m:acc>
-                      <m:accPr>
-                        <m:chr m:val="̂"/>
-                        <m:ctrlPr>
-                          <a:rPr lang="en-US" b="1" i="1" dirty="0" smtClean="0">
-                            <a:solidFill>
-                              <a:srgbClr val="202122"/>
-                            </a:solidFill>
-                            <a:effectLst/>
-                            <a:latin typeface="Cambria Math" panose="02040503050406030204" pitchFamily="18" charset="0"/>
-                          </a:rPr>
-                        </m:ctrlPr>
-                      </m:accPr>
-                      <m:e>
-                        <m:r>
-                          <m:rPr>
-                            <m:nor/>
-                          </m:rPr>
-                          <a:rPr lang="el-GR" b="1" dirty="0" smtClean="0"/>
-                          <m:t>β</m:t>
-                        </m:r>
-                        <m:r>
-                          <m:rPr>
-                            <m:nor/>
-                          </m:rPr>
-                          <a:rPr lang="bg-BG" sz="1600" b="1" i="0" dirty="0" smtClean="0"/>
-                          <m:t>1</m:t>
-                        </m:r>
-                      </m:e>
-                    </m:acc>
-                  </m:oMath>
-                </a14:m>
-                <a:r>
-                  <a:rPr lang="bg-BG" dirty="0">
-                    <a:solidFill>
-                      <a:srgbClr val="202122"/>
-                    </a:solidFill>
-                    <a:effectLst/>
-                  </a:rPr>
-                  <a:t> са предполагаеми стойности</a:t>
-                </a:r>
-                <a:endParaRPr lang="en-US" dirty="0">
-                  <a:solidFill>
-                    <a:srgbClr val="202122"/>
-                  </a:solidFill>
-                  <a:effectLst/>
-                </a:endParaRPr>
-              </a:p>
-            </p:txBody>
-          </p:sp>
-        </mc:Choice>
-        <mc:Fallback>
-          <p:sp>
-            <p:nvSpPr>
-              <p:cNvPr id="3" name="Content Placeholder 2">
-                <a:extLst>
-                  <a:ext uri="{FF2B5EF4-FFF2-40B4-BE49-F238E27FC236}">
-                    <a16:creationId xmlns:a16="http://schemas.microsoft.com/office/drawing/2014/main" id="{9FD41F97-7C46-48CC-9213-DC6578FA49EC}"/>
-                  </a:ext>
-                </a:extLst>
-              </p:cNvPr>
-              <p:cNvSpPr>
-                <a:spLocks noGrp="1" noRot="1" noChangeAspect="1" noMove="1" noResize="1" noEditPoints="1" noAdjustHandles="1" noChangeArrowheads="1" noChangeShapeType="1" noTextEdit="1"/>
-              </p:cNvSpPr>
-              <p:nvPr>
-                <p:ph idx="1"/>
-              </p:nvPr>
-            </p:nvSpPr>
-            <p:spPr>
-              <a:blipFill>
-                <a:blip r:embed="rId2"/>
-                <a:stretch>
-                  <a:fillRect l="-1043" t="-2241" b="-980"/>
-                </a:stretch>
-              </a:blipFill>
-            </p:spPr>
-            <p:txBody>
-              <a:bodyPr/>
-              <a:lstStyle/>
-              <a:p>
-                <a:r>
-                  <a:rPr lang="en-US">
-                    <a:noFill/>
-                  </a:rPr>
-                  <a:t> </a:t>
-                </a:r>
-              </a:p>
-            </p:txBody>
-          </p:sp>
-        </mc:Fallback>
-      </mc:AlternateContent>
+      <p:sp>
+        <p:nvSpPr>
+          <p:cNvPr id="3" name="Content Placeholder 2">
+            <a:extLst>
+              <a:ext uri="{FF2B5EF4-FFF2-40B4-BE49-F238E27FC236}">
+                <a16:creationId xmlns:a16="http://schemas.microsoft.com/office/drawing/2014/main" id="{9FD41F97-7C46-48CC-9213-DC6578FA49EC}"/>
+              </a:ext>
+            </a:extLst>
+          </p:cNvPr>
+          <p:cNvSpPr>
+            <a:spLocks noGrp="1"/>
+          </p:cNvSpPr>
+          <p:nvPr>
+            <p:ph idx="1"/>
+          </p:nvPr>
+        </p:nvSpPr>
+        <p:spPr>
+          <a:xfrm>
+            <a:off x="838200" y="1825625"/>
+            <a:ext cx="10515600" cy="4667250"/>
+          </a:xfrm>
+        </p:spPr>
+        <p:txBody>
+          <a:bodyPr/>
+          <a:lstStyle/>
+          <a:p>
+            <a:r>
+              <a:rPr lang="en-US" b="1" dirty="0" err="1"/>
+              <a:t>y</a:t>
+            </a:r>
+            <a:r>
+              <a:rPr lang="en-US" sz="1600" b="1" dirty="0" err="1"/>
+              <a:t>i</a:t>
+            </a:r>
+            <a:r>
+              <a:rPr lang="en-US" b="1" dirty="0"/>
+              <a:t> = </a:t>
+            </a:r>
+            <a:r>
+              <a:rPr lang="el-GR" b="1" dirty="0"/>
+              <a:t>β</a:t>
+            </a:r>
+            <a:r>
+              <a:rPr lang="en-US" sz="1600" b="1" dirty="0"/>
+              <a:t>0</a:t>
+            </a:r>
+            <a:r>
+              <a:rPr lang="en-US" b="1" dirty="0"/>
+              <a:t> + </a:t>
+            </a:r>
+            <a:r>
+              <a:rPr lang="el-GR" b="1" dirty="0"/>
+              <a:t>β</a:t>
+            </a:r>
+            <a:r>
+              <a:rPr lang="en-US" sz="1600" b="1" dirty="0"/>
+              <a:t>1</a:t>
+            </a:r>
+            <a:r>
+              <a:rPr lang="en-US" b="1" dirty="0"/>
+              <a:t>*x</a:t>
+            </a:r>
+            <a:r>
+              <a:rPr lang="en-US" sz="1600" b="1" dirty="0"/>
+              <a:t>i</a:t>
+            </a:r>
+            <a:r>
+              <a:rPr lang="en-US" b="1" dirty="0"/>
+              <a:t> + </a:t>
+            </a:r>
+            <a:r>
+              <a:rPr lang="el-GR" b="1" dirty="0">
+                <a:solidFill>
+                  <a:srgbClr val="202122"/>
+                </a:solidFill>
+                <a:effectLst/>
+              </a:rPr>
+              <a:t>ε</a:t>
+            </a:r>
+            <a:r>
+              <a:rPr lang="en-US" sz="1600" b="1" dirty="0" err="1">
+                <a:solidFill>
+                  <a:srgbClr val="202122"/>
+                </a:solidFill>
+                <a:effectLst/>
+              </a:rPr>
+              <a:t>i</a:t>
+            </a:r>
+            <a:r>
+              <a:rPr lang="bg-BG" dirty="0"/>
+              <a:t> </a:t>
+            </a:r>
+            <a:r>
+              <a:rPr lang="en-US" dirty="0"/>
+              <a:t>(3)</a:t>
+            </a:r>
+          </a:p>
+          <a:p>
+            <a:r>
+              <a:rPr lang="bg-BG" dirty="0"/>
+              <a:t>Където целта на </a:t>
+            </a:r>
+            <a:r>
+              <a:rPr lang="el-GR" b="1" i="1" dirty="0">
+                <a:solidFill>
+                  <a:srgbClr val="202122"/>
+                </a:solidFill>
+                <a:effectLst/>
+              </a:rPr>
+              <a:t>ε</a:t>
+            </a:r>
+            <a:r>
+              <a:rPr lang="en-US" dirty="0">
+                <a:solidFill>
+                  <a:srgbClr val="202122"/>
+                </a:solidFill>
+                <a:effectLst/>
+              </a:rPr>
+              <a:t>(stochastic error term)</a:t>
+            </a:r>
+            <a:r>
+              <a:rPr lang="bg-BG" dirty="0">
+                <a:solidFill>
+                  <a:srgbClr val="202122"/>
+                </a:solidFill>
+                <a:effectLst/>
+              </a:rPr>
+              <a:t> е да отчете всички факти, които регресията не е обхванала</a:t>
+            </a:r>
+            <a:endParaRPr lang="en-US" dirty="0"/>
+          </a:p>
+          <a:p>
+            <a:r>
+              <a:rPr lang="bg-BG" dirty="0"/>
+              <a:t>Тази линейна регресия е чисто теоритична и практически недостижима. Тя още е наричана </a:t>
+            </a:r>
+            <a:r>
+              <a:rPr lang="bg-BG" b="1" i="1" dirty="0"/>
+              <a:t>истинска</a:t>
+            </a:r>
+            <a:r>
+              <a:rPr lang="bg-BG" dirty="0"/>
+              <a:t> линейна регресия.</a:t>
+            </a:r>
+          </a:p>
+        </p:txBody>
+      </p:sp>
     </p:spTree>
     <p:extLst>
       <p:ext uri="{BB962C8B-B14F-4D97-AF65-F5344CB8AC3E}">
@@ -4592,18 +6452,510 @@
           <a:p>
             <a:r>
               <a:rPr lang="bg-BG" dirty="0"/>
-              <a:t>Как да определим коефициентите?</a:t>
+              <a:t>Емпирична формула</a:t>
             </a:r>
             <a:endParaRPr lang="en-US" dirty="0"/>
           </a:p>
         </p:txBody>
       </p:sp>
+      <mc:AlternateContent xmlns:mc="http://schemas.openxmlformats.org/markup-compatibility/2006">
+        <mc:Choice xmlns:a14="http://schemas.microsoft.com/office/drawing/2010/main" Requires="a14">
+          <p:sp>
+            <p:nvSpPr>
+              <p:cNvPr id="3" name="Content Placeholder 2">
+                <a:extLst>
+                  <a:ext uri="{FF2B5EF4-FFF2-40B4-BE49-F238E27FC236}">
+                    <a16:creationId xmlns:a16="http://schemas.microsoft.com/office/drawing/2014/main" id="{9606B30F-16FB-4AB5-B29E-FE929B7DF069}"/>
+                  </a:ext>
+                </a:extLst>
+              </p:cNvPr>
+              <p:cNvSpPr>
+                <a:spLocks noGrp="1"/>
+              </p:cNvSpPr>
+              <p:nvPr>
+                <p:ph idx="1"/>
+              </p:nvPr>
+            </p:nvSpPr>
+            <p:spPr/>
+            <p:txBody>
+              <a:bodyPr/>
+              <a:lstStyle/>
+              <a:p>
+                <a:r>
+                  <a:rPr lang="bg-BG" dirty="0"/>
+                  <a:t>Емпирично не можем да изчислим </a:t>
+                </a:r>
+                <a:r>
+                  <a:rPr lang="el-GR" b="1" i="1" dirty="0">
+                    <a:solidFill>
+                      <a:srgbClr val="202122"/>
+                    </a:solidFill>
+                    <a:effectLst/>
+                  </a:rPr>
+                  <a:t>ε</a:t>
+                </a:r>
+                <a:r>
+                  <a:rPr lang="bg-BG" b="1" i="1" dirty="0">
+                    <a:solidFill>
+                      <a:srgbClr val="202122"/>
+                    </a:solidFill>
+                    <a:effectLst/>
+                  </a:rPr>
+                  <a:t> </a:t>
+                </a:r>
+                <a:r>
+                  <a:rPr lang="bg-BG" dirty="0">
+                    <a:solidFill>
+                      <a:srgbClr val="202122"/>
+                    </a:solidFill>
+                    <a:effectLst/>
+                  </a:rPr>
+                  <a:t>и съответно формулата, която прилагаме се свежда до</a:t>
+                </a:r>
+                <a:r>
+                  <a:rPr lang="en-US" dirty="0">
+                    <a:solidFill>
+                      <a:srgbClr val="202122"/>
+                    </a:solidFill>
+                    <a:effectLst/>
+                  </a:rPr>
+                  <a:t>:</a:t>
+                </a:r>
+              </a:p>
+              <a:p>
+                <a14:m>
+                  <m:oMath xmlns:m="http://schemas.openxmlformats.org/officeDocument/2006/math">
+                    <m:acc>
+                      <m:accPr>
+                        <m:chr m:val="̂"/>
+                        <m:ctrlPr>
+                          <a:rPr lang="en-US" b="1" i="1" smtClean="0">
+                            <a:solidFill>
+                              <a:srgbClr val="202122"/>
+                            </a:solidFill>
+                            <a:effectLst/>
+                            <a:latin typeface="Cambria Math" panose="02040503050406030204" pitchFamily="18" charset="0"/>
+                          </a:rPr>
+                        </m:ctrlPr>
+                      </m:accPr>
+                      <m:e>
+                        <m:r>
+                          <a:rPr lang="en-US" b="1" i="1" smtClean="0">
+                            <a:solidFill>
+                              <a:srgbClr val="202122"/>
+                            </a:solidFill>
+                            <a:effectLst/>
+                            <a:latin typeface="Cambria Math" panose="02040503050406030204" pitchFamily="18" charset="0"/>
+                          </a:rPr>
+                          <m:t>𝒚</m:t>
+                        </m:r>
+                      </m:e>
+                    </m:acc>
+                    <m:r>
+                      <a:rPr lang="en-US" b="1" dirty="0" smtClean="0">
+                        <a:solidFill>
+                          <a:srgbClr val="202122"/>
+                        </a:solidFill>
+                        <a:effectLst/>
+                        <a:latin typeface="Cambria Math" panose="02040503050406030204" pitchFamily="18" charset="0"/>
+                      </a:rPr>
+                      <m:t>=</m:t>
+                    </m:r>
+                    <m:acc>
+                      <m:accPr>
+                        <m:chr m:val="̂"/>
+                        <m:ctrlPr>
+                          <a:rPr lang="en-US" b="1" i="1" dirty="0" smtClean="0">
+                            <a:solidFill>
+                              <a:srgbClr val="202122"/>
+                            </a:solidFill>
+                            <a:effectLst/>
+                            <a:latin typeface="Cambria Math" panose="02040503050406030204" pitchFamily="18" charset="0"/>
+                          </a:rPr>
+                        </m:ctrlPr>
+                      </m:accPr>
+                      <m:e>
+                        <m:r>
+                          <m:rPr>
+                            <m:nor/>
+                          </m:rPr>
+                          <a:rPr lang="el-GR" b="1" dirty="0" smtClean="0"/>
+                          <m:t>β</m:t>
+                        </m:r>
+                        <m:r>
+                          <m:rPr>
+                            <m:nor/>
+                          </m:rPr>
+                          <a:rPr lang="en-US" sz="1600" b="1" dirty="0" smtClean="0"/>
+                          <m:t>0</m:t>
+                        </m:r>
+                      </m:e>
+                    </m:acc>
+                  </m:oMath>
+                </a14:m>
+                <a:r>
+                  <a:rPr lang="en-US" b="1" dirty="0">
+                    <a:solidFill>
+                      <a:srgbClr val="202122"/>
+                    </a:solidFill>
+                    <a:effectLst/>
+                  </a:rPr>
+                  <a:t> + </a:t>
+                </a:r>
+                <a14:m>
+                  <m:oMath xmlns:m="http://schemas.openxmlformats.org/officeDocument/2006/math">
+                    <m:acc>
+                      <m:accPr>
+                        <m:chr m:val="̂"/>
+                        <m:ctrlPr>
+                          <a:rPr lang="en-US" b="1" i="1" dirty="0" smtClean="0">
+                            <a:solidFill>
+                              <a:srgbClr val="202122"/>
+                            </a:solidFill>
+                            <a:effectLst/>
+                            <a:latin typeface="Cambria Math" panose="02040503050406030204" pitchFamily="18" charset="0"/>
+                          </a:rPr>
+                        </m:ctrlPr>
+                      </m:accPr>
+                      <m:e>
+                        <m:r>
+                          <m:rPr>
+                            <m:nor/>
+                          </m:rPr>
+                          <a:rPr lang="el-GR" b="1" dirty="0" smtClean="0"/>
+                          <m:t>β</m:t>
+                        </m:r>
+                        <m:r>
+                          <m:rPr>
+                            <m:nor/>
+                          </m:rPr>
+                          <a:rPr lang="bg-BG" sz="1600" b="1" i="0" dirty="0" smtClean="0"/>
+                          <m:t>1</m:t>
+                        </m:r>
+                      </m:e>
+                    </m:acc>
+                  </m:oMath>
+                </a14:m>
+                <a:r>
+                  <a:rPr lang="en-US" b="1" dirty="0">
+                    <a:solidFill>
+                      <a:srgbClr val="202122"/>
+                    </a:solidFill>
+                    <a:effectLst/>
+                  </a:rPr>
+                  <a:t> </a:t>
+                </a:r>
+                <a:r>
+                  <a:rPr lang="en-US" b="1" dirty="0"/>
+                  <a:t>*x</a:t>
+                </a:r>
+                <a:r>
+                  <a:rPr lang="en-US" sz="1600" b="1" dirty="0"/>
+                  <a:t>i</a:t>
+                </a:r>
+                <a:r>
+                  <a:rPr lang="bg-BG" b="1" dirty="0"/>
+                  <a:t> </a:t>
+                </a:r>
+                <a:r>
+                  <a:rPr lang="en-US" dirty="0"/>
+                  <a:t>(4)</a:t>
+                </a:r>
+              </a:p>
+              <a:p>
+                <a:r>
+                  <a:rPr lang="bg-BG" dirty="0">
+                    <a:solidFill>
+                      <a:srgbClr val="202122"/>
+                    </a:solidFill>
+                  </a:rPr>
+                  <a:t>Където </a:t>
+                </a:r>
+                <a14:m>
+                  <m:oMath xmlns:m="http://schemas.openxmlformats.org/officeDocument/2006/math">
+                    <m:acc>
+                      <m:accPr>
+                        <m:chr m:val="̂"/>
+                        <m:ctrlPr>
+                          <a:rPr lang="en-US" b="1" i="1" smtClean="0">
+                            <a:solidFill>
+                              <a:srgbClr val="202122"/>
+                            </a:solidFill>
+                            <a:effectLst/>
+                            <a:latin typeface="Cambria Math" panose="02040503050406030204" pitchFamily="18" charset="0"/>
+                          </a:rPr>
+                        </m:ctrlPr>
+                      </m:accPr>
+                      <m:e>
+                        <m:r>
+                          <a:rPr lang="en-US" b="1" i="1" smtClean="0">
+                            <a:solidFill>
+                              <a:srgbClr val="202122"/>
+                            </a:solidFill>
+                            <a:effectLst/>
+                            <a:latin typeface="Cambria Math" panose="02040503050406030204" pitchFamily="18" charset="0"/>
+                          </a:rPr>
+                          <m:t>𝒚</m:t>
+                        </m:r>
+                      </m:e>
+                    </m:acc>
+                    <m:r>
+                      <a:rPr lang="bg-BG" b="0" i="0" smtClean="0">
+                        <a:solidFill>
+                          <a:srgbClr val="202122"/>
+                        </a:solidFill>
+                        <a:effectLst/>
+                        <a:latin typeface="Cambria Math" panose="02040503050406030204" pitchFamily="18" charset="0"/>
+                      </a:rPr>
+                      <m:t>, </m:t>
+                    </m:r>
+                    <m:acc>
+                      <m:accPr>
+                        <m:chr m:val="̂"/>
+                        <m:ctrlPr>
+                          <a:rPr lang="en-US" b="1" i="1" dirty="0" smtClean="0">
+                            <a:solidFill>
+                              <a:srgbClr val="202122"/>
+                            </a:solidFill>
+                            <a:effectLst/>
+                            <a:latin typeface="Cambria Math" panose="02040503050406030204" pitchFamily="18" charset="0"/>
+                          </a:rPr>
+                        </m:ctrlPr>
+                      </m:accPr>
+                      <m:e>
+                        <m:r>
+                          <m:rPr>
+                            <m:nor/>
+                          </m:rPr>
+                          <a:rPr lang="el-GR" b="1" dirty="0" smtClean="0"/>
+                          <m:t>β</m:t>
+                        </m:r>
+                        <m:r>
+                          <m:rPr>
+                            <m:nor/>
+                          </m:rPr>
+                          <a:rPr lang="en-US" sz="1600" b="1" dirty="0" smtClean="0"/>
+                          <m:t>0</m:t>
+                        </m:r>
+                      </m:e>
+                    </m:acc>
+                    <m:r>
+                      <a:rPr lang="bg-BG" b="0" i="0" smtClean="0">
+                        <a:solidFill>
+                          <a:srgbClr val="202122"/>
+                        </a:solidFill>
+                        <a:effectLst/>
+                        <a:latin typeface="Cambria Math" panose="02040503050406030204" pitchFamily="18" charset="0"/>
+                      </a:rPr>
+                      <m:t>, </m:t>
+                    </m:r>
+                    <m:acc>
+                      <m:accPr>
+                        <m:chr m:val="̂"/>
+                        <m:ctrlPr>
+                          <a:rPr lang="en-US" b="1" i="1" dirty="0" smtClean="0">
+                            <a:solidFill>
+                              <a:srgbClr val="202122"/>
+                            </a:solidFill>
+                            <a:effectLst/>
+                            <a:latin typeface="Cambria Math" panose="02040503050406030204" pitchFamily="18" charset="0"/>
+                          </a:rPr>
+                        </m:ctrlPr>
+                      </m:accPr>
+                      <m:e>
+                        <m:r>
+                          <m:rPr>
+                            <m:nor/>
+                          </m:rPr>
+                          <a:rPr lang="el-GR" b="1" dirty="0" smtClean="0"/>
+                          <m:t>β</m:t>
+                        </m:r>
+                        <m:r>
+                          <m:rPr>
+                            <m:nor/>
+                          </m:rPr>
+                          <a:rPr lang="bg-BG" sz="1600" b="1" i="0" dirty="0" smtClean="0"/>
+                          <m:t>1</m:t>
+                        </m:r>
+                      </m:e>
+                    </m:acc>
+                  </m:oMath>
+                </a14:m>
+                <a:r>
+                  <a:rPr lang="bg-BG" dirty="0">
+                    <a:solidFill>
+                      <a:srgbClr val="202122"/>
+                    </a:solidFill>
+                    <a:effectLst/>
+                  </a:rPr>
+                  <a:t> са предполагаеми стойности</a:t>
+                </a:r>
+                <a:endParaRPr lang="en-US" dirty="0"/>
+              </a:p>
+              <a:p>
+                <a:r>
+                  <a:rPr lang="bg-BG" dirty="0"/>
+                  <a:t>Как да определим коефициентите </a:t>
+                </a:r>
+                <a14:m>
+                  <m:oMath xmlns:m="http://schemas.openxmlformats.org/officeDocument/2006/math">
+                    <m:acc>
+                      <m:accPr>
+                        <m:chr m:val="̂"/>
+                        <m:ctrlPr>
+                          <a:rPr lang="en-US" b="1" i="1" dirty="0" smtClean="0">
+                            <a:solidFill>
+                              <a:srgbClr val="202122"/>
+                            </a:solidFill>
+                            <a:effectLst/>
+                            <a:latin typeface="Cambria Math" panose="02040503050406030204" pitchFamily="18" charset="0"/>
+                          </a:rPr>
+                        </m:ctrlPr>
+                      </m:accPr>
+                      <m:e>
+                        <m:r>
+                          <m:rPr>
+                            <m:nor/>
+                          </m:rPr>
+                          <a:rPr lang="el-GR" b="1" dirty="0" smtClean="0"/>
+                          <m:t>β</m:t>
+                        </m:r>
+                        <m:r>
+                          <m:rPr>
+                            <m:nor/>
+                          </m:rPr>
+                          <a:rPr lang="en-US" sz="1600" b="1" dirty="0" smtClean="0"/>
+                          <m:t>0</m:t>
+                        </m:r>
+                      </m:e>
+                    </m:acc>
+                    <m:r>
+                      <a:rPr lang="bg-BG" b="0" i="0" smtClean="0">
+                        <a:solidFill>
+                          <a:srgbClr val="202122"/>
+                        </a:solidFill>
+                        <a:effectLst/>
+                        <a:latin typeface="Cambria Math" panose="02040503050406030204" pitchFamily="18" charset="0"/>
+                      </a:rPr>
+                      <m:t>, </m:t>
+                    </m:r>
+                    <m:acc>
+                      <m:accPr>
+                        <m:chr m:val="̂"/>
+                        <m:ctrlPr>
+                          <a:rPr lang="en-US" b="1" i="1" dirty="0" smtClean="0">
+                            <a:solidFill>
+                              <a:srgbClr val="202122"/>
+                            </a:solidFill>
+                            <a:effectLst/>
+                            <a:latin typeface="Cambria Math" panose="02040503050406030204" pitchFamily="18" charset="0"/>
+                          </a:rPr>
+                        </m:ctrlPr>
+                      </m:accPr>
+                      <m:e>
+                        <m:r>
+                          <m:rPr>
+                            <m:nor/>
+                          </m:rPr>
+                          <a:rPr lang="el-GR" b="1" dirty="0" smtClean="0"/>
+                          <m:t>β</m:t>
+                        </m:r>
+                        <m:r>
+                          <m:rPr>
+                            <m:nor/>
+                          </m:rPr>
+                          <a:rPr lang="bg-BG" sz="1600" b="1" i="0" dirty="0" smtClean="0"/>
+                          <m:t>1</m:t>
+                        </m:r>
+                      </m:e>
+                    </m:acc>
+                  </m:oMath>
+                </a14:m>
+                <a:r>
+                  <a:rPr lang="bg-BG" dirty="0"/>
+                  <a:t>?</a:t>
+                </a:r>
+                <a:endParaRPr lang="en-US" dirty="0"/>
+              </a:p>
+            </p:txBody>
+          </p:sp>
+        </mc:Choice>
+        <mc:Fallback>
+          <p:sp>
+            <p:nvSpPr>
+              <p:cNvPr id="3" name="Content Placeholder 2">
+                <a:extLst>
+                  <a:ext uri="{FF2B5EF4-FFF2-40B4-BE49-F238E27FC236}">
+                    <a16:creationId xmlns:a16="http://schemas.microsoft.com/office/drawing/2014/main" id="{9606B30F-16FB-4AB5-B29E-FE929B7DF069}"/>
+                  </a:ext>
+                </a:extLst>
+              </p:cNvPr>
+              <p:cNvSpPr>
+                <a:spLocks noGrp="1" noRot="1" noChangeAspect="1" noMove="1" noResize="1" noEditPoints="1" noAdjustHandles="1" noChangeArrowheads="1" noChangeShapeType="1" noTextEdit="1"/>
+              </p:cNvSpPr>
+              <p:nvPr>
+                <p:ph idx="1"/>
+              </p:nvPr>
+            </p:nvSpPr>
+            <p:spPr>
+              <a:blipFill>
+                <a:blip r:embed="rId2"/>
+                <a:stretch>
+                  <a:fillRect l="-1043" t="-2241"/>
+                </a:stretch>
+              </a:blipFill>
+            </p:spPr>
+            <p:txBody>
+              <a:bodyPr/>
+              <a:lstStyle/>
+              <a:p>
+                <a:r>
+                  <a:rPr lang="en-US">
+                    <a:noFill/>
+                  </a:rPr>
+                  <a:t> </a:t>
+                </a:r>
+              </a:p>
+            </p:txBody>
+          </p:sp>
+        </mc:Fallback>
+      </mc:AlternateContent>
+    </p:spTree>
+    <p:extLst>
+      <p:ext uri="{BB962C8B-B14F-4D97-AF65-F5344CB8AC3E}">
+        <p14:creationId xmlns:p14="http://schemas.microsoft.com/office/powerpoint/2010/main" val="3874163269"/>
+      </p:ext>
+    </p:extLst>
+  </p:cSld>
+  <p:clrMapOvr>
+    <a:masterClrMapping/>
+  </p:clrMapOvr>
+</p:sld>
+</file>
+
+<file path=ppt/slides/slide7.xml><?xml version="1.0" encoding="utf-8"?>
+<p:sld xmlns:a="http://schemas.openxmlformats.org/drawingml/2006/main" xmlns:r="http://schemas.openxmlformats.org/officeDocument/2006/relationships" xmlns:p="http://schemas.openxmlformats.org/presentationml/2006/main">
+  <p:cSld>
+    <p:spTree>
+      <p:nvGrpSpPr>
+        <p:cNvPr id="1" name=""/>
+        <p:cNvGrpSpPr/>
+        <p:nvPr/>
+      </p:nvGrpSpPr>
+      <p:grpSpPr>
+        <a:xfrm>
+          <a:off x="0" y="0"/>
+          <a:ext cx="0" cy="0"/>
+          <a:chOff x="0" y="0"/>
+          <a:chExt cx="0" cy="0"/>
+        </a:xfrm>
+      </p:grpSpPr>
       <p:sp>
         <p:nvSpPr>
-          <p:cNvPr id="3" name="Content Placeholder 2">
+          <p:cNvPr id="2" name="Title 1">
             <a:extLst>
               <a:ext uri="{FF2B5EF4-FFF2-40B4-BE49-F238E27FC236}">
-                <a16:creationId xmlns:a16="http://schemas.microsoft.com/office/drawing/2014/main" id="{9606B30F-16FB-4AB5-B29E-FE929B7DF069}"/>
+                <a16:creationId xmlns:a16="http://schemas.microsoft.com/office/drawing/2014/main" id="{AF30BC61-9E62-4FDC-8977-B5F37E4DA804}"/>
               </a:ext>
             </a:extLst>
           </p:cNvPr>
@@ -4611,7 +6963,7 @@
             <a:spLocks noGrp="1"/>
           </p:cNvSpPr>
           <p:nvPr>
-            <p:ph idx="1"/>
+            <p:ph type="title"/>
           </p:nvPr>
         </p:nvSpPr>
         <p:spPr/>
@@ -4619,14 +6971,1884 @@
           <a:bodyPr/>
           <a:lstStyle/>
           <a:p>
+            <a:r>
+              <a:rPr lang="bg-BG" dirty="0"/>
+              <a:t>Пример 2 </a:t>
+            </a:r>
             <a:endParaRPr lang="en-US" dirty="0"/>
           </a:p>
         </p:txBody>
       </p:sp>
+      <mc:AlternateContent xmlns:mc="http://schemas.openxmlformats.org/markup-compatibility/2006">
+        <mc:Choice xmlns:a14="http://schemas.microsoft.com/office/drawing/2010/main" Requires="a14">
+          <p:sp>
+            <p:nvSpPr>
+              <p:cNvPr id="3" name="Content Placeholder 2">
+                <a:extLst>
+                  <a:ext uri="{FF2B5EF4-FFF2-40B4-BE49-F238E27FC236}">
+                    <a16:creationId xmlns:a16="http://schemas.microsoft.com/office/drawing/2014/main" id="{FF3307DA-095B-42DD-87A2-93CC760D5E80}"/>
+                  </a:ext>
+                </a:extLst>
+              </p:cNvPr>
+              <p:cNvSpPr>
+                <a:spLocks noGrp="1"/>
+              </p:cNvSpPr>
+              <p:nvPr>
+                <p:ph idx="1"/>
+              </p:nvPr>
+            </p:nvSpPr>
+            <p:spPr/>
+            <p:txBody>
+              <a:bodyPr/>
+              <a:lstStyle/>
+              <a:p>
+                <a:r>
+                  <a:rPr lang="bg-BG" dirty="0"/>
+                  <a:t>Нека имаме една ИТ фирма. В нея работят </a:t>
+                </a:r>
+                <a:r>
+                  <a:rPr lang="en-US" dirty="0"/>
+                  <a:t>n </a:t>
+                </a:r>
+                <a:r>
+                  <a:rPr lang="bg-BG" dirty="0"/>
+                  <a:t>мъже и жени. Вашата задача е да определите дали полът влияе по някакъв начин на заплатата.</a:t>
+                </a:r>
+              </a:p>
+              <a:p>
+                <a:r>
+                  <a:rPr lang="bg-BG" dirty="0"/>
+                  <a:t>След анализ на данните получавате формулата</a:t>
+                </a:r>
+                <a:r>
+                  <a:rPr lang="en-US" dirty="0"/>
+                  <a:t> </a:t>
+                </a:r>
+                <a:r>
+                  <a:rPr lang="bg-BG" dirty="0"/>
+                  <a:t>като сте определили </a:t>
+                </a:r>
+                <a:r>
+                  <a:rPr lang="en-US" dirty="0"/>
+                  <a:t>x</a:t>
+                </a:r>
+                <a:r>
+                  <a:rPr lang="en-US" sz="1400" dirty="0"/>
+                  <a:t>i</a:t>
+                </a:r>
+                <a:r>
+                  <a:rPr lang="en-US" sz="2800" dirty="0"/>
+                  <a:t>  = </a:t>
+                </a:r>
+                <a:r>
+                  <a:rPr lang="bg-BG" sz="2800" dirty="0"/>
+                  <a:t>1 за жена и </a:t>
+                </a:r>
+                <a:r>
+                  <a:rPr lang="en-US" dirty="0"/>
+                  <a:t>x</a:t>
+                </a:r>
+                <a:r>
+                  <a:rPr lang="en-US" sz="1400" dirty="0"/>
+                  <a:t>i</a:t>
+                </a:r>
+                <a:r>
+                  <a:rPr lang="en-US" sz="2800" dirty="0"/>
+                  <a:t>  = </a:t>
+                </a:r>
+                <a:r>
+                  <a:rPr lang="bg-BG" sz="2800" dirty="0"/>
+                  <a:t>0 за мъж</a:t>
+                </a:r>
+                <a:r>
+                  <a:rPr lang="en-US" dirty="0"/>
+                  <a:t>:</a:t>
+                </a:r>
+              </a:p>
+              <a:p>
+                <a14:m>
+                  <m:oMath xmlns:m="http://schemas.openxmlformats.org/officeDocument/2006/math">
+                    <m:r>
+                      <m:rPr>
+                        <m:nor/>
+                      </m:rPr>
+                      <a:rPr lang="en-US" dirty="0" smtClean="0">
+                        <a:solidFill>
+                          <a:schemeClr val="tx1"/>
+                        </a:solidFill>
+                      </a:rPr>
+                      <m:t>y</m:t>
+                    </m:r>
+                    <m:r>
+                      <m:rPr>
+                        <m:nor/>
+                      </m:rPr>
+                      <a:rPr lang="en-US" sz="1600" dirty="0" smtClean="0">
+                        <a:solidFill>
+                          <a:schemeClr val="tx1"/>
+                        </a:solidFill>
+                      </a:rPr>
+                      <m:t>i</m:t>
+                    </m:r>
+                    <m:r>
+                      <a:rPr lang="bg-BG" i="1" smtClean="0">
+                        <a:solidFill>
+                          <a:schemeClr val="tx1"/>
+                        </a:solidFill>
+                        <a:latin typeface="Cambria Math" panose="02040503050406030204" pitchFamily="18" charset="0"/>
+                      </a:rPr>
+                      <m:t>=4000</m:t>
+                    </m:r>
+                    <m:r>
+                      <a:rPr lang="bg-BG" b="0" i="1" smtClean="0">
+                        <a:solidFill>
+                          <a:schemeClr val="tx1"/>
+                        </a:solidFill>
+                        <a:latin typeface="Cambria Math" panose="02040503050406030204" pitchFamily="18" charset="0"/>
+                      </a:rPr>
+                      <m:t>−</m:t>
+                    </m:r>
+                    <m:sSub>
+                      <m:sSubPr>
+                        <m:ctrlPr>
+                          <a:rPr lang="bg-BG" i="1" smtClean="0">
+                            <a:solidFill>
+                              <a:schemeClr val="tx1"/>
+                            </a:solidFill>
+                            <a:latin typeface="Cambria Math" panose="02040503050406030204" pitchFamily="18" charset="0"/>
+                          </a:rPr>
+                        </m:ctrlPr>
+                      </m:sSubPr>
+                      <m:e>
+                        <m:r>
+                          <a:rPr lang="bg-BG" b="0" i="1" smtClean="0">
+                            <a:solidFill>
+                              <a:schemeClr val="tx1"/>
+                            </a:solidFill>
+                            <a:latin typeface="Cambria Math" panose="02040503050406030204" pitchFamily="18" charset="0"/>
+                          </a:rPr>
+                          <m:t>700 ∗</m:t>
+                        </m:r>
+                        <m:r>
+                          <a:rPr lang="bg-BG" i="1" smtClean="0">
+                            <a:solidFill>
+                              <a:schemeClr val="tx1"/>
+                            </a:solidFill>
+                            <a:latin typeface="Cambria Math" panose="02040503050406030204" pitchFamily="18" charset="0"/>
+                          </a:rPr>
+                          <m:t>𝑥</m:t>
+                        </m:r>
+                      </m:e>
+                      <m:sub>
+                        <m:r>
+                          <a:rPr lang="en-US" b="0" i="1" smtClean="0">
+                            <a:solidFill>
+                              <a:schemeClr val="tx1"/>
+                            </a:solidFill>
+                            <a:latin typeface="Cambria Math" panose="02040503050406030204" pitchFamily="18" charset="0"/>
+                          </a:rPr>
+                          <m:t>𝑖</m:t>
+                        </m:r>
+                      </m:sub>
+                    </m:sSub>
+                  </m:oMath>
+                </a14:m>
+                <a:endParaRPr lang="bg-BG" dirty="0">
+                  <a:solidFill>
+                    <a:schemeClr val="tx1"/>
+                  </a:solidFill>
+                </a:endParaRPr>
+              </a:p>
+              <a:p>
+                <a:r>
+                  <a:rPr lang="bg-BG" dirty="0"/>
+                  <a:t>Според Вас може ли да се направи заключението, че жените са ощетени? </a:t>
+                </a:r>
+                <a:endParaRPr lang="bg-BG" dirty="0">
+                  <a:solidFill>
+                    <a:schemeClr val="tx1"/>
+                  </a:solidFill>
+                </a:endParaRPr>
+              </a:p>
+            </p:txBody>
+          </p:sp>
+        </mc:Choice>
+        <mc:Fallback>
+          <p:sp>
+            <p:nvSpPr>
+              <p:cNvPr id="3" name="Content Placeholder 2">
+                <a:extLst>
+                  <a:ext uri="{FF2B5EF4-FFF2-40B4-BE49-F238E27FC236}">
+                    <a16:creationId xmlns:a16="http://schemas.microsoft.com/office/drawing/2014/main" id="{FF3307DA-095B-42DD-87A2-93CC760D5E80}"/>
+                  </a:ext>
+                </a:extLst>
+              </p:cNvPr>
+              <p:cNvSpPr>
+                <a:spLocks noGrp="1" noRot="1" noChangeAspect="1" noMove="1" noResize="1" noEditPoints="1" noAdjustHandles="1" noChangeArrowheads="1" noChangeShapeType="1" noTextEdit="1"/>
+              </p:cNvSpPr>
+              <p:nvPr>
+                <p:ph idx="1"/>
+              </p:nvPr>
+            </p:nvSpPr>
+            <p:spPr>
+              <a:blipFill>
+                <a:blip r:embed="rId2"/>
+                <a:stretch>
+                  <a:fillRect l="-1043" t="-2241" r="-1565"/>
+                </a:stretch>
+              </a:blipFill>
+            </p:spPr>
+            <p:txBody>
+              <a:bodyPr/>
+              <a:lstStyle/>
+              <a:p>
+                <a:r>
+                  <a:rPr lang="en-US">
+                    <a:noFill/>
+                  </a:rPr>
+                  <a:t> </a:t>
+                </a:r>
+              </a:p>
+            </p:txBody>
+          </p:sp>
+        </mc:Fallback>
+      </mc:AlternateContent>
     </p:spTree>
     <p:extLst>
       <p:ext uri="{BB962C8B-B14F-4D97-AF65-F5344CB8AC3E}">
-        <p14:creationId xmlns:p14="http://schemas.microsoft.com/office/powerpoint/2010/main" val="3874163269"/>
+        <p14:creationId xmlns:p14="http://schemas.microsoft.com/office/powerpoint/2010/main" val="967037732"/>
+      </p:ext>
+    </p:extLst>
+  </p:cSld>
+  <p:clrMapOvr>
+    <a:masterClrMapping/>
+  </p:clrMapOvr>
+</p:sld>
+</file>
+
+<file path=ppt/slides/slide8.xml><?xml version="1.0" encoding="utf-8"?>
+<p:sld xmlns:a="http://schemas.openxmlformats.org/drawingml/2006/main" xmlns:r="http://schemas.openxmlformats.org/officeDocument/2006/relationships" xmlns:p="http://schemas.openxmlformats.org/presentationml/2006/main">
+  <p:cSld>
+    <p:spTree>
+      <p:nvGrpSpPr>
+        <p:cNvPr id="1" name=""/>
+        <p:cNvGrpSpPr/>
+        <p:nvPr/>
+      </p:nvGrpSpPr>
+      <p:grpSpPr>
+        <a:xfrm>
+          <a:off x="0" y="0"/>
+          <a:ext cx="0" cy="0"/>
+          <a:chOff x="0" y="0"/>
+          <a:chExt cx="0" cy="0"/>
+        </a:xfrm>
+      </p:grpSpPr>
+      <p:sp>
+        <p:nvSpPr>
+          <p:cNvPr id="2" name="Title 1">
+            <a:extLst>
+              <a:ext uri="{FF2B5EF4-FFF2-40B4-BE49-F238E27FC236}">
+                <a16:creationId xmlns:a16="http://schemas.microsoft.com/office/drawing/2014/main" id="{DB3366DC-41BF-4E69-82CC-8B8C9E959FA4}"/>
+              </a:ext>
+            </a:extLst>
+          </p:cNvPr>
+          <p:cNvSpPr>
+            <a:spLocks noGrp="1"/>
+          </p:cNvSpPr>
+          <p:nvPr>
+            <p:ph type="title"/>
+          </p:nvPr>
+        </p:nvSpPr>
+        <p:spPr/>
+        <p:txBody>
+          <a:bodyPr/>
+          <a:lstStyle/>
+          <a:p>
+            <a:r>
+              <a:rPr lang="bg-BG" dirty="0"/>
+              <a:t>Метод на най-малките квадрати</a:t>
+            </a:r>
+            <a:endParaRPr lang="en-US" dirty="0"/>
+          </a:p>
+        </p:txBody>
+      </p:sp>
+      <mc:AlternateContent xmlns:mc="http://schemas.openxmlformats.org/markup-compatibility/2006">
+        <mc:Choice xmlns:a14="http://schemas.microsoft.com/office/drawing/2010/main" Requires="a14">
+          <p:sp>
+            <p:nvSpPr>
+              <p:cNvPr id="3" name="Content Placeholder 2">
+                <a:extLst>
+                  <a:ext uri="{FF2B5EF4-FFF2-40B4-BE49-F238E27FC236}">
+                    <a16:creationId xmlns:a16="http://schemas.microsoft.com/office/drawing/2014/main" id="{8634B6FC-D654-4203-910A-27ED41D670D0}"/>
+                  </a:ext>
+                </a:extLst>
+              </p:cNvPr>
+              <p:cNvSpPr>
+                <a:spLocks noGrp="1"/>
+              </p:cNvSpPr>
+              <p:nvPr>
+                <p:ph idx="1"/>
+              </p:nvPr>
+            </p:nvSpPr>
+            <p:spPr/>
+            <p:txBody>
+              <a:bodyPr/>
+              <a:lstStyle/>
+              <a:p>
+                <a:r>
+                  <a:rPr lang="bg-BG" dirty="0"/>
+                  <a:t>Въвеждаме функция на загубата</a:t>
+                </a:r>
+                <a:r>
+                  <a:rPr lang="en-US" dirty="0"/>
+                  <a:t>(</a:t>
+                </a:r>
+                <a:r>
+                  <a:rPr lang="en-US" b="1" i="1" dirty="0"/>
+                  <a:t>loss function</a:t>
+                </a:r>
+                <a:r>
+                  <a:rPr lang="en-US" dirty="0"/>
+                  <a:t>)</a:t>
+                </a:r>
+                <a:endParaRPr lang="bg-BG" dirty="0"/>
+              </a:p>
+              <a:p>
+                <a:pPr lvl="1"/>
+                <a:r>
+                  <a:rPr lang="en-US" dirty="0"/>
+                  <a:t>S(</a:t>
+                </a:r>
+                <a:r>
+                  <a:rPr lang="el-GR" b="1" dirty="0"/>
+                  <a:t>β</a:t>
+                </a:r>
+                <a:r>
+                  <a:rPr lang="en-US" sz="1400" b="1" dirty="0"/>
+                  <a:t>0</a:t>
+                </a:r>
+                <a:r>
+                  <a:rPr lang="en-US" sz="2800" b="1" dirty="0"/>
+                  <a:t>, </a:t>
+                </a:r>
+                <a:r>
+                  <a:rPr lang="el-GR" b="1" dirty="0"/>
+                  <a:t>β</a:t>
+                </a:r>
+                <a:r>
+                  <a:rPr lang="en-US" sz="1400" b="1" dirty="0"/>
+                  <a:t>1</a:t>
+                </a:r>
+                <a:r>
+                  <a:rPr lang="en-US" dirty="0"/>
+                  <a:t>) = </a:t>
+                </a:r>
+                <a14:m>
+                  <m:oMath xmlns:m="http://schemas.openxmlformats.org/officeDocument/2006/math">
+                    <m:nary>
+                      <m:naryPr>
+                        <m:chr m:val="∑"/>
+                        <m:limLoc m:val="undOvr"/>
+                        <m:grow m:val="on"/>
+                        <m:ctrlPr>
+                          <a:rPr lang="en-US" i="1">
+                            <a:latin typeface="Cambria Math" panose="02040503050406030204" pitchFamily="18" charset="0"/>
+                          </a:rPr>
+                        </m:ctrlPr>
+                      </m:naryPr>
+                      <m:sub>
+                        <m:r>
+                          <a:rPr lang="en-US" i="1">
+                            <a:latin typeface="Cambria Math" panose="02040503050406030204" pitchFamily="18" charset="0"/>
+                          </a:rPr>
+                          <m:t>𝑖</m:t>
+                        </m:r>
+                        <m:r>
+                          <a:rPr lang="en-US" i="1">
+                            <a:latin typeface="Cambria Math" panose="02040503050406030204" pitchFamily="18" charset="0"/>
+                          </a:rPr>
+                          <m:t>=1</m:t>
+                        </m:r>
+                      </m:sub>
+                      <m:sup>
+                        <m:r>
+                          <a:rPr lang="en-US" i="1">
+                            <a:latin typeface="Cambria Math" panose="02040503050406030204" pitchFamily="18" charset="0"/>
+                          </a:rPr>
+                          <m:t>𝑛</m:t>
+                        </m:r>
+                      </m:sup>
+                      <m:e>
+                        <m:d>
+                          <m:dPr>
+                            <m:ctrlPr>
+                              <a:rPr lang="en-US" b="1" i="1" dirty="0" smtClean="0">
+                                <a:latin typeface="Cambria Math" panose="02040503050406030204" pitchFamily="18" charset="0"/>
+                              </a:rPr>
+                            </m:ctrlPr>
+                          </m:dPr>
+                          <m:e>
+                            <m:r>
+                              <m:rPr>
+                                <m:nor/>
+                              </m:rPr>
+                              <a:rPr lang="en-US" b="1" dirty="0"/>
+                              <m:t>y</m:t>
+                            </m:r>
+                            <m:r>
+                              <m:rPr>
+                                <m:nor/>
+                              </m:rPr>
+                              <a:rPr lang="en-US" sz="1400" b="1" dirty="0"/>
+                              <m:t>i</m:t>
+                            </m:r>
+                            <m:r>
+                              <a:rPr lang="en-US" i="1" dirty="0">
+                                <a:latin typeface="Cambria Math" panose="02040503050406030204" pitchFamily="18" charset="0"/>
+                              </a:rPr>
+                              <m:t>−</m:t>
+                            </m:r>
+                            <m:acc>
+                              <m:accPr>
+                                <m:chr m:val="̂"/>
+                                <m:ctrlPr>
+                                  <a:rPr lang="en-US" b="1" i="1" dirty="0">
+                                    <a:solidFill>
+                                      <a:srgbClr val="202122"/>
+                                    </a:solidFill>
+                                    <a:latin typeface="Cambria Math" panose="02040503050406030204" pitchFamily="18" charset="0"/>
+                                  </a:rPr>
+                                </m:ctrlPr>
+                              </m:accPr>
+                              <m:e>
+                                <m:r>
+                                  <m:rPr>
+                                    <m:nor/>
+                                  </m:rPr>
+                                  <a:rPr lang="el-GR" b="1" dirty="0"/>
+                                  <m:t>β</m:t>
+                                </m:r>
+                                <m:r>
+                                  <m:rPr>
+                                    <m:nor/>
+                                  </m:rPr>
+                                  <a:rPr lang="en-US" sz="1400" b="1" dirty="0"/>
+                                  <m:t>0</m:t>
+                                </m:r>
+                              </m:e>
+                            </m:acc>
+                            <m:r>
+                              <m:rPr>
+                                <m:nor/>
+                              </m:rPr>
+                              <a:rPr lang="bg-BG" sz="1400" b="1" i="0" dirty="0" smtClean="0">
+                                <a:latin typeface="Cambria Math" panose="02040503050406030204" pitchFamily="18" charset="0"/>
+                              </a:rPr>
+                              <m:t> </m:t>
+                            </m:r>
+                            <m:r>
+                              <m:rPr>
+                                <m:nor/>
+                              </m:rPr>
+                              <a:rPr lang="en-US" b="1" dirty="0">
+                                <a:solidFill>
+                                  <a:srgbClr val="202122"/>
+                                </a:solidFill>
+                              </a:rPr>
+                              <m:t>+</m:t>
+                            </m:r>
+                            <m:r>
+                              <m:rPr>
+                                <m:nor/>
+                              </m:rPr>
+                              <a:rPr lang="bg-BG" b="1" i="0" dirty="0" smtClean="0">
+                                <a:solidFill>
+                                  <a:srgbClr val="202122"/>
+                                </a:solidFill>
+                              </a:rPr>
+                              <m:t> </m:t>
+                            </m:r>
+                            <m:acc>
+                              <m:accPr>
+                                <m:chr m:val="̂"/>
+                                <m:ctrlPr>
+                                  <a:rPr lang="en-US" b="1" i="1" dirty="0">
+                                    <a:solidFill>
+                                      <a:srgbClr val="202122"/>
+                                    </a:solidFill>
+                                    <a:latin typeface="Cambria Math" panose="02040503050406030204" pitchFamily="18" charset="0"/>
+                                  </a:rPr>
+                                </m:ctrlPr>
+                              </m:accPr>
+                              <m:e>
+                                <m:r>
+                                  <m:rPr>
+                                    <m:nor/>
+                                  </m:rPr>
+                                  <a:rPr lang="el-GR" b="1" dirty="0"/>
+                                  <m:t>β</m:t>
+                                </m:r>
+                                <m:r>
+                                  <m:rPr>
+                                    <m:nor/>
+                                  </m:rPr>
+                                  <a:rPr lang="bg-BG" sz="1400" b="1" dirty="0"/>
+                                  <m:t>1</m:t>
+                                </m:r>
+                              </m:e>
+                            </m:acc>
+                            <m:r>
+                              <m:rPr>
+                                <m:nor/>
+                              </m:rPr>
+                              <a:rPr lang="en-US" b="1" dirty="0"/>
+                              <m:t>∗</m:t>
+                            </m:r>
+                            <m:r>
+                              <m:rPr>
+                                <m:nor/>
+                              </m:rPr>
+                              <a:rPr lang="en-US" b="1" dirty="0"/>
+                              <m:t>x</m:t>
+                            </m:r>
+                            <m:r>
+                              <m:rPr>
+                                <m:nor/>
+                              </m:rPr>
+                              <a:rPr lang="en-US" sz="1400" b="1" dirty="0"/>
+                              <m:t>i</m:t>
+                            </m:r>
+                          </m:e>
+                        </m:d>
+                        <m:r>
+                          <a:rPr lang="en-US" i="1" smtClean="0">
+                            <a:solidFill>
+                              <a:srgbClr val="836967"/>
+                            </a:solidFill>
+                            <a:latin typeface="Cambria Math" panose="02040503050406030204" pitchFamily="18" charset="0"/>
+                          </a:rPr>
+                          <m:t> </m:t>
+                        </m:r>
+                      </m:e>
+                    </m:nary>
+                  </m:oMath>
+                </a14:m>
+                <a:r>
+                  <a:rPr lang="en-US" dirty="0"/>
+                  <a:t>^2</a:t>
+                </a:r>
+              </a:p>
+              <a:p>
+                <a:pPr lvl="1"/>
+                <a:r>
+                  <a:rPr lang="bg-BG" dirty="0"/>
+                  <a:t>Искаме да минимизираме функцията</a:t>
+                </a:r>
+              </a:p>
+              <a:p>
+                <a:r>
+                  <a:rPr lang="bg-BG" dirty="0"/>
+                  <a:t>Правим производни съответно за </a:t>
+                </a:r>
+                <a14:m>
+                  <m:oMath xmlns:m="http://schemas.openxmlformats.org/officeDocument/2006/math">
+                    <m:acc>
+                      <m:accPr>
+                        <m:chr m:val="̂"/>
+                        <m:ctrlPr>
+                          <a:rPr lang="en-US" i="1" dirty="0" smtClean="0">
+                            <a:solidFill>
+                              <a:srgbClr val="202122"/>
+                            </a:solidFill>
+                            <a:effectLst/>
+                            <a:latin typeface="Cambria Math" panose="02040503050406030204" pitchFamily="18" charset="0"/>
+                          </a:rPr>
+                        </m:ctrlPr>
+                      </m:accPr>
+                      <m:e>
+                        <m:r>
+                          <m:rPr>
+                            <m:nor/>
+                          </m:rPr>
+                          <a:rPr lang="el-GR" dirty="0" smtClean="0"/>
+                          <m:t>β</m:t>
+                        </m:r>
+                        <m:r>
+                          <m:rPr>
+                            <m:nor/>
+                          </m:rPr>
+                          <a:rPr lang="en-US" sz="1600" dirty="0" smtClean="0"/>
+                          <m:t>0</m:t>
+                        </m:r>
+                      </m:e>
+                    </m:acc>
+                  </m:oMath>
+                </a14:m>
+                <a:r>
+                  <a:rPr lang="en-US" dirty="0">
+                    <a:solidFill>
+                      <a:srgbClr val="202122"/>
+                    </a:solidFill>
+                    <a:effectLst/>
+                  </a:rPr>
+                  <a:t> </a:t>
+                </a:r>
+                <a:r>
+                  <a:rPr lang="bg-BG" dirty="0">
+                    <a:solidFill>
+                      <a:srgbClr val="202122"/>
+                    </a:solidFill>
+                    <a:effectLst/>
+                  </a:rPr>
+                  <a:t> и </a:t>
+                </a:r>
+                <a:r>
+                  <a:rPr lang="en-US" dirty="0">
+                    <a:solidFill>
+                      <a:srgbClr val="202122"/>
+                    </a:solidFill>
+                  </a:rPr>
+                  <a:t> </a:t>
+                </a:r>
+                <a14:m>
+                  <m:oMath xmlns:m="http://schemas.openxmlformats.org/officeDocument/2006/math">
+                    <m:acc>
+                      <m:accPr>
+                        <m:chr m:val="̂"/>
+                        <m:ctrlPr>
+                          <a:rPr lang="en-US" i="1" dirty="0">
+                            <a:solidFill>
+                              <a:srgbClr val="202122"/>
+                            </a:solidFill>
+                            <a:latin typeface="Cambria Math" panose="02040503050406030204" pitchFamily="18" charset="0"/>
+                          </a:rPr>
+                        </m:ctrlPr>
+                      </m:accPr>
+                      <m:e>
+                        <m:r>
+                          <m:rPr>
+                            <m:nor/>
+                          </m:rPr>
+                          <a:rPr lang="el-GR" dirty="0"/>
+                          <m:t>β</m:t>
+                        </m:r>
+                        <m:r>
+                          <m:rPr>
+                            <m:nor/>
+                          </m:rPr>
+                          <a:rPr lang="bg-BG" sz="1600" dirty="0"/>
+                          <m:t>1</m:t>
+                        </m:r>
+                      </m:e>
+                    </m:acc>
+                  </m:oMath>
+                </a14:m>
+                <a:r>
+                  <a:rPr lang="en-US" dirty="0">
+                    <a:solidFill>
+                      <a:srgbClr val="202122"/>
+                    </a:solidFill>
+                  </a:rPr>
+                  <a:t> </a:t>
+                </a:r>
+                <a:endParaRPr lang="en-US" dirty="0"/>
+              </a:p>
+              <a:p>
+                <a:pPr lvl="1"/>
+                <a:r>
+                  <a:rPr lang="en-US" dirty="0"/>
+                  <a:t>f’(</a:t>
+                </a:r>
+                <a:r>
+                  <a:rPr lang="el-GR" b="1" dirty="0"/>
+                  <a:t>β</a:t>
+                </a:r>
+                <a:r>
+                  <a:rPr lang="en-US" sz="1200" b="1" dirty="0"/>
+                  <a:t>0</a:t>
+                </a:r>
+                <a:r>
+                  <a:rPr lang="en-US" dirty="0"/>
+                  <a:t>) = </a:t>
+                </a:r>
+                <a14:m>
+                  <m:oMath xmlns:m="http://schemas.openxmlformats.org/officeDocument/2006/math">
+                    <m:r>
+                      <a:rPr lang="en-US" b="0" i="0" smtClean="0">
+                        <a:latin typeface="Cambria Math" panose="02040503050406030204" pitchFamily="18" charset="0"/>
+                      </a:rPr>
+                      <m:t>−2∗</m:t>
+                    </m:r>
+                    <m:nary>
+                      <m:naryPr>
+                        <m:chr m:val="∑"/>
+                        <m:limLoc m:val="undOvr"/>
+                        <m:grow m:val="on"/>
+                        <m:ctrlPr>
+                          <a:rPr lang="en-US" i="1" smtClean="0">
+                            <a:latin typeface="Cambria Math" panose="02040503050406030204" pitchFamily="18" charset="0"/>
+                          </a:rPr>
+                        </m:ctrlPr>
+                      </m:naryPr>
+                      <m:sub>
+                        <m:r>
+                          <a:rPr lang="en-US" i="1">
+                            <a:latin typeface="Cambria Math" panose="02040503050406030204" pitchFamily="18" charset="0"/>
+                          </a:rPr>
+                          <m:t>𝑖</m:t>
+                        </m:r>
+                        <m:r>
+                          <a:rPr lang="en-US" i="1">
+                            <a:latin typeface="Cambria Math" panose="02040503050406030204" pitchFamily="18" charset="0"/>
+                          </a:rPr>
+                          <m:t>=1</m:t>
+                        </m:r>
+                      </m:sub>
+                      <m:sup>
+                        <m:r>
+                          <a:rPr lang="en-US" i="1">
+                            <a:latin typeface="Cambria Math" panose="02040503050406030204" pitchFamily="18" charset="0"/>
+                          </a:rPr>
+                          <m:t>𝑛</m:t>
+                        </m:r>
+                      </m:sup>
+                      <m:e>
+                        <m:d>
+                          <m:dPr>
+                            <m:ctrlPr>
+                              <a:rPr lang="en-US" b="1" i="1" dirty="0" smtClean="0">
+                                <a:latin typeface="Cambria Math" panose="02040503050406030204" pitchFamily="18" charset="0"/>
+                              </a:rPr>
+                            </m:ctrlPr>
+                          </m:dPr>
+                          <m:e>
+                            <m:r>
+                              <m:rPr>
+                                <m:nor/>
+                              </m:rPr>
+                              <a:rPr lang="en-US" b="1" dirty="0"/>
+                              <m:t>y</m:t>
+                            </m:r>
+                            <m:r>
+                              <m:rPr>
+                                <m:nor/>
+                              </m:rPr>
+                              <a:rPr lang="en-US" sz="1400" b="1" dirty="0"/>
+                              <m:t>i</m:t>
+                            </m:r>
+                            <m:r>
+                              <a:rPr lang="en-US" i="1" dirty="0">
+                                <a:latin typeface="Cambria Math" panose="02040503050406030204" pitchFamily="18" charset="0"/>
+                              </a:rPr>
+                              <m:t>−</m:t>
+                            </m:r>
+                            <m:acc>
+                              <m:accPr>
+                                <m:chr m:val="̂"/>
+                                <m:ctrlPr>
+                                  <a:rPr lang="en-US" b="1" i="1" dirty="0">
+                                    <a:solidFill>
+                                      <a:srgbClr val="202122"/>
+                                    </a:solidFill>
+                                    <a:latin typeface="Cambria Math" panose="02040503050406030204" pitchFamily="18" charset="0"/>
+                                  </a:rPr>
+                                </m:ctrlPr>
+                              </m:accPr>
+                              <m:e>
+                                <m:r>
+                                  <m:rPr>
+                                    <m:nor/>
+                                  </m:rPr>
+                                  <a:rPr lang="el-GR" b="1" dirty="0"/>
+                                  <m:t>β</m:t>
+                                </m:r>
+                                <m:r>
+                                  <m:rPr>
+                                    <m:nor/>
+                                  </m:rPr>
+                                  <a:rPr lang="en-US" sz="1400" b="1" dirty="0"/>
+                                  <m:t>0</m:t>
+                                </m:r>
+                              </m:e>
+                            </m:acc>
+                            <m:r>
+                              <m:rPr>
+                                <m:nor/>
+                              </m:rPr>
+                              <a:rPr lang="bg-BG" sz="1400" b="1" i="0" dirty="0" smtClean="0">
+                                <a:latin typeface="Cambria Math" panose="02040503050406030204" pitchFamily="18" charset="0"/>
+                              </a:rPr>
+                              <m:t> </m:t>
+                            </m:r>
+                            <m:r>
+                              <m:rPr>
+                                <m:nor/>
+                              </m:rPr>
+                              <a:rPr lang="en-US" b="1" i="0" dirty="0" smtClean="0">
+                                <a:solidFill>
+                                  <a:srgbClr val="202122"/>
+                                </a:solidFill>
+                              </a:rPr>
+                              <m:t>-</m:t>
+                            </m:r>
+                            <m:r>
+                              <m:rPr>
+                                <m:nor/>
+                              </m:rPr>
+                              <a:rPr lang="bg-BG" b="1" i="0" dirty="0" smtClean="0">
+                                <a:solidFill>
+                                  <a:srgbClr val="202122"/>
+                                </a:solidFill>
+                              </a:rPr>
+                              <m:t> </m:t>
+                            </m:r>
+                            <m:acc>
+                              <m:accPr>
+                                <m:chr m:val="̂"/>
+                                <m:ctrlPr>
+                                  <a:rPr lang="en-US" b="1" i="1" dirty="0">
+                                    <a:solidFill>
+                                      <a:srgbClr val="202122"/>
+                                    </a:solidFill>
+                                    <a:latin typeface="Cambria Math" panose="02040503050406030204" pitchFamily="18" charset="0"/>
+                                  </a:rPr>
+                                </m:ctrlPr>
+                              </m:accPr>
+                              <m:e>
+                                <m:r>
+                                  <m:rPr>
+                                    <m:nor/>
+                                  </m:rPr>
+                                  <a:rPr lang="el-GR" b="1" dirty="0"/>
+                                  <m:t>β</m:t>
+                                </m:r>
+                                <m:r>
+                                  <m:rPr>
+                                    <m:nor/>
+                                  </m:rPr>
+                                  <a:rPr lang="bg-BG" sz="1400" b="1" dirty="0"/>
+                                  <m:t>1</m:t>
+                                </m:r>
+                              </m:e>
+                            </m:acc>
+                            <m:r>
+                              <m:rPr>
+                                <m:nor/>
+                              </m:rPr>
+                              <a:rPr lang="en-US" b="1" dirty="0"/>
+                              <m:t>∗</m:t>
+                            </m:r>
+                            <m:r>
+                              <m:rPr>
+                                <m:nor/>
+                              </m:rPr>
+                              <a:rPr lang="en-US" b="1" dirty="0"/>
+                              <m:t>x</m:t>
+                            </m:r>
+                            <m:r>
+                              <m:rPr>
+                                <m:nor/>
+                              </m:rPr>
+                              <a:rPr lang="en-US" sz="1400" b="1" dirty="0"/>
+                              <m:t>i</m:t>
+                            </m:r>
+                          </m:e>
+                        </m:d>
+                        <m:r>
+                          <a:rPr lang="en-US" i="1" smtClean="0">
+                            <a:solidFill>
+                              <a:srgbClr val="836967"/>
+                            </a:solidFill>
+                            <a:latin typeface="Cambria Math" panose="02040503050406030204" pitchFamily="18" charset="0"/>
+                          </a:rPr>
+                          <m:t> </m:t>
+                        </m:r>
+                      </m:e>
+                    </m:nary>
+                  </m:oMath>
+                </a14:m>
+                <a:endParaRPr lang="en-US" dirty="0"/>
+              </a:p>
+              <a:p>
+                <a:pPr lvl="1"/>
+                <a:r>
+                  <a:rPr lang="en-US" dirty="0"/>
+                  <a:t>g’(</a:t>
+                </a:r>
+                <a:r>
+                  <a:rPr lang="el-GR" b="1" dirty="0"/>
+                  <a:t>β</a:t>
+                </a:r>
+                <a:r>
+                  <a:rPr lang="en-US" sz="1200" b="1" dirty="0"/>
+                  <a:t>1</a:t>
+                </a:r>
+                <a:r>
+                  <a:rPr lang="en-US" dirty="0"/>
+                  <a:t>) = </a:t>
+                </a:r>
+                <a14:m>
+                  <m:oMath xmlns:m="http://schemas.openxmlformats.org/officeDocument/2006/math">
+                    <m:r>
+                      <a:rPr lang="en-US" b="0" i="0" smtClean="0">
+                        <a:latin typeface="Cambria Math" panose="02040503050406030204" pitchFamily="18" charset="0"/>
+                      </a:rPr>
+                      <m:t>−2∗</m:t>
+                    </m:r>
+                    <m:nary>
+                      <m:naryPr>
+                        <m:chr m:val="∑"/>
+                        <m:limLoc m:val="undOvr"/>
+                        <m:grow m:val="on"/>
+                        <m:ctrlPr>
+                          <a:rPr lang="en-US" i="1" smtClean="0">
+                            <a:latin typeface="Cambria Math" panose="02040503050406030204" pitchFamily="18" charset="0"/>
+                          </a:rPr>
+                        </m:ctrlPr>
+                      </m:naryPr>
+                      <m:sub>
+                        <m:r>
+                          <a:rPr lang="en-US" i="1">
+                            <a:latin typeface="Cambria Math" panose="02040503050406030204" pitchFamily="18" charset="0"/>
+                          </a:rPr>
+                          <m:t>𝑖</m:t>
+                        </m:r>
+                        <m:r>
+                          <a:rPr lang="en-US" i="1">
+                            <a:latin typeface="Cambria Math" panose="02040503050406030204" pitchFamily="18" charset="0"/>
+                          </a:rPr>
+                          <m:t>=1</m:t>
+                        </m:r>
+                      </m:sub>
+                      <m:sup>
+                        <m:r>
+                          <a:rPr lang="en-US" i="1">
+                            <a:latin typeface="Cambria Math" panose="02040503050406030204" pitchFamily="18" charset="0"/>
+                          </a:rPr>
+                          <m:t>𝑛</m:t>
+                        </m:r>
+                      </m:sup>
+                      <m:e>
+                        <m:r>
+                          <m:rPr>
+                            <m:nor/>
+                          </m:rPr>
+                          <a:rPr lang="en-US" b="1" dirty="0"/>
+                          <m:t>x</m:t>
+                        </m:r>
+                        <m:r>
+                          <m:rPr>
+                            <m:nor/>
+                          </m:rPr>
+                          <a:rPr lang="en-US" sz="1400" b="1" dirty="0"/>
+                          <m:t>i</m:t>
+                        </m:r>
+                        <m:r>
+                          <a:rPr lang="en-US" sz="1400" b="1" i="1" dirty="0" smtClean="0">
+                            <a:latin typeface="Cambria Math" panose="02040503050406030204" pitchFamily="18" charset="0"/>
+                          </a:rPr>
+                          <m:t>∗</m:t>
+                        </m:r>
+                        <m:d>
+                          <m:dPr>
+                            <m:ctrlPr>
+                              <a:rPr lang="en-US" b="1" i="1" dirty="0" smtClean="0">
+                                <a:latin typeface="Cambria Math" panose="02040503050406030204" pitchFamily="18" charset="0"/>
+                              </a:rPr>
+                            </m:ctrlPr>
+                          </m:dPr>
+                          <m:e>
+                            <m:r>
+                              <m:rPr>
+                                <m:nor/>
+                              </m:rPr>
+                              <a:rPr lang="en-US" b="1" dirty="0"/>
+                              <m:t>y</m:t>
+                            </m:r>
+                            <m:r>
+                              <m:rPr>
+                                <m:nor/>
+                              </m:rPr>
+                              <a:rPr lang="en-US" sz="1200" b="1" dirty="0"/>
+                              <m:t>i</m:t>
+                            </m:r>
+                            <m:r>
+                              <a:rPr lang="en-US" i="1" dirty="0">
+                                <a:latin typeface="Cambria Math" panose="02040503050406030204" pitchFamily="18" charset="0"/>
+                              </a:rPr>
+                              <m:t>−</m:t>
+                            </m:r>
+                            <m:acc>
+                              <m:accPr>
+                                <m:chr m:val="̂"/>
+                                <m:ctrlPr>
+                                  <a:rPr lang="en-US" b="1" i="1" dirty="0">
+                                    <a:solidFill>
+                                      <a:srgbClr val="202122"/>
+                                    </a:solidFill>
+                                    <a:latin typeface="Cambria Math" panose="02040503050406030204" pitchFamily="18" charset="0"/>
+                                  </a:rPr>
+                                </m:ctrlPr>
+                              </m:accPr>
+                              <m:e>
+                                <m:r>
+                                  <m:rPr>
+                                    <m:nor/>
+                                  </m:rPr>
+                                  <a:rPr lang="el-GR" b="1" dirty="0"/>
+                                  <m:t>β</m:t>
+                                </m:r>
+                                <m:r>
+                                  <m:rPr>
+                                    <m:nor/>
+                                  </m:rPr>
+                                  <a:rPr lang="en-US" sz="1200" b="1" dirty="0"/>
+                                  <m:t>0</m:t>
+                                </m:r>
+                              </m:e>
+                            </m:acc>
+                            <m:r>
+                              <m:rPr>
+                                <m:nor/>
+                              </m:rPr>
+                              <a:rPr lang="bg-BG" sz="1200" b="1" i="0" dirty="0" smtClean="0">
+                                <a:latin typeface="Cambria Math" panose="02040503050406030204" pitchFamily="18" charset="0"/>
+                              </a:rPr>
+                              <m:t> </m:t>
+                            </m:r>
+                            <m:r>
+                              <m:rPr>
+                                <m:nor/>
+                              </m:rPr>
+                              <a:rPr lang="en-US" b="1" i="0" dirty="0" smtClean="0">
+                                <a:solidFill>
+                                  <a:srgbClr val="202122"/>
+                                </a:solidFill>
+                              </a:rPr>
+                              <m:t>-</m:t>
+                            </m:r>
+                            <m:r>
+                              <m:rPr>
+                                <m:nor/>
+                              </m:rPr>
+                              <a:rPr lang="bg-BG" b="1" i="0" dirty="0" smtClean="0">
+                                <a:solidFill>
+                                  <a:srgbClr val="202122"/>
+                                </a:solidFill>
+                              </a:rPr>
+                              <m:t> </m:t>
+                            </m:r>
+                            <m:acc>
+                              <m:accPr>
+                                <m:chr m:val="̂"/>
+                                <m:ctrlPr>
+                                  <a:rPr lang="en-US" b="1" i="1" dirty="0">
+                                    <a:solidFill>
+                                      <a:srgbClr val="202122"/>
+                                    </a:solidFill>
+                                    <a:latin typeface="Cambria Math" panose="02040503050406030204" pitchFamily="18" charset="0"/>
+                                  </a:rPr>
+                                </m:ctrlPr>
+                              </m:accPr>
+                              <m:e>
+                                <m:r>
+                                  <m:rPr>
+                                    <m:nor/>
+                                  </m:rPr>
+                                  <a:rPr lang="el-GR" b="1" dirty="0"/>
+                                  <m:t>β</m:t>
+                                </m:r>
+                                <m:r>
+                                  <m:rPr>
+                                    <m:nor/>
+                                  </m:rPr>
+                                  <a:rPr lang="bg-BG" sz="1200" b="1" dirty="0"/>
+                                  <m:t>1</m:t>
+                                </m:r>
+                              </m:e>
+                            </m:acc>
+                            <m:r>
+                              <m:rPr>
+                                <m:nor/>
+                              </m:rPr>
+                              <a:rPr lang="en-US" b="1" dirty="0"/>
+                              <m:t>∗</m:t>
+                            </m:r>
+                            <m:r>
+                              <m:rPr>
+                                <m:nor/>
+                              </m:rPr>
+                              <a:rPr lang="en-US" b="1" dirty="0"/>
+                              <m:t>x</m:t>
+                            </m:r>
+                            <m:r>
+                              <m:rPr>
+                                <m:nor/>
+                              </m:rPr>
+                              <a:rPr lang="en-US" sz="1200" b="1" dirty="0"/>
+                              <m:t>i</m:t>
+                            </m:r>
+                          </m:e>
+                        </m:d>
+                        <m:r>
+                          <a:rPr lang="en-US" i="1" smtClean="0">
+                            <a:solidFill>
+                              <a:srgbClr val="836967"/>
+                            </a:solidFill>
+                            <a:latin typeface="Cambria Math" panose="02040503050406030204" pitchFamily="18" charset="0"/>
+                          </a:rPr>
+                          <m:t> </m:t>
+                        </m:r>
+                      </m:e>
+                    </m:nary>
+                  </m:oMath>
+                </a14:m>
+                <a:endParaRPr lang="en-US" dirty="0"/>
+              </a:p>
+              <a:p>
+                <a:pPr lvl="1"/>
+                <a:r>
+                  <a:rPr lang="bg-BG" dirty="0"/>
+                  <a:t>Търсим локален минимум, така че искаме стойността на производната да е нула</a:t>
+                </a:r>
+                <a:endParaRPr lang="en-US" dirty="0"/>
+              </a:p>
+            </p:txBody>
+          </p:sp>
+        </mc:Choice>
+        <mc:Fallback>
+          <p:sp>
+            <p:nvSpPr>
+              <p:cNvPr id="3" name="Content Placeholder 2">
+                <a:extLst>
+                  <a:ext uri="{FF2B5EF4-FFF2-40B4-BE49-F238E27FC236}">
+                    <a16:creationId xmlns:a16="http://schemas.microsoft.com/office/drawing/2014/main" id="{8634B6FC-D654-4203-910A-27ED41D670D0}"/>
+                  </a:ext>
+                </a:extLst>
+              </p:cNvPr>
+              <p:cNvSpPr>
+                <a:spLocks noGrp="1" noRot="1" noChangeAspect="1" noMove="1" noResize="1" noEditPoints="1" noAdjustHandles="1" noChangeArrowheads="1" noChangeShapeType="1" noTextEdit="1"/>
+              </p:cNvSpPr>
+              <p:nvPr>
+                <p:ph idx="1"/>
+              </p:nvPr>
+            </p:nvSpPr>
+            <p:spPr>
+              <a:blipFill>
+                <a:blip r:embed="rId2"/>
+                <a:stretch>
+                  <a:fillRect l="-1043" t="-2241" r="-290"/>
+                </a:stretch>
+              </a:blipFill>
+            </p:spPr>
+            <p:txBody>
+              <a:bodyPr/>
+              <a:lstStyle/>
+              <a:p>
+                <a:r>
+                  <a:rPr lang="en-US">
+                    <a:noFill/>
+                  </a:rPr>
+                  <a:t> </a:t>
+                </a:r>
+              </a:p>
+            </p:txBody>
+          </p:sp>
+        </mc:Fallback>
+      </mc:AlternateContent>
+    </p:spTree>
+    <p:extLst>
+      <p:ext uri="{BB962C8B-B14F-4D97-AF65-F5344CB8AC3E}">
+        <p14:creationId xmlns:p14="http://schemas.microsoft.com/office/powerpoint/2010/main" val="3334839053"/>
+      </p:ext>
+    </p:extLst>
+  </p:cSld>
+  <p:clrMapOvr>
+    <a:masterClrMapping/>
+  </p:clrMapOvr>
+</p:sld>
+</file>
+
+<file path=ppt/slides/slide9.xml><?xml version="1.0" encoding="utf-8"?>
+<p:sld xmlns:a="http://schemas.openxmlformats.org/drawingml/2006/main" xmlns:r="http://schemas.openxmlformats.org/officeDocument/2006/relationships" xmlns:p="http://schemas.openxmlformats.org/presentationml/2006/main">
+  <p:cSld>
+    <p:spTree>
+      <p:nvGrpSpPr>
+        <p:cNvPr id="1" name=""/>
+        <p:cNvGrpSpPr/>
+        <p:nvPr/>
+      </p:nvGrpSpPr>
+      <p:grpSpPr>
+        <a:xfrm>
+          <a:off x="0" y="0"/>
+          <a:ext cx="0" cy="0"/>
+          <a:chOff x="0" y="0"/>
+          <a:chExt cx="0" cy="0"/>
+        </a:xfrm>
+      </p:grpSpPr>
+      <p:sp>
+        <p:nvSpPr>
+          <p:cNvPr id="2" name="Title 1">
+            <a:extLst>
+              <a:ext uri="{FF2B5EF4-FFF2-40B4-BE49-F238E27FC236}">
+                <a16:creationId xmlns:a16="http://schemas.microsoft.com/office/drawing/2014/main" id="{5EA0CA12-8337-47B0-BFB4-92F26A958FD9}"/>
+              </a:ext>
+            </a:extLst>
+          </p:cNvPr>
+          <p:cNvSpPr>
+            <a:spLocks noGrp="1"/>
+          </p:cNvSpPr>
+          <p:nvPr>
+            <p:ph type="title"/>
+          </p:nvPr>
+        </p:nvSpPr>
+        <p:spPr/>
+        <p:txBody>
+          <a:bodyPr/>
+          <a:lstStyle/>
+          <a:p>
+            <a:r>
+              <a:rPr lang="bg-BG" dirty="0"/>
+              <a:t>Метод на най-малките квадрати</a:t>
+            </a:r>
+            <a:endParaRPr lang="en-US" dirty="0"/>
+          </a:p>
+        </p:txBody>
+      </p:sp>
+      <mc:AlternateContent xmlns:mc="http://schemas.openxmlformats.org/markup-compatibility/2006">
+        <mc:Choice xmlns:a14="http://schemas.microsoft.com/office/drawing/2010/main" Requires="a14">
+          <p:sp>
+            <p:nvSpPr>
+              <p:cNvPr id="3" name="Content Placeholder 2">
+                <a:extLst>
+                  <a:ext uri="{FF2B5EF4-FFF2-40B4-BE49-F238E27FC236}">
+                    <a16:creationId xmlns:a16="http://schemas.microsoft.com/office/drawing/2014/main" id="{2FE2A151-B40A-4D43-AC44-3DDDDC1EC756}"/>
+                  </a:ext>
+                </a:extLst>
+              </p:cNvPr>
+              <p:cNvSpPr>
+                <a:spLocks noGrp="1"/>
+              </p:cNvSpPr>
+              <p:nvPr>
+                <p:ph idx="1"/>
+              </p:nvPr>
+            </p:nvSpPr>
+            <p:spPr/>
+            <p:txBody>
+              <a:bodyPr/>
+              <a:lstStyle/>
+              <a:p>
+                <a:r>
+                  <a:rPr lang="bg-BG" dirty="0"/>
+                  <a:t>-2 не играе роля в уравнението и след преобразуване получаваме</a:t>
+                </a:r>
+                <a:r>
+                  <a:rPr lang="en-US" dirty="0"/>
+                  <a:t>:</a:t>
+                </a:r>
+                <a:endParaRPr lang="bg-BG" dirty="0"/>
+              </a:p>
+              <a:p>
+                <a14:m>
+                  <m:oMath xmlns:m="http://schemas.openxmlformats.org/officeDocument/2006/math">
+                    <m:r>
+                      <a:rPr lang="en-US" i="1" smtClean="0">
+                        <a:latin typeface="Cambria Math" panose="02040503050406030204" pitchFamily="18" charset="0"/>
+                      </a:rPr>
+                      <m:t>𝑛</m:t>
+                    </m:r>
+                    <m:sSub>
+                      <m:sSubPr>
+                        <m:ctrlPr>
+                          <a:rPr lang="en-US" i="1" smtClean="0">
+                            <a:solidFill>
+                              <a:srgbClr val="836967"/>
+                            </a:solidFill>
+                            <a:latin typeface="Cambria Math" panose="02040503050406030204" pitchFamily="18" charset="0"/>
+                          </a:rPr>
+                        </m:ctrlPr>
+                      </m:sSubPr>
+                      <m:e>
+                        <m:r>
+                          <a:rPr lang="en-US" i="1">
+                            <a:latin typeface="Cambria Math" panose="02040503050406030204" pitchFamily="18" charset="0"/>
+                          </a:rPr>
+                          <m:t>𝛽</m:t>
+                        </m:r>
+                      </m:e>
+                      <m:sub>
+                        <m:r>
+                          <a:rPr lang="en-US" i="1" smtClean="0">
+                            <a:latin typeface="Cambria Math" panose="02040503050406030204" pitchFamily="18" charset="0"/>
+                          </a:rPr>
+                          <m:t>0</m:t>
+                        </m:r>
+                      </m:sub>
+                    </m:sSub>
+                    <m:r>
+                      <a:rPr lang="en-US" i="1" smtClean="0">
+                        <a:latin typeface="Cambria Math" panose="02040503050406030204" pitchFamily="18" charset="0"/>
+                      </a:rPr>
+                      <m:t>+</m:t>
+                    </m:r>
+                    <m:sSub>
+                      <m:sSubPr>
+                        <m:ctrlPr>
+                          <a:rPr lang="en-US" i="1" smtClean="0">
+                            <a:solidFill>
+                              <a:srgbClr val="836967"/>
+                            </a:solidFill>
+                            <a:latin typeface="Cambria Math" panose="02040503050406030204" pitchFamily="18" charset="0"/>
+                          </a:rPr>
+                        </m:ctrlPr>
+                      </m:sSubPr>
+                      <m:e>
+                        <m:r>
+                          <a:rPr lang="en-US" i="1" smtClean="0">
+                            <a:latin typeface="Cambria Math" panose="02040503050406030204" pitchFamily="18" charset="0"/>
+                          </a:rPr>
+                          <m:t>𝛽</m:t>
+                        </m:r>
+                      </m:e>
+                      <m:sub>
+                        <m:r>
+                          <a:rPr lang="en-US" i="1" smtClean="0">
+                            <a:latin typeface="Cambria Math" panose="02040503050406030204" pitchFamily="18" charset="0"/>
+                          </a:rPr>
+                          <m:t>1</m:t>
+                        </m:r>
+                      </m:sub>
+                    </m:sSub>
+                    <m:nary>
+                      <m:naryPr>
+                        <m:chr m:val="∑"/>
+                        <m:limLoc m:val="undOvr"/>
+                        <m:grow m:val="on"/>
+                        <m:ctrlPr>
+                          <a:rPr lang="en-US" i="1" smtClean="0">
+                            <a:latin typeface="Cambria Math" panose="02040503050406030204" pitchFamily="18" charset="0"/>
+                          </a:rPr>
+                        </m:ctrlPr>
+                      </m:naryPr>
+                      <m:sub>
+                        <m:r>
+                          <a:rPr lang="en-US" i="1" smtClean="0">
+                            <a:latin typeface="Cambria Math" panose="02040503050406030204" pitchFamily="18" charset="0"/>
+                          </a:rPr>
+                          <m:t>𝑖</m:t>
+                        </m:r>
+                        <m:r>
+                          <a:rPr lang="en-US" i="1" smtClean="0">
+                            <a:latin typeface="Cambria Math" panose="02040503050406030204" pitchFamily="18" charset="0"/>
+                          </a:rPr>
+                          <m:t>=1</m:t>
+                        </m:r>
+                      </m:sub>
+                      <m:sup>
+                        <m:r>
+                          <a:rPr lang="en-US" i="1" smtClean="0">
+                            <a:latin typeface="Cambria Math" panose="02040503050406030204" pitchFamily="18" charset="0"/>
+                          </a:rPr>
+                          <m:t>𝑛</m:t>
+                        </m:r>
+                      </m:sup>
+                      <m:e>
+                        <m:sSub>
+                          <m:sSubPr>
+                            <m:ctrlPr>
+                              <a:rPr lang="en-US" i="1" smtClean="0">
+                                <a:solidFill>
+                                  <a:srgbClr val="836967"/>
+                                </a:solidFill>
+                                <a:latin typeface="Cambria Math" panose="02040503050406030204" pitchFamily="18" charset="0"/>
+                              </a:rPr>
+                            </m:ctrlPr>
+                          </m:sSubPr>
+                          <m:e>
+                            <m:r>
+                              <a:rPr lang="en-US" i="1" smtClean="0">
+                                <a:latin typeface="Cambria Math" panose="02040503050406030204" pitchFamily="18" charset="0"/>
+                              </a:rPr>
+                              <m:t>𝑥</m:t>
+                            </m:r>
+                          </m:e>
+                          <m:sub>
+                            <m:r>
+                              <a:rPr lang="en-US" b="0" i="1" smtClean="0">
+                                <a:latin typeface="Cambria Math" panose="02040503050406030204" pitchFamily="18" charset="0"/>
+                              </a:rPr>
+                              <m:t>𝑖</m:t>
+                            </m:r>
+                          </m:sub>
+                        </m:sSub>
+                      </m:e>
+                    </m:nary>
+                    <m:r>
+                      <a:rPr lang="en-US" i="1" smtClean="0">
+                        <a:latin typeface="Cambria Math" panose="02040503050406030204" pitchFamily="18" charset="0"/>
+                      </a:rPr>
+                      <m:t>=</m:t>
+                    </m:r>
+                    <m:nary>
+                      <m:naryPr>
+                        <m:chr m:val="∑"/>
+                        <m:limLoc m:val="undOvr"/>
+                        <m:grow m:val="on"/>
+                        <m:ctrlPr>
+                          <a:rPr lang="en-US" i="1" smtClean="0">
+                            <a:latin typeface="Cambria Math" panose="02040503050406030204" pitchFamily="18" charset="0"/>
+                          </a:rPr>
+                        </m:ctrlPr>
+                      </m:naryPr>
+                      <m:sub>
+                        <m:r>
+                          <a:rPr lang="en-US" i="1" smtClean="0">
+                            <a:latin typeface="Cambria Math" panose="02040503050406030204" pitchFamily="18" charset="0"/>
+                          </a:rPr>
+                          <m:t>𝑖</m:t>
+                        </m:r>
+                        <m:r>
+                          <a:rPr lang="en-US" i="1" smtClean="0">
+                            <a:latin typeface="Cambria Math" panose="02040503050406030204" pitchFamily="18" charset="0"/>
+                          </a:rPr>
+                          <m:t>=1</m:t>
+                        </m:r>
+                      </m:sub>
+                      <m:sup>
+                        <m:r>
+                          <a:rPr lang="en-US" i="1" smtClean="0">
+                            <a:latin typeface="Cambria Math" panose="02040503050406030204" pitchFamily="18" charset="0"/>
+                          </a:rPr>
+                          <m:t>𝑛</m:t>
+                        </m:r>
+                      </m:sup>
+                      <m:e>
+                        <m:sSub>
+                          <m:sSubPr>
+                            <m:ctrlPr>
+                              <a:rPr lang="en-US" i="1" smtClean="0">
+                                <a:solidFill>
+                                  <a:srgbClr val="836967"/>
+                                </a:solidFill>
+                                <a:latin typeface="Cambria Math" panose="02040503050406030204" pitchFamily="18" charset="0"/>
+                              </a:rPr>
+                            </m:ctrlPr>
+                          </m:sSubPr>
+                          <m:e>
+                            <m:r>
+                              <a:rPr lang="en-US" i="1" smtClean="0">
+                                <a:latin typeface="Cambria Math" panose="02040503050406030204" pitchFamily="18" charset="0"/>
+                              </a:rPr>
+                              <m:t>𝑦</m:t>
+                            </m:r>
+                          </m:e>
+                          <m:sub>
+                            <m:r>
+                              <a:rPr lang="en-US" i="1" smtClean="0">
+                                <a:latin typeface="Cambria Math" panose="02040503050406030204" pitchFamily="18" charset="0"/>
+                              </a:rPr>
+                              <m:t>𝑖</m:t>
+                            </m:r>
+                          </m:sub>
+                        </m:sSub>
+                      </m:e>
+                    </m:nary>
+                  </m:oMath>
+                </a14:m>
+                <a:r>
+                  <a:rPr lang="en-US" dirty="0"/>
+                  <a:t> </a:t>
+                </a:r>
+                <a:r>
+                  <a:rPr lang="bg-BG" dirty="0"/>
+                  <a:t>От </a:t>
+                </a:r>
+                <a:r>
+                  <a:rPr lang="en-US" dirty="0"/>
+                  <a:t>f’(</a:t>
+                </a:r>
+                <a:r>
+                  <a:rPr lang="el-GR" b="1" dirty="0"/>
+                  <a:t>β</a:t>
+                </a:r>
+                <a:r>
+                  <a:rPr lang="en-US" sz="1200" b="1" dirty="0"/>
+                  <a:t>0</a:t>
+                </a:r>
+                <a:r>
+                  <a:rPr lang="en-US" dirty="0"/>
+                  <a:t>) </a:t>
+                </a:r>
+              </a:p>
+              <a:p>
+                <a14:m>
+                  <m:oMath xmlns:m="http://schemas.openxmlformats.org/officeDocument/2006/math">
+                    <m:sSub>
+                      <m:sSubPr>
+                        <m:ctrlPr>
+                          <a:rPr lang="en-US" i="1">
+                            <a:solidFill>
+                              <a:srgbClr val="836967"/>
+                            </a:solidFill>
+                            <a:latin typeface="Cambria Math" panose="02040503050406030204" pitchFamily="18" charset="0"/>
+                          </a:rPr>
+                        </m:ctrlPr>
+                      </m:sSubPr>
+                      <m:e>
+                        <m:r>
+                          <a:rPr lang="en-US" i="1">
+                            <a:latin typeface="Cambria Math" panose="02040503050406030204" pitchFamily="18" charset="0"/>
+                          </a:rPr>
+                          <m:t>𝛽</m:t>
+                        </m:r>
+                      </m:e>
+                      <m:sub>
+                        <m:r>
+                          <a:rPr lang="bg-BG" b="0" i="1" smtClean="0">
+                            <a:latin typeface="Cambria Math" panose="02040503050406030204" pitchFamily="18" charset="0"/>
+                          </a:rPr>
+                          <m:t>0</m:t>
+                        </m:r>
+                      </m:sub>
+                    </m:sSub>
+                    <m:nary>
+                      <m:naryPr>
+                        <m:chr m:val="∑"/>
+                        <m:limLoc m:val="undOvr"/>
+                        <m:grow m:val="on"/>
+                        <m:ctrlPr>
+                          <a:rPr lang="en-US" i="1">
+                            <a:latin typeface="Cambria Math" panose="02040503050406030204" pitchFamily="18" charset="0"/>
+                          </a:rPr>
+                        </m:ctrlPr>
+                      </m:naryPr>
+                      <m:sub>
+                        <m:r>
+                          <a:rPr lang="en-US" i="1">
+                            <a:latin typeface="Cambria Math" panose="02040503050406030204" pitchFamily="18" charset="0"/>
+                          </a:rPr>
+                          <m:t>𝑖</m:t>
+                        </m:r>
+                        <m:r>
+                          <a:rPr lang="en-US" i="1">
+                            <a:latin typeface="Cambria Math" panose="02040503050406030204" pitchFamily="18" charset="0"/>
+                          </a:rPr>
+                          <m:t>=1</m:t>
+                        </m:r>
+                      </m:sub>
+                      <m:sup>
+                        <m:r>
+                          <a:rPr lang="en-US" i="1">
+                            <a:latin typeface="Cambria Math" panose="02040503050406030204" pitchFamily="18" charset="0"/>
+                          </a:rPr>
+                          <m:t>𝑛</m:t>
+                        </m:r>
+                      </m:sup>
+                      <m:e>
+                        <m:sSub>
+                          <m:sSubPr>
+                            <m:ctrlPr>
+                              <a:rPr lang="en-US" i="1">
+                                <a:solidFill>
+                                  <a:srgbClr val="836967"/>
+                                </a:solidFill>
+                                <a:latin typeface="Cambria Math" panose="02040503050406030204" pitchFamily="18" charset="0"/>
+                              </a:rPr>
+                            </m:ctrlPr>
+                          </m:sSubPr>
+                          <m:e>
+                            <m:r>
+                              <a:rPr lang="en-US" i="1">
+                                <a:latin typeface="Cambria Math" panose="02040503050406030204" pitchFamily="18" charset="0"/>
+                              </a:rPr>
+                              <m:t>𝑥</m:t>
+                            </m:r>
+                          </m:e>
+                          <m:sub>
+                            <m:r>
+                              <a:rPr lang="en-US" i="1">
+                                <a:latin typeface="Cambria Math" panose="02040503050406030204" pitchFamily="18" charset="0"/>
+                              </a:rPr>
+                              <m:t>𝑖</m:t>
+                            </m:r>
+                          </m:sub>
+                        </m:sSub>
+                      </m:e>
+                    </m:nary>
+                    <m:r>
+                      <a:rPr lang="en-US" i="1" smtClean="0">
+                        <a:latin typeface="Cambria Math" panose="02040503050406030204" pitchFamily="18" charset="0"/>
+                      </a:rPr>
+                      <m:t>+</m:t>
+                    </m:r>
+                    <m:sSub>
+                      <m:sSubPr>
+                        <m:ctrlPr>
+                          <a:rPr lang="en-US" i="1" smtClean="0">
+                            <a:solidFill>
+                              <a:srgbClr val="836967"/>
+                            </a:solidFill>
+                            <a:latin typeface="Cambria Math" panose="02040503050406030204" pitchFamily="18" charset="0"/>
+                          </a:rPr>
+                        </m:ctrlPr>
+                      </m:sSubPr>
+                      <m:e>
+                        <m:r>
+                          <a:rPr lang="en-US" i="1" smtClean="0">
+                            <a:latin typeface="Cambria Math" panose="02040503050406030204" pitchFamily="18" charset="0"/>
+                          </a:rPr>
+                          <m:t>𝛽</m:t>
+                        </m:r>
+                      </m:e>
+                      <m:sub>
+                        <m:r>
+                          <a:rPr lang="en-US" i="1" smtClean="0">
+                            <a:latin typeface="Cambria Math" panose="02040503050406030204" pitchFamily="18" charset="0"/>
+                          </a:rPr>
+                          <m:t>1</m:t>
+                        </m:r>
+                      </m:sub>
+                    </m:sSub>
+                    <m:nary>
+                      <m:naryPr>
+                        <m:chr m:val="∑"/>
+                        <m:limLoc m:val="undOvr"/>
+                        <m:grow m:val="on"/>
+                        <m:ctrlPr>
+                          <a:rPr lang="en-US" i="1" smtClean="0">
+                            <a:latin typeface="Cambria Math" panose="02040503050406030204" pitchFamily="18" charset="0"/>
+                          </a:rPr>
+                        </m:ctrlPr>
+                      </m:naryPr>
+                      <m:sub>
+                        <m:r>
+                          <a:rPr lang="en-US" i="1" smtClean="0">
+                            <a:latin typeface="Cambria Math" panose="02040503050406030204" pitchFamily="18" charset="0"/>
+                          </a:rPr>
+                          <m:t>𝑖</m:t>
+                        </m:r>
+                        <m:r>
+                          <a:rPr lang="en-US" i="1" smtClean="0">
+                            <a:latin typeface="Cambria Math" panose="02040503050406030204" pitchFamily="18" charset="0"/>
+                          </a:rPr>
+                          <m:t>=1</m:t>
+                        </m:r>
+                      </m:sub>
+                      <m:sup>
+                        <m:r>
+                          <a:rPr lang="en-US" i="1" smtClean="0">
+                            <a:latin typeface="Cambria Math" panose="02040503050406030204" pitchFamily="18" charset="0"/>
+                          </a:rPr>
+                          <m:t>𝑛</m:t>
+                        </m:r>
+                      </m:sup>
+                      <m:e>
+                        <m:sSubSup>
+                          <m:sSubSupPr>
+                            <m:ctrlPr>
+                              <a:rPr lang="en-US" b="0" i="1" smtClean="0">
+                                <a:solidFill>
+                                  <a:srgbClr val="836967"/>
+                                </a:solidFill>
+                                <a:latin typeface="Cambria Math" panose="02040503050406030204" pitchFamily="18" charset="0"/>
+                              </a:rPr>
+                            </m:ctrlPr>
+                          </m:sSubSupPr>
+                          <m:e>
+                            <m:r>
+                              <a:rPr lang="en-US" b="0" i="1" smtClean="0">
+                                <a:latin typeface="Cambria Math" panose="02040503050406030204" pitchFamily="18" charset="0"/>
+                              </a:rPr>
+                              <m:t>𝑥</m:t>
+                            </m:r>
+                          </m:e>
+                          <m:sub>
+                            <m:r>
+                              <a:rPr lang="en-US" b="0" i="1" smtClean="0">
+                                <a:latin typeface="Cambria Math" panose="02040503050406030204" pitchFamily="18" charset="0"/>
+                              </a:rPr>
+                              <m:t>𝑖</m:t>
+                            </m:r>
+                          </m:sub>
+                          <m:sup>
+                            <m:r>
+                              <a:rPr lang="en-US" b="0" i="1" smtClean="0">
+                                <a:latin typeface="Cambria Math" panose="02040503050406030204" pitchFamily="18" charset="0"/>
+                              </a:rPr>
+                              <m:t>2</m:t>
+                            </m:r>
+                          </m:sup>
+                        </m:sSubSup>
+                      </m:e>
+                    </m:nary>
+                    <m:r>
+                      <a:rPr lang="en-US" i="1" smtClean="0">
+                        <a:latin typeface="Cambria Math" panose="02040503050406030204" pitchFamily="18" charset="0"/>
+                      </a:rPr>
+                      <m:t>=</m:t>
+                    </m:r>
+                    <m:nary>
+                      <m:naryPr>
+                        <m:chr m:val="∑"/>
+                        <m:limLoc m:val="undOvr"/>
+                        <m:grow m:val="on"/>
+                        <m:ctrlPr>
+                          <a:rPr lang="en-US" i="1" smtClean="0">
+                            <a:latin typeface="Cambria Math" panose="02040503050406030204" pitchFamily="18" charset="0"/>
+                          </a:rPr>
+                        </m:ctrlPr>
+                      </m:naryPr>
+                      <m:sub>
+                        <m:r>
+                          <a:rPr lang="en-US" i="1" smtClean="0">
+                            <a:latin typeface="Cambria Math" panose="02040503050406030204" pitchFamily="18" charset="0"/>
+                          </a:rPr>
+                          <m:t>𝑖</m:t>
+                        </m:r>
+                        <m:r>
+                          <a:rPr lang="en-US" i="1" smtClean="0">
+                            <a:latin typeface="Cambria Math" panose="02040503050406030204" pitchFamily="18" charset="0"/>
+                          </a:rPr>
+                          <m:t>=1</m:t>
+                        </m:r>
+                      </m:sub>
+                      <m:sup>
+                        <m:r>
+                          <a:rPr lang="en-US" i="1" smtClean="0">
+                            <a:latin typeface="Cambria Math" panose="02040503050406030204" pitchFamily="18" charset="0"/>
+                          </a:rPr>
+                          <m:t>𝑛</m:t>
+                        </m:r>
+                      </m:sup>
+                      <m:e>
+                        <m:sSub>
+                          <m:sSubPr>
+                            <m:ctrlPr>
+                              <a:rPr lang="en-US" i="1">
+                                <a:solidFill>
+                                  <a:srgbClr val="836967"/>
+                                </a:solidFill>
+                                <a:latin typeface="Cambria Math" panose="02040503050406030204" pitchFamily="18" charset="0"/>
+                              </a:rPr>
+                            </m:ctrlPr>
+                          </m:sSubPr>
+                          <m:e>
+                            <m:r>
+                              <a:rPr lang="en-US" i="1">
+                                <a:latin typeface="Cambria Math" panose="02040503050406030204" pitchFamily="18" charset="0"/>
+                              </a:rPr>
+                              <m:t>𝑥</m:t>
+                            </m:r>
+                          </m:e>
+                          <m:sub>
+                            <m:r>
+                              <a:rPr lang="en-US" i="1">
+                                <a:latin typeface="Cambria Math" panose="02040503050406030204" pitchFamily="18" charset="0"/>
+                              </a:rPr>
+                              <m:t>𝑖</m:t>
+                            </m:r>
+                          </m:sub>
+                        </m:sSub>
+                        <m:sSub>
+                          <m:sSubPr>
+                            <m:ctrlPr>
+                              <a:rPr lang="en-US" i="1" smtClean="0">
+                                <a:solidFill>
+                                  <a:srgbClr val="836967"/>
+                                </a:solidFill>
+                                <a:latin typeface="Cambria Math" panose="02040503050406030204" pitchFamily="18" charset="0"/>
+                              </a:rPr>
+                            </m:ctrlPr>
+                          </m:sSubPr>
+                          <m:e>
+                            <m:r>
+                              <a:rPr lang="en-US" i="1" smtClean="0">
+                                <a:latin typeface="Cambria Math" panose="02040503050406030204" pitchFamily="18" charset="0"/>
+                              </a:rPr>
+                              <m:t>𝑦</m:t>
+                            </m:r>
+                          </m:e>
+                          <m:sub>
+                            <m:r>
+                              <a:rPr lang="en-US" i="1" smtClean="0">
+                                <a:latin typeface="Cambria Math" panose="02040503050406030204" pitchFamily="18" charset="0"/>
+                              </a:rPr>
+                              <m:t>𝑖</m:t>
+                            </m:r>
+                          </m:sub>
+                        </m:sSub>
+                      </m:e>
+                    </m:nary>
+                  </m:oMath>
+                </a14:m>
+                <a:r>
+                  <a:rPr lang="bg-BG" dirty="0"/>
+                  <a:t> От </a:t>
+                </a:r>
+                <a:r>
+                  <a:rPr lang="en-US" dirty="0"/>
+                  <a:t>f’(</a:t>
+                </a:r>
+                <a:r>
+                  <a:rPr lang="el-GR" b="1" dirty="0"/>
+                  <a:t>β</a:t>
+                </a:r>
+                <a:r>
+                  <a:rPr lang="bg-BG" sz="1200" b="1" dirty="0"/>
+                  <a:t>1</a:t>
+                </a:r>
+                <a:r>
+                  <a:rPr lang="en-US" dirty="0"/>
+                  <a:t>) </a:t>
+                </a:r>
+              </a:p>
+            </p:txBody>
+          </p:sp>
+        </mc:Choice>
+        <mc:Fallback>
+          <p:sp>
+            <p:nvSpPr>
+              <p:cNvPr id="3" name="Content Placeholder 2">
+                <a:extLst>
+                  <a:ext uri="{FF2B5EF4-FFF2-40B4-BE49-F238E27FC236}">
+                    <a16:creationId xmlns:a16="http://schemas.microsoft.com/office/drawing/2014/main" id="{2FE2A151-B40A-4D43-AC44-3DDDDC1EC756}"/>
+                  </a:ext>
+                </a:extLst>
+              </p:cNvPr>
+              <p:cNvSpPr>
+                <a:spLocks noGrp="1" noRot="1" noChangeAspect="1" noMove="1" noResize="1" noEditPoints="1" noAdjustHandles="1" noChangeArrowheads="1" noChangeShapeType="1" noTextEdit="1"/>
+              </p:cNvSpPr>
+              <p:nvPr>
+                <p:ph idx="1"/>
+              </p:nvPr>
+            </p:nvSpPr>
+            <p:spPr>
+              <a:blipFill>
+                <a:blip r:embed="rId2"/>
+                <a:stretch>
+                  <a:fillRect l="-1043" t="-2241"/>
+                </a:stretch>
+              </a:blipFill>
+            </p:spPr>
+            <p:txBody>
+              <a:bodyPr/>
+              <a:lstStyle/>
+              <a:p>
+                <a:r>
+                  <a:rPr lang="en-US">
+                    <a:noFill/>
+                  </a:rPr>
+                  <a:t> </a:t>
+                </a:r>
+              </a:p>
+            </p:txBody>
+          </p:sp>
+        </mc:Fallback>
+      </mc:AlternateContent>
+    </p:spTree>
+    <p:extLst>
+      <p:ext uri="{BB962C8B-B14F-4D97-AF65-F5344CB8AC3E}">
+        <p14:creationId xmlns:p14="http://schemas.microsoft.com/office/powerpoint/2010/main" val="3198144762"/>
       </p:ext>
     </p:extLst>
   </p:cSld>
